--- a/Car_UML/분류_관리_화면.pptx
+++ b/Car_UML/분류_관리_화면.pptx
@@ -107,6 +107,11 @@
       </a:defRPr>
     </a:lvl9pPr>
   </p:defaultTextStyle>
+  <p:extLst>
+    <p:ext uri="{EFAFB233-063F-42B5-8137-9DF3F51BA10A}">
+      <p15:sldGuideLst xmlns:p15="http://schemas.microsoft.com/office/powerpoint/2012/main"/>
+    </p:ext>
+  </p:extLst>
 </p:presentation>
 </file>
 
@@ -3476,13 +3481,24 @@
         </p:nvSpPr>
         <p:spPr>
           <a:xfrm>
-            <a:off x="838200" y="1825625"/>
-            <a:ext cx="10515600" cy="4351338"/>
+            <a:off x="599812" y="2375717"/>
+            <a:ext cx="10515600" cy="4050250"/>
           </a:xfrm>
         </p:spPr>
         <p:txBody>
-          <a:bodyPr/>
+          <a:bodyPr>
+            <a:normAutofit fontScale="92500" lnSpcReduction="20000"/>
+          </a:bodyPr>
           <a:lstStyle/>
+          <a:p>
+            <a:endParaRPr lang="en-US" altLang="ko-KR" dirty="0"/>
+          </a:p>
+          <a:p>
+            <a:endParaRPr lang="en-US" altLang="ko-KR" dirty="0"/>
+          </a:p>
+          <a:p>
+            <a:endParaRPr lang="en-US" altLang="ko-KR" dirty="0"/>
+          </a:p>
           <a:p>
             <a:r>
               <a:rPr lang="ko-KR" altLang="en-US" dirty="0"/>
@@ -3527,12 +3543,45 @@
             <a:endParaRPr lang="en-US" altLang="ko-KR" dirty="0"/>
           </a:p>
           <a:p>
-            <a:endParaRPr lang="en-US" altLang="ko-KR" dirty="0"/>
-          </a:p>
-          <a:p>
-            <a:endParaRPr lang="en-US" altLang="ko-KR" dirty="0"/>
-          </a:p>
-          <a:p>
+            <a:r>
+              <a:rPr lang="ko-KR" altLang="en-US" dirty="0"/>
+              <a:t>추가버튼 </a:t>
+            </a:r>
+            <a:r>
+              <a:rPr lang="en-US" altLang="ko-KR" dirty="0"/>
+              <a:t>(</a:t>
+            </a:r>
+            <a:r>
+              <a:rPr lang="ko-KR" altLang="en-US" dirty="0"/>
+              <a:t>추가화면</a:t>
+            </a:r>
+            <a:r>
+              <a:rPr lang="en-US" altLang="ko-KR" dirty="0"/>
+              <a:t>)</a:t>
+            </a:r>
+          </a:p>
+          <a:p>
+            <a:r>
+              <a:rPr lang="ko-KR" altLang="en-US" dirty="0"/>
+              <a:t>각행의 데이터 클릭 </a:t>
+            </a:r>
+            <a:r>
+              <a:rPr lang="en-US" altLang="ko-KR" dirty="0"/>
+              <a:t>(</a:t>
+            </a:r>
+            <a:r>
+              <a:rPr lang="ko-KR" altLang="en-US" dirty="0"/>
+              <a:t>수정화면</a:t>
+            </a:r>
+            <a:r>
+              <a:rPr lang="en-US" altLang="ko-KR" dirty="0"/>
+              <a:t>)</a:t>
+            </a:r>
+          </a:p>
+          <a:p>
+            <a:pPr marL="0" indent="0">
+              <a:buNone/>
+            </a:pPr>
             <a:endParaRPr lang="en-US" altLang="ko-KR" dirty="0"/>
           </a:p>
           <a:p>
@@ -4545,6 +4594,152 @@
           </p:txBody>
         </p:sp>
       </p:grpSp>
+      <p:sp>
+        <p:nvSpPr>
+          <p:cNvPr id="37" name="사각형: 둥근 모서리 36">
+            <a:extLst>
+              <a:ext uri="{FF2B5EF4-FFF2-40B4-BE49-F238E27FC236}">
+                <a16:creationId xmlns:a16="http://schemas.microsoft.com/office/drawing/2014/main" id="{583D718A-631D-420C-AF27-32F03E4B18F6}"/>
+              </a:ext>
+            </a:extLst>
+          </p:cNvPr>
+          <p:cNvSpPr/>
+          <p:nvPr/>
+        </p:nvSpPr>
+        <p:spPr>
+          <a:xfrm>
+            <a:off x="9864753" y="4739470"/>
+            <a:ext cx="1166070" cy="394282"/>
+          </a:xfrm>
+          <a:prstGeom prst="roundRect">
+            <a:avLst/>
+          </a:prstGeom>
+        </p:spPr>
+        <p:style>
+          <a:lnRef idx="2">
+            <a:schemeClr val="accent1">
+              <a:shade val="50000"/>
+            </a:schemeClr>
+          </a:lnRef>
+          <a:fillRef idx="1">
+            <a:schemeClr val="accent1"/>
+          </a:fillRef>
+          <a:effectRef idx="0">
+            <a:schemeClr val="accent1"/>
+          </a:effectRef>
+          <a:fontRef idx="minor">
+            <a:schemeClr val="lt1"/>
+          </a:fontRef>
+        </p:style>
+        <p:txBody>
+          <a:bodyPr rtlCol="0" anchor="ctr"/>
+          <a:lstStyle/>
+          <a:p>
+            <a:pPr algn="ctr"/>
+            <a:r>
+              <a:rPr lang="ko-KR" altLang="en-US" dirty="0"/>
+              <a:t>추가</a:t>
+            </a:r>
+          </a:p>
+        </p:txBody>
+      </p:sp>
+      <p:cxnSp>
+        <p:nvCxnSpPr>
+          <p:cNvPr id="5" name="연결선: 꺾임 4">
+            <a:extLst>
+              <a:ext uri="{FF2B5EF4-FFF2-40B4-BE49-F238E27FC236}">
+                <a16:creationId xmlns:a16="http://schemas.microsoft.com/office/drawing/2014/main" id="{9984D0A8-21F0-48C8-BDE5-13B4B744B82A}"/>
+              </a:ext>
+            </a:extLst>
+          </p:cNvPr>
+          <p:cNvCxnSpPr>
+            <a:cxnSpLocks/>
+            <a:endCxn id="38" idx="0"/>
+          </p:cNvCxnSpPr>
+          <p:nvPr/>
+        </p:nvCxnSpPr>
+        <p:spPr>
+          <a:xfrm rot="10800000" flipV="1">
+            <a:off x="4752364" y="3011738"/>
+            <a:ext cx="1343637" cy="434596"/>
+          </a:xfrm>
+          <a:prstGeom prst="bentConnector2">
+            <a:avLst/>
+          </a:prstGeom>
+          <a:ln>
+            <a:tailEnd type="triangle"/>
+          </a:ln>
+        </p:spPr>
+        <p:style>
+          <a:lnRef idx="1">
+            <a:schemeClr val="accent1"/>
+          </a:lnRef>
+          <a:fillRef idx="0">
+            <a:schemeClr val="accent1"/>
+          </a:fillRef>
+          <a:effectRef idx="0">
+            <a:schemeClr val="accent1"/>
+          </a:effectRef>
+          <a:fontRef idx="minor">
+            <a:schemeClr val="tx1"/>
+          </a:fontRef>
+        </p:style>
+      </p:cxnSp>
+      <p:sp>
+        <p:nvSpPr>
+          <p:cNvPr id="38" name="사각형: 둥근 모서리 37">
+            <a:extLst>
+              <a:ext uri="{FF2B5EF4-FFF2-40B4-BE49-F238E27FC236}">
+                <a16:creationId xmlns:a16="http://schemas.microsoft.com/office/drawing/2014/main" id="{FD8F6B85-15D2-4CCF-9E97-4A99355238D0}"/>
+              </a:ext>
+            </a:extLst>
+          </p:cNvPr>
+          <p:cNvSpPr/>
+          <p:nvPr/>
+        </p:nvSpPr>
+        <p:spPr>
+          <a:xfrm>
+            <a:off x="4169328" y="3446334"/>
+            <a:ext cx="1166070" cy="394282"/>
+          </a:xfrm>
+          <a:prstGeom prst="roundRect">
+            <a:avLst/>
+          </a:prstGeom>
+          <a:solidFill>
+            <a:schemeClr val="bg1">
+              <a:lumMod val="85000"/>
+            </a:schemeClr>
+          </a:solidFill>
+        </p:spPr>
+        <p:style>
+          <a:lnRef idx="2">
+            <a:schemeClr val="accent1">
+              <a:shade val="50000"/>
+            </a:schemeClr>
+          </a:lnRef>
+          <a:fillRef idx="1">
+            <a:schemeClr val="accent1"/>
+          </a:fillRef>
+          <a:effectRef idx="0">
+            <a:schemeClr val="accent1"/>
+          </a:effectRef>
+          <a:fontRef idx="minor">
+            <a:schemeClr val="lt1"/>
+          </a:fontRef>
+        </p:style>
+        <p:txBody>
+          <a:bodyPr rtlCol="0" anchor="ctr"/>
+          <a:lstStyle/>
+          <a:p>
+            <a:pPr algn="ctr"/>
+            <a:r>
+              <a:rPr lang="ko-KR" altLang="en-US"/>
+              <a:t>수정화면</a:t>
+            </a:r>
+            <a:endParaRPr lang="ko-KR" altLang="en-US" dirty="0"/>
+          </a:p>
+        </p:txBody>
+      </p:sp>
     </p:spTree>
     <p:extLst>
       <p:ext uri="{BB962C8B-B14F-4D97-AF65-F5344CB8AC3E}">
@@ -4693,7 +4888,31 @@
             </a:r>
             <a:r>
               <a:rPr lang="en-US" altLang="ko-KR" dirty="0"/>
-              <a:t>(</a:t>
+              <a:t>({</a:t>
+            </a:r>
+            <a:r>
+              <a:rPr lang="ko-KR" altLang="en-US" dirty="0"/>
+              <a:t>이름</a:t>
+            </a:r>
+            <a:r>
+              <a:rPr lang="en-US" altLang="ko-KR" dirty="0"/>
+              <a:t>} </a:t>
+            </a:r>
+            <a:r>
+              <a:rPr lang="ko-KR" altLang="en-US" dirty="0"/>
+              <a:t>추가 하시겠습니까 </a:t>
+            </a:r>
+            <a:r>
+              <a:rPr lang="en-US" altLang="ko-KR" dirty="0"/>
+              <a:t>? =&gt; </a:t>
+            </a:r>
+            <a:r>
+              <a:rPr lang="ko-KR" altLang="en-US" dirty="0"/>
+              <a:t>예 </a:t>
+            </a:r>
+            <a:r>
+              <a:rPr lang="en-US" altLang="ko-KR" dirty="0"/>
+              <a:t>=&gt;</a:t>
             </a:r>
             <a:r>
               <a:rPr lang="ko-KR" altLang="en-US" dirty="0"/>
@@ -5556,7 +5775,31 @@
             </a:r>
             <a:r>
               <a:rPr lang="en-US" altLang="ko-KR" dirty="0"/>
-              <a:t>(</a:t>
+              <a:t>({</a:t>
+            </a:r>
+            <a:r>
+              <a:rPr lang="ko-KR" altLang="en-US" dirty="0"/>
+              <a:t>이름</a:t>
+            </a:r>
+            <a:r>
+              <a:rPr lang="en-US" altLang="ko-KR" dirty="0"/>
+              <a:t>} </a:t>
+            </a:r>
+            <a:r>
+              <a:rPr lang="ko-KR" altLang="en-US" dirty="0"/>
+              <a:t>수정 하시겠습니까 </a:t>
+            </a:r>
+            <a:r>
+              <a:rPr lang="en-US" altLang="ko-KR" dirty="0"/>
+              <a:t>? =&gt; </a:t>
+            </a:r>
+            <a:r>
+              <a:rPr lang="ko-KR" altLang="en-US" dirty="0"/>
+              <a:t>예 </a:t>
+            </a:r>
+            <a:r>
+              <a:rPr lang="en-US" altLang="ko-KR" dirty="0"/>
+              <a:t>=&gt; </a:t>
             </a:r>
             <a:r>
               <a:rPr lang="ko-KR" altLang="en-US" dirty="0"/>
@@ -5574,7 +5817,31 @@
             </a:r>
             <a:r>
               <a:rPr lang="en-US" altLang="ko-KR" dirty="0"/>
-              <a:t>(</a:t>
+              <a:t>({</a:t>
+            </a:r>
+            <a:r>
+              <a:rPr lang="ko-KR" altLang="en-US" dirty="0"/>
+              <a:t>이름</a:t>
+            </a:r>
+            <a:r>
+              <a:rPr lang="en-US" altLang="ko-KR" dirty="0"/>
+              <a:t>} </a:t>
+            </a:r>
+            <a:r>
+              <a:rPr lang="ko-KR" altLang="en-US" dirty="0"/>
+              <a:t>삭제 하시겠습니까 </a:t>
+            </a:r>
+            <a:r>
+              <a:rPr lang="en-US" altLang="ko-KR" dirty="0"/>
+              <a:t>? =&gt; </a:t>
+            </a:r>
+            <a:r>
+              <a:rPr lang="ko-KR" altLang="en-US" dirty="0"/>
+              <a:t>예 </a:t>
+            </a:r>
+            <a:r>
+              <a:rPr lang="en-US" altLang="ko-KR" dirty="0"/>
+              <a:t>=&gt; </a:t>
             </a:r>
             <a:r>
               <a:rPr lang="ko-KR" altLang="en-US" dirty="0"/>

--- a/Car_UML/분류_관리_화면.pptx
+++ b/Car_UML/분류_관리_화면.pptx
@@ -262,7 +262,7 @@
           <a:p>
             <a:fld id="{7D99B956-AE0C-4DC5-8C25-47BEC4E16F43}" type="datetimeFigureOut">
               <a:rPr lang="ko-KR" altLang="en-US" smtClean="0"/>
-              <a:t>2024-07-25</a:t>
+              <a:t>2024-07-26</a:t>
             </a:fld>
             <a:endParaRPr lang="ko-KR" altLang="en-US"/>
           </a:p>
@@ -460,7 +460,7 @@
           <a:p>
             <a:fld id="{7D99B956-AE0C-4DC5-8C25-47BEC4E16F43}" type="datetimeFigureOut">
               <a:rPr lang="ko-KR" altLang="en-US" smtClean="0"/>
-              <a:t>2024-07-25</a:t>
+              <a:t>2024-07-26</a:t>
             </a:fld>
             <a:endParaRPr lang="ko-KR" altLang="en-US"/>
           </a:p>
@@ -668,7 +668,7 @@
           <a:p>
             <a:fld id="{7D99B956-AE0C-4DC5-8C25-47BEC4E16F43}" type="datetimeFigureOut">
               <a:rPr lang="ko-KR" altLang="en-US" smtClean="0"/>
-              <a:t>2024-07-25</a:t>
+              <a:t>2024-07-26</a:t>
             </a:fld>
             <a:endParaRPr lang="ko-KR" altLang="en-US"/>
           </a:p>
@@ -866,7 +866,7 @@
           <a:p>
             <a:fld id="{7D99B956-AE0C-4DC5-8C25-47BEC4E16F43}" type="datetimeFigureOut">
               <a:rPr lang="ko-KR" altLang="en-US" smtClean="0"/>
-              <a:t>2024-07-25</a:t>
+              <a:t>2024-07-26</a:t>
             </a:fld>
             <a:endParaRPr lang="ko-KR" altLang="en-US"/>
           </a:p>
@@ -1141,7 +1141,7 @@
           <a:p>
             <a:fld id="{7D99B956-AE0C-4DC5-8C25-47BEC4E16F43}" type="datetimeFigureOut">
               <a:rPr lang="ko-KR" altLang="en-US" smtClean="0"/>
-              <a:t>2024-07-25</a:t>
+              <a:t>2024-07-26</a:t>
             </a:fld>
             <a:endParaRPr lang="ko-KR" altLang="en-US"/>
           </a:p>
@@ -1406,7 +1406,7 @@
           <a:p>
             <a:fld id="{7D99B956-AE0C-4DC5-8C25-47BEC4E16F43}" type="datetimeFigureOut">
               <a:rPr lang="ko-KR" altLang="en-US" smtClean="0"/>
-              <a:t>2024-07-25</a:t>
+              <a:t>2024-07-26</a:t>
             </a:fld>
             <a:endParaRPr lang="ko-KR" altLang="en-US"/>
           </a:p>
@@ -1818,7 +1818,7 @@
           <a:p>
             <a:fld id="{7D99B956-AE0C-4DC5-8C25-47BEC4E16F43}" type="datetimeFigureOut">
               <a:rPr lang="ko-KR" altLang="en-US" smtClean="0"/>
-              <a:t>2024-07-25</a:t>
+              <a:t>2024-07-26</a:t>
             </a:fld>
             <a:endParaRPr lang="ko-KR" altLang="en-US"/>
           </a:p>
@@ -1959,7 +1959,7 @@
           <a:p>
             <a:fld id="{7D99B956-AE0C-4DC5-8C25-47BEC4E16F43}" type="datetimeFigureOut">
               <a:rPr lang="ko-KR" altLang="en-US" smtClean="0"/>
-              <a:t>2024-07-25</a:t>
+              <a:t>2024-07-26</a:t>
             </a:fld>
             <a:endParaRPr lang="ko-KR" altLang="en-US"/>
           </a:p>
@@ -2072,7 +2072,7 @@
           <a:p>
             <a:fld id="{7D99B956-AE0C-4DC5-8C25-47BEC4E16F43}" type="datetimeFigureOut">
               <a:rPr lang="ko-KR" altLang="en-US" smtClean="0"/>
-              <a:t>2024-07-25</a:t>
+              <a:t>2024-07-26</a:t>
             </a:fld>
             <a:endParaRPr lang="ko-KR" altLang="en-US"/>
           </a:p>
@@ -2383,7 +2383,7 @@
           <a:p>
             <a:fld id="{7D99B956-AE0C-4DC5-8C25-47BEC4E16F43}" type="datetimeFigureOut">
               <a:rPr lang="ko-KR" altLang="en-US" smtClean="0"/>
-              <a:t>2024-07-25</a:t>
+              <a:t>2024-07-26</a:t>
             </a:fld>
             <a:endParaRPr lang="ko-KR" altLang="en-US"/>
           </a:p>
@@ -2671,7 +2671,7 @@
           <a:p>
             <a:fld id="{7D99B956-AE0C-4DC5-8C25-47BEC4E16F43}" type="datetimeFigureOut">
               <a:rPr lang="ko-KR" altLang="en-US" smtClean="0"/>
-              <a:t>2024-07-25</a:t>
+              <a:t>2024-07-26</a:t>
             </a:fld>
             <a:endParaRPr lang="ko-KR" altLang="en-US"/>
           </a:p>
@@ -2912,7 +2912,7 @@
           <a:p>
             <a:fld id="{7D99B956-AE0C-4DC5-8C25-47BEC4E16F43}" type="datetimeFigureOut">
               <a:rPr lang="ko-KR" altLang="en-US" smtClean="0"/>
-              <a:t>2024-07-25</a:t>
+              <a:t>2024-07-26</a:t>
             </a:fld>
             <a:endParaRPr lang="ko-KR" altLang="en-US"/>
           </a:p>
@@ -4737,6 +4737,78 @@
               <a:t>수정화면</a:t>
             </a:r>
             <a:endParaRPr lang="ko-KR" altLang="en-US" dirty="0"/>
+          </a:p>
+        </p:txBody>
+      </p:sp>
+      <p:sp>
+        <p:nvSpPr>
+          <p:cNvPr id="4" name="TextBox 3">
+            <a:extLst>
+              <a:ext uri="{FF2B5EF4-FFF2-40B4-BE49-F238E27FC236}">
+                <a16:creationId xmlns:a16="http://schemas.microsoft.com/office/drawing/2014/main" id="{C4CFB5D3-EA29-455F-99E1-056918B01654}"/>
+              </a:ext>
+            </a:extLst>
+          </p:cNvPr>
+          <p:cNvSpPr txBox="1"/>
+          <p:nvPr/>
+        </p:nvSpPr>
+        <p:spPr>
+          <a:xfrm>
+            <a:off x="598414" y="6317464"/>
+            <a:ext cx="7940828" cy="646331"/>
+          </a:xfrm>
+          <a:prstGeom prst="rect">
+            <a:avLst/>
+          </a:prstGeom>
+          <a:noFill/>
+          <a:ln>
+            <a:solidFill>
+              <a:schemeClr val="accent1"/>
+            </a:solidFill>
+          </a:ln>
+        </p:spPr>
+        <p:txBody>
+          <a:bodyPr wrap="none" rtlCol="0">
+            <a:spAutoFit/>
+          </a:bodyPr>
+          <a:lstStyle/>
+          <a:p>
+            <a:r>
+              <a:rPr lang="ko-KR" altLang="en-US" dirty="0">
+                <a:hlinkClick r:id="rId2"/>
+              </a:rPr>
+              <a:t>목록화면 </a:t>
+            </a:r>
+            <a:r>
+              <a:rPr lang="en-US" altLang="ko-KR" dirty="0">
+                <a:hlinkClick r:id="rId2"/>
+              </a:rPr>
+              <a:t>: GET http://localhost:????/catweb/category_list?page=1&amp;name</a:t>
+            </a:r>
+            <a:r>
+              <a:rPr lang="en-US" altLang="ko-KR" dirty="0"/>
+              <a:t>=</a:t>
+            </a:r>
+          </a:p>
+          <a:p>
+            <a:r>
+              <a:rPr lang="ko-KR" altLang="en-US" dirty="0"/>
+              <a:t>검색 </a:t>
+            </a:r>
+            <a:r>
+              <a:rPr lang="en-US" altLang="ko-KR" dirty="0"/>
+              <a:t>: </a:t>
+            </a:r>
+            <a:r>
+              <a:rPr lang="en-US" altLang="ko-KR" dirty="0">
+                <a:hlinkClick r:id="rId2"/>
+              </a:rPr>
+              <a:t> http://localhost:????/catweb/category_list?page=1&amp;name</a:t>
+            </a:r>
+            <a:r>
+              <a:rPr lang="en-US" altLang="ko-KR" dirty="0"/>
+              <a:t>=</a:t>
+            </a:r>
           </a:p>
         </p:txBody>
       </p:sp>
@@ -5596,6 +5668,99 @@
           </p:style>
         </p:cxnSp>
       </p:grpSp>
+      <p:sp>
+        <p:nvSpPr>
+          <p:cNvPr id="17" name="TextBox 16">
+            <a:extLst>
+              <a:ext uri="{FF2B5EF4-FFF2-40B4-BE49-F238E27FC236}">
+                <a16:creationId xmlns:a16="http://schemas.microsoft.com/office/drawing/2014/main" id="{42B33E6D-BA43-4318-AB97-21395123F761}"/>
+              </a:ext>
+            </a:extLst>
+          </p:cNvPr>
+          <p:cNvSpPr txBox="1"/>
+          <p:nvPr/>
+        </p:nvSpPr>
+        <p:spPr>
+          <a:xfrm>
+            <a:off x="928956" y="6071568"/>
+            <a:ext cx="8289689" cy="1200329"/>
+          </a:xfrm>
+          <a:prstGeom prst="rect">
+            <a:avLst/>
+          </a:prstGeom>
+          <a:noFill/>
+          <a:ln>
+            <a:solidFill>
+              <a:schemeClr val="accent1"/>
+            </a:solidFill>
+          </a:ln>
+        </p:spPr>
+        <p:txBody>
+          <a:bodyPr wrap="square" rtlCol="0">
+            <a:spAutoFit/>
+          </a:bodyPr>
+          <a:lstStyle/>
+          <a:p>
+            <a:r>
+              <a:rPr lang="en-US" altLang="ko-KR" dirty="0"/>
+              <a:t>GET  </a:t>
+            </a:r>
+            <a:r>
+              <a:rPr lang="en-US" altLang="ko-KR" dirty="0">
+                <a:hlinkClick r:id="rId2"/>
+              </a:rPr>
+              <a:t>http://localhost:????/catweb/category_add</a:t>
+            </a:r>
+            <a:r>
+              <a:rPr lang="en-US" altLang="ko-KR" dirty="0"/>
+              <a:t>   =&gt; </a:t>
+            </a:r>
+            <a:r>
+              <a:rPr lang="ko-KR" altLang="en-US" dirty="0"/>
+              <a:t>추가 버튼 예 </a:t>
+            </a:r>
+            <a:r>
+              <a:rPr lang="en-US" altLang="ko-KR" dirty="0"/>
+              <a:t>=&gt;</a:t>
+            </a:r>
+          </a:p>
+          <a:p>
+            <a:r>
+              <a:rPr lang="en-US" altLang="ko-KR" dirty="0"/>
+              <a:t>POST </a:t>
+            </a:r>
+            <a:r>
+              <a:rPr lang="en-US" altLang="ko-KR" dirty="0">
+                <a:hlinkClick r:id="rId3"/>
+              </a:rPr>
+              <a:t>http://localhost:????/catweb/category_insert</a:t>
+            </a:r>
+            <a:r>
+              <a:rPr lang="en-US" altLang="ko-KR" dirty="0"/>
+              <a:t> =&gt; DB insert =&gt;</a:t>
+            </a:r>
+          </a:p>
+          <a:p>
+            <a:r>
+              <a:rPr lang="en-US" altLang="ko-KR" dirty="0"/>
+              <a:t>REDIRECT </a:t>
+            </a:r>
+            <a:r>
+              <a:rPr lang="en-US" altLang="ko-KR" dirty="0">
+                <a:hlinkClick r:id="rId4"/>
+              </a:rPr>
+              <a:t>http://localhost:????/catweb/category_list?page=1&amp;name</a:t>
+            </a:r>
+            <a:r>
+              <a:rPr lang="en-US" altLang="ko-KR" dirty="0"/>
+              <a:t>=</a:t>
+            </a:r>
+          </a:p>
+          <a:p>
+            <a:endParaRPr lang="en-US" altLang="ko-KR" dirty="0"/>
+          </a:p>
+        </p:txBody>
+      </p:sp>
     </p:spTree>
     <p:extLst>
       <p:ext uri="{BB962C8B-B14F-4D97-AF65-F5344CB8AC3E}">
@@ -6977,6 +7142,121 @@
           </p:style>
         </p:cxnSp>
       </p:grpSp>
+      <p:sp>
+        <p:nvSpPr>
+          <p:cNvPr id="26" name="TextBox 25">
+            <a:extLst>
+              <a:ext uri="{FF2B5EF4-FFF2-40B4-BE49-F238E27FC236}">
+                <a16:creationId xmlns:a16="http://schemas.microsoft.com/office/drawing/2014/main" id="{2E65BC03-98AE-4D88-A419-75C236236DE6}"/>
+              </a:ext>
+            </a:extLst>
+          </p:cNvPr>
+          <p:cNvSpPr txBox="1"/>
+          <p:nvPr/>
+        </p:nvSpPr>
+        <p:spPr>
+          <a:xfrm>
+            <a:off x="928956" y="6388120"/>
+            <a:ext cx="8289689" cy="1477328"/>
+          </a:xfrm>
+          <a:prstGeom prst="rect">
+            <a:avLst/>
+          </a:prstGeom>
+          <a:noFill/>
+          <a:ln>
+            <a:solidFill>
+              <a:schemeClr val="accent1"/>
+            </a:solidFill>
+          </a:ln>
+        </p:spPr>
+        <p:txBody>
+          <a:bodyPr wrap="square" rtlCol="0">
+            <a:spAutoFit/>
+          </a:bodyPr>
+          <a:lstStyle/>
+          <a:p>
+            <a:r>
+              <a:rPr lang="en-US" altLang="ko-KR" dirty="0"/>
+              <a:t>GET  </a:t>
+            </a:r>
+            <a:r>
+              <a:rPr lang="en-US" altLang="ko-KR" dirty="0">
+                <a:hlinkClick r:id="rId2"/>
+              </a:rPr>
+              <a:t>http://localhost:????/catweb/category_</a:t>
+            </a:r>
+            <a:r>
+              <a:rPr lang="en-US" altLang="ko-KR" dirty="0"/>
+              <a:t>view?id=num   =&gt; </a:t>
+            </a:r>
+            <a:r>
+              <a:rPr lang="ko-KR" altLang="en-US" dirty="0"/>
+              <a:t>수정 버튼 </a:t>
+            </a:r>
+            <a:r>
+              <a:rPr lang="en-US" altLang="ko-KR" dirty="0"/>
+              <a:t>=&gt;</a:t>
+            </a:r>
+          </a:p>
+          <a:p>
+            <a:r>
+              <a:rPr lang="en-US" altLang="ko-KR" dirty="0"/>
+              <a:t>POST </a:t>
+            </a:r>
+            <a:r>
+              <a:rPr lang="en-US" altLang="ko-KR" dirty="0">
+                <a:hlinkClick r:id="rId2"/>
+              </a:rPr>
+              <a:t>http://localhost:????/catweb/category_</a:t>
+            </a:r>
+            <a:r>
+              <a:rPr lang="en-US" altLang="ko-KR" dirty="0"/>
+              <a:t>update =&gt; DB insert =&gt;</a:t>
+            </a:r>
+          </a:p>
+          <a:p>
+            <a:r>
+              <a:rPr lang="en-US" altLang="ko-KR" dirty="0"/>
+              <a:t>REDIRECT </a:t>
+            </a:r>
+            <a:r>
+              <a:rPr lang="en-US" altLang="ko-KR" dirty="0">
+                <a:hlinkClick r:id="rId3"/>
+              </a:rPr>
+              <a:t>http://localhost:????/catweb/category_list?page=1&amp;name</a:t>
+            </a:r>
+            <a:r>
+              <a:rPr lang="en-US" altLang="ko-KR" dirty="0"/>
+              <a:t>=</a:t>
+            </a:r>
+          </a:p>
+          <a:p>
+            <a:r>
+              <a:rPr lang="ko-KR" altLang="en-US" dirty="0"/>
+              <a:t>삭제버튼 </a:t>
+            </a:r>
+            <a:r>
+              <a:rPr lang="en-US" altLang="ko-KR" dirty="0"/>
+              <a:t>=&gt; GET </a:t>
+            </a:r>
+            <a:r>
+              <a:rPr lang="en-US" altLang="ko-KR" dirty="0">
+                <a:hlinkClick r:id="rId4"/>
+              </a:rPr>
+              <a:t>http://localhost:????/catweb/category_delete?id=num</a:t>
+            </a:r>
+            <a:r>
+              <a:rPr lang="en-US" altLang="ko-KR" dirty="0"/>
+              <a:t> =&gt; REDIRECT </a:t>
+            </a:r>
+            <a:r>
+              <a:rPr lang="ko-KR" altLang="en-US" dirty="0"/>
+              <a:t>화면목록</a:t>
+            </a:r>
+            <a:endParaRPr lang="en-US" altLang="ko-KR" dirty="0"/>
+          </a:p>
+        </p:txBody>
+      </p:sp>
     </p:spTree>
     <p:extLst>
       <p:ext uri="{BB962C8B-B14F-4D97-AF65-F5344CB8AC3E}">

--- a/Car_UML/분류_관리_화면.pptx
+++ b/Car_UML/분류_관리_화면.pptx
@@ -9,6 +9,7 @@
     <p:sldId id="257" r:id="rId3"/>
     <p:sldId id="258" r:id="rId4"/>
     <p:sldId id="259" r:id="rId5"/>
+    <p:sldId id="260" r:id="rId6"/>
   </p:sldIdLst>
   <p:sldSz cx="12192000" cy="6858000"/>
   <p:notesSz cx="6858000" cy="9144000"/>
@@ -262,7 +263,7 @@
           <a:p>
             <a:fld id="{7D99B956-AE0C-4DC5-8C25-47BEC4E16F43}" type="datetimeFigureOut">
               <a:rPr lang="ko-KR" altLang="en-US" smtClean="0"/>
-              <a:t>2024-07-26</a:t>
+              <a:t>2024-07-31</a:t>
             </a:fld>
             <a:endParaRPr lang="ko-KR" altLang="en-US"/>
           </a:p>
@@ -460,7 +461,7 @@
           <a:p>
             <a:fld id="{7D99B956-AE0C-4DC5-8C25-47BEC4E16F43}" type="datetimeFigureOut">
               <a:rPr lang="ko-KR" altLang="en-US" smtClean="0"/>
-              <a:t>2024-07-26</a:t>
+              <a:t>2024-07-31</a:t>
             </a:fld>
             <a:endParaRPr lang="ko-KR" altLang="en-US"/>
           </a:p>
@@ -668,7 +669,7 @@
           <a:p>
             <a:fld id="{7D99B956-AE0C-4DC5-8C25-47BEC4E16F43}" type="datetimeFigureOut">
               <a:rPr lang="ko-KR" altLang="en-US" smtClean="0"/>
-              <a:t>2024-07-26</a:t>
+              <a:t>2024-07-31</a:t>
             </a:fld>
             <a:endParaRPr lang="ko-KR" altLang="en-US"/>
           </a:p>
@@ -866,7 +867,7 @@
           <a:p>
             <a:fld id="{7D99B956-AE0C-4DC5-8C25-47BEC4E16F43}" type="datetimeFigureOut">
               <a:rPr lang="ko-KR" altLang="en-US" smtClean="0"/>
-              <a:t>2024-07-26</a:t>
+              <a:t>2024-07-31</a:t>
             </a:fld>
             <a:endParaRPr lang="ko-KR" altLang="en-US"/>
           </a:p>
@@ -1141,7 +1142,7 @@
           <a:p>
             <a:fld id="{7D99B956-AE0C-4DC5-8C25-47BEC4E16F43}" type="datetimeFigureOut">
               <a:rPr lang="ko-KR" altLang="en-US" smtClean="0"/>
-              <a:t>2024-07-26</a:t>
+              <a:t>2024-07-31</a:t>
             </a:fld>
             <a:endParaRPr lang="ko-KR" altLang="en-US"/>
           </a:p>
@@ -1406,7 +1407,7 @@
           <a:p>
             <a:fld id="{7D99B956-AE0C-4DC5-8C25-47BEC4E16F43}" type="datetimeFigureOut">
               <a:rPr lang="ko-KR" altLang="en-US" smtClean="0"/>
-              <a:t>2024-07-26</a:t>
+              <a:t>2024-07-31</a:t>
             </a:fld>
             <a:endParaRPr lang="ko-KR" altLang="en-US"/>
           </a:p>
@@ -1818,7 +1819,7 @@
           <a:p>
             <a:fld id="{7D99B956-AE0C-4DC5-8C25-47BEC4E16F43}" type="datetimeFigureOut">
               <a:rPr lang="ko-KR" altLang="en-US" smtClean="0"/>
-              <a:t>2024-07-26</a:t>
+              <a:t>2024-07-31</a:t>
             </a:fld>
             <a:endParaRPr lang="ko-KR" altLang="en-US"/>
           </a:p>
@@ -1959,7 +1960,7 @@
           <a:p>
             <a:fld id="{7D99B956-AE0C-4DC5-8C25-47BEC4E16F43}" type="datetimeFigureOut">
               <a:rPr lang="ko-KR" altLang="en-US" smtClean="0"/>
-              <a:t>2024-07-26</a:t>
+              <a:t>2024-07-31</a:t>
             </a:fld>
             <a:endParaRPr lang="ko-KR" altLang="en-US"/>
           </a:p>
@@ -2072,7 +2073,7 @@
           <a:p>
             <a:fld id="{7D99B956-AE0C-4DC5-8C25-47BEC4E16F43}" type="datetimeFigureOut">
               <a:rPr lang="ko-KR" altLang="en-US" smtClean="0"/>
-              <a:t>2024-07-26</a:t>
+              <a:t>2024-07-31</a:t>
             </a:fld>
             <a:endParaRPr lang="ko-KR" altLang="en-US"/>
           </a:p>
@@ -2383,7 +2384,7 @@
           <a:p>
             <a:fld id="{7D99B956-AE0C-4DC5-8C25-47BEC4E16F43}" type="datetimeFigureOut">
               <a:rPr lang="ko-KR" altLang="en-US" smtClean="0"/>
-              <a:t>2024-07-26</a:t>
+              <a:t>2024-07-31</a:t>
             </a:fld>
             <a:endParaRPr lang="ko-KR" altLang="en-US"/>
           </a:p>
@@ -2671,7 +2672,7 @@
           <a:p>
             <a:fld id="{7D99B956-AE0C-4DC5-8C25-47BEC4E16F43}" type="datetimeFigureOut">
               <a:rPr lang="ko-KR" altLang="en-US" smtClean="0"/>
-              <a:t>2024-07-26</a:t>
+              <a:t>2024-07-31</a:t>
             </a:fld>
             <a:endParaRPr lang="ko-KR" altLang="en-US"/>
           </a:p>
@@ -2912,7 +2913,7 @@
           <a:p>
             <a:fld id="{7D99B956-AE0C-4DC5-8C25-47BEC4E16F43}" type="datetimeFigureOut">
               <a:rPr lang="ko-KR" altLang="en-US" smtClean="0"/>
-              <a:t>2024-07-26</a:t>
+              <a:t>2024-07-31</a:t>
             </a:fld>
             <a:endParaRPr lang="ko-KR" altLang="en-US"/>
           </a:p>
@@ -4997,12 +4998,379 @@
           </a:p>
         </p:txBody>
       </p:sp>
+      <p:sp>
+        <p:nvSpPr>
+          <p:cNvPr id="6" name="직사각형 5">
+            <a:extLst>
+              <a:ext uri="{FF2B5EF4-FFF2-40B4-BE49-F238E27FC236}">
+                <a16:creationId xmlns:a16="http://schemas.microsoft.com/office/drawing/2014/main" id="{92888DD4-1B10-4027-9BD3-F29643475F39}"/>
+              </a:ext>
+            </a:extLst>
+          </p:cNvPr>
+          <p:cNvSpPr/>
+          <p:nvPr/>
+        </p:nvSpPr>
+        <p:spPr>
+          <a:xfrm>
+            <a:off x="4345498" y="1551250"/>
+            <a:ext cx="7164197" cy="3977095"/>
+          </a:xfrm>
+          <a:prstGeom prst="rect">
+            <a:avLst/>
+          </a:prstGeom>
+          <a:noFill/>
+        </p:spPr>
+        <p:style>
+          <a:lnRef idx="2">
+            <a:schemeClr val="accent1">
+              <a:shade val="50000"/>
+            </a:schemeClr>
+          </a:lnRef>
+          <a:fillRef idx="1">
+            <a:schemeClr val="accent1"/>
+          </a:fillRef>
+          <a:effectRef idx="0">
+            <a:schemeClr val="accent1"/>
+          </a:effectRef>
+          <a:fontRef idx="minor">
+            <a:schemeClr val="lt1"/>
+          </a:fontRef>
+        </p:style>
+        <p:txBody>
+          <a:bodyPr rtlCol="0" anchor="ctr"/>
+          <a:lstStyle/>
+          <a:p>
+            <a:pPr algn="ctr"/>
+            <a:endParaRPr lang="ko-KR" altLang="en-US"/>
+          </a:p>
+        </p:txBody>
+      </p:sp>
+      <p:sp>
+        <p:nvSpPr>
+          <p:cNvPr id="7" name="직사각형 6">
+            <a:extLst>
+              <a:ext uri="{FF2B5EF4-FFF2-40B4-BE49-F238E27FC236}">
+                <a16:creationId xmlns:a16="http://schemas.microsoft.com/office/drawing/2014/main" id="{A4F5D628-1A6C-40D6-95D6-6E5F84AC5161}"/>
+              </a:ext>
+            </a:extLst>
+          </p:cNvPr>
+          <p:cNvSpPr/>
+          <p:nvPr/>
+        </p:nvSpPr>
+        <p:spPr>
+          <a:xfrm>
+            <a:off x="4346896" y="1551250"/>
+            <a:ext cx="7164197" cy="596331"/>
+          </a:xfrm>
+          <a:prstGeom prst="rect">
+            <a:avLst/>
+          </a:prstGeom>
+          <a:noFill/>
+        </p:spPr>
+        <p:style>
+          <a:lnRef idx="2">
+            <a:schemeClr val="accent1">
+              <a:shade val="50000"/>
+            </a:schemeClr>
+          </a:lnRef>
+          <a:fillRef idx="1">
+            <a:schemeClr val="accent1"/>
+          </a:fillRef>
+          <a:effectRef idx="0">
+            <a:schemeClr val="accent1"/>
+          </a:effectRef>
+          <a:fontRef idx="minor">
+            <a:schemeClr val="lt1"/>
+          </a:fontRef>
+        </p:style>
+        <p:txBody>
+          <a:bodyPr rtlCol="0" anchor="ctr"/>
+          <a:lstStyle/>
+          <a:p>
+            <a:pPr algn="ctr"/>
+            <a:endParaRPr lang="ko-KR" altLang="en-US"/>
+          </a:p>
+        </p:txBody>
+      </p:sp>
+      <p:sp>
+        <p:nvSpPr>
+          <p:cNvPr id="9" name="사각형: 둥근 모서리 8">
+            <a:extLst>
+              <a:ext uri="{FF2B5EF4-FFF2-40B4-BE49-F238E27FC236}">
+                <a16:creationId xmlns:a16="http://schemas.microsoft.com/office/drawing/2014/main" id="{486C62AE-0B88-4D03-8B90-80D98B6232C5}"/>
+              </a:ext>
+            </a:extLst>
+          </p:cNvPr>
+          <p:cNvSpPr/>
+          <p:nvPr/>
+        </p:nvSpPr>
+        <p:spPr>
+          <a:xfrm>
+            <a:off x="5626216" y="1652274"/>
+            <a:ext cx="4548232" cy="394282"/>
+          </a:xfrm>
+          <a:prstGeom prst="roundRect">
+            <a:avLst/>
+          </a:prstGeom>
+          <a:solidFill>
+            <a:schemeClr val="bg1">
+              <a:lumMod val="85000"/>
+            </a:schemeClr>
+          </a:solidFill>
+        </p:spPr>
+        <p:style>
+          <a:lnRef idx="2">
+            <a:schemeClr val="accent1">
+              <a:shade val="50000"/>
+            </a:schemeClr>
+          </a:lnRef>
+          <a:fillRef idx="1">
+            <a:schemeClr val="accent1"/>
+          </a:fillRef>
+          <a:effectRef idx="0">
+            <a:schemeClr val="accent1"/>
+          </a:effectRef>
+          <a:fontRef idx="minor">
+            <a:schemeClr val="lt1"/>
+          </a:fontRef>
+        </p:style>
+        <p:txBody>
+          <a:bodyPr rtlCol="0" anchor="ctr"/>
+          <a:lstStyle/>
+          <a:p>
+            <a:pPr algn="ctr"/>
+            <a:r>
+              <a:rPr lang="ko-KR" altLang="en-US">
+                <a:solidFill>
+                  <a:schemeClr val="tx1"/>
+                </a:solidFill>
+              </a:rPr>
+              <a:t>분류 추가</a:t>
+            </a:r>
+            <a:endParaRPr lang="ko-KR" altLang="en-US" dirty="0">
+              <a:solidFill>
+                <a:schemeClr val="tx1"/>
+              </a:solidFill>
+            </a:endParaRPr>
+          </a:p>
+        </p:txBody>
+      </p:sp>
+      <p:sp>
+        <p:nvSpPr>
+          <p:cNvPr id="37" name="사각형: 둥근 모서리 36">
+            <a:extLst>
+              <a:ext uri="{FF2B5EF4-FFF2-40B4-BE49-F238E27FC236}">
+                <a16:creationId xmlns:a16="http://schemas.microsoft.com/office/drawing/2014/main" id="{7C4887FF-61FA-4CF8-9C00-85374E336A35}"/>
+              </a:ext>
+            </a:extLst>
+          </p:cNvPr>
+          <p:cNvSpPr/>
+          <p:nvPr/>
+        </p:nvSpPr>
+        <p:spPr>
+          <a:xfrm>
+            <a:off x="4404220" y="5068376"/>
+            <a:ext cx="1166070" cy="394282"/>
+          </a:xfrm>
+          <a:prstGeom prst="roundRect">
+            <a:avLst/>
+          </a:prstGeom>
+        </p:spPr>
+        <p:style>
+          <a:lnRef idx="2">
+            <a:schemeClr val="accent1">
+              <a:shade val="50000"/>
+            </a:schemeClr>
+          </a:lnRef>
+          <a:fillRef idx="1">
+            <a:schemeClr val="accent1"/>
+          </a:fillRef>
+          <a:effectRef idx="0">
+            <a:schemeClr val="accent1"/>
+          </a:effectRef>
+          <a:fontRef idx="minor">
+            <a:schemeClr val="lt1"/>
+          </a:fontRef>
+        </p:style>
+        <p:txBody>
+          <a:bodyPr rtlCol="0" anchor="ctr"/>
+          <a:lstStyle/>
+          <a:p>
+            <a:pPr algn="ctr"/>
+            <a:r>
+              <a:rPr lang="ko-KR" altLang="en-US" dirty="0"/>
+              <a:t>뒤로</a:t>
+            </a:r>
+          </a:p>
+        </p:txBody>
+      </p:sp>
+      <p:sp>
+        <p:nvSpPr>
+          <p:cNvPr id="38" name="사각형: 둥근 모서리 37">
+            <a:extLst>
+              <a:ext uri="{FF2B5EF4-FFF2-40B4-BE49-F238E27FC236}">
+                <a16:creationId xmlns:a16="http://schemas.microsoft.com/office/drawing/2014/main" id="{5DAE95EA-0109-474D-92C8-7065ECEECFD6}"/>
+              </a:ext>
+            </a:extLst>
+          </p:cNvPr>
+          <p:cNvSpPr/>
+          <p:nvPr/>
+        </p:nvSpPr>
+        <p:spPr>
+          <a:xfrm>
+            <a:off x="10259036" y="5081623"/>
+            <a:ext cx="1166070" cy="394282"/>
+          </a:xfrm>
+          <a:prstGeom prst="roundRect">
+            <a:avLst/>
+          </a:prstGeom>
+        </p:spPr>
+        <p:style>
+          <a:lnRef idx="2">
+            <a:schemeClr val="accent1">
+              <a:shade val="50000"/>
+            </a:schemeClr>
+          </a:lnRef>
+          <a:fillRef idx="1">
+            <a:schemeClr val="accent1"/>
+          </a:fillRef>
+          <a:effectRef idx="0">
+            <a:schemeClr val="accent1"/>
+          </a:effectRef>
+          <a:fontRef idx="minor">
+            <a:schemeClr val="lt1"/>
+          </a:fontRef>
+        </p:style>
+        <p:txBody>
+          <a:bodyPr rtlCol="0" anchor="ctr"/>
+          <a:lstStyle/>
+          <a:p>
+            <a:pPr algn="ctr"/>
+            <a:r>
+              <a:rPr lang="ko-KR" altLang="en-US" dirty="0"/>
+              <a:t>추가</a:t>
+            </a:r>
+          </a:p>
+        </p:txBody>
+      </p:sp>
+      <p:sp>
+        <p:nvSpPr>
+          <p:cNvPr id="39" name="사각형: 둥근 모서리 38">
+            <a:extLst>
+              <a:ext uri="{FF2B5EF4-FFF2-40B4-BE49-F238E27FC236}">
+                <a16:creationId xmlns:a16="http://schemas.microsoft.com/office/drawing/2014/main" id="{2557AC3C-6324-46B3-B7AE-769AC22D8292}"/>
+              </a:ext>
+            </a:extLst>
+          </p:cNvPr>
+          <p:cNvSpPr/>
+          <p:nvPr/>
+        </p:nvSpPr>
+        <p:spPr>
+          <a:xfrm>
+            <a:off x="6230223" y="2496744"/>
+            <a:ext cx="4548232" cy="394282"/>
+          </a:xfrm>
+          <a:prstGeom prst="roundRect">
+            <a:avLst/>
+          </a:prstGeom>
+          <a:noFill/>
+        </p:spPr>
+        <p:style>
+          <a:lnRef idx="2">
+            <a:schemeClr val="accent1">
+              <a:shade val="50000"/>
+            </a:schemeClr>
+          </a:lnRef>
+          <a:fillRef idx="1">
+            <a:schemeClr val="accent1"/>
+          </a:fillRef>
+          <a:effectRef idx="0">
+            <a:schemeClr val="accent1"/>
+          </a:effectRef>
+          <a:fontRef idx="minor">
+            <a:schemeClr val="lt1"/>
+          </a:fontRef>
+        </p:style>
+        <p:txBody>
+          <a:bodyPr rtlCol="0" anchor="ctr"/>
+          <a:lstStyle/>
+          <a:p>
+            <a:pPr algn="ctr"/>
+            <a:r>
+              <a:rPr lang="ko-KR" altLang="en-US" dirty="0">
+                <a:solidFill>
+                  <a:schemeClr val="tx1"/>
+                </a:solidFill>
+              </a:rPr>
+              <a:t>추가할 이름 입력</a:t>
+            </a:r>
+          </a:p>
+        </p:txBody>
+      </p:sp>
+      <p:sp>
+        <p:nvSpPr>
+          <p:cNvPr id="40" name="사각형: 둥근 모서리 39">
+            <a:extLst>
+              <a:ext uri="{FF2B5EF4-FFF2-40B4-BE49-F238E27FC236}">
+                <a16:creationId xmlns:a16="http://schemas.microsoft.com/office/drawing/2014/main" id="{BEFC2F7D-BDC4-4844-A006-2A5F7A7DB25F}"/>
+              </a:ext>
+            </a:extLst>
+          </p:cNvPr>
+          <p:cNvSpPr/>
+          <p:nvPr/>
+        </p:nvSpPr>
+        <p:spPr>
+          <a:xfrm>
+            <a:off x="5008227" y="2496744"/>
+            <a:ext cx="1164672" cy="394282"/>
+          </a:xfrm>
+          <a:prstGeom prst="roundRect">
+            <a:avLst/>
+          </a:prstGeom>
+          <a:solidFill>
+            <a:schemeClr val="bg1">
+              <a:lumMod val="85000"/>
+            </a:schemeClr>
+          </a:solidFill>
+        </p:spPr>
+        <p:style>
+          <a:lnRef idx="2">
+            <a:schemeClr val="accent1">
+              <a:shade val="50000"/>
+            </a:schemeClr>
+          </a:lnRef>
+          <a:fillRef idx="1">
+            <a:schemeClr val="accent1"/>
+          </a:fillRef>
+          <a:effectRef idx="0">
+            <a:schemeClr val="accent1"/>
+          </a:effectRef>
+          <a:fontRef idx="minor">
+            <a:schemeClr val="lt1"/>
+          </a:fontRef>
+        </p:style>
+        <p:txBody>
+          <a:bodyPr rtlCol="0" anchor="ctr"/>
+          <a:lstStyle/>
+          <a:p>
+            <a:pPr algn="ctr"/>
+            <a:r>
+              <a:rPr lang="ko-KR" altLang="en-US" dirty="0">
+                <a:solidFill>
+                  <a:schemeClr val="tx1"/>
+                </a:solidFill>
+              </a:rPr>
+              <a:t>이름</a:t>
+            </a:r>
+          </a:p>
+        </p:txBody>
+      </p:sp>
       <p:grpSp>
         <p:nvGrpSpPr>
-          <p:cNvPr id="43" name="그룹 42">
-            <a:extLst>
-              <a:ext uri="{FF2B5EF4-FFF2-40B4-BE49-F238E27FC236}">
-                <a16:creationId xmlns:a16="http://schemas.microsoft.com/office/drawing/2014/main" id="{5CF97B8F-B57C-4D99-9345-B5856892C0CD}"/>
+          <p:cNvPr id="5" name="그룹 4">
+            <a:extLst>
+              <a:ext uri="{FF2B5EF4-FFF2-40B4-BE49-F238E27FC236}">
+                <a16:creationId xmlns:a16="http://schemas.microsoft.com/office/drawing/2014/main" id="{D6FF6F97-ADE0-42BB-AADD-E4E1EF35D114}"/>
               </a:ext>
             </a:extLst>
           </p:cNvPr>
@@ -5011,18 +5379,18 @@
         </p:nvGrpSpPr>
         <p:grpSpPr>
           <a:xfrm>
-            <a:off x="4345498" y="1551250"/>
-            <a:ext cx="7165595" cy="3977095"/>
-            <a:chOff x="3951215" y="1811309"/>
-            <a:chExt cx="7165595" cy="3977095"/>
+            <a:off x="6667850" y="3096285"/>
+            <a:ext cx="3506598" cy="1929468"/>
+            <a:chOff x="6434356" y="3357209"/>
+            <a:chExt cx="3506598" cy="1929468"/>
           </a:xfrm>
         </p:grpSpPr>
         <p:sp>
           <p:nvSpPr>
-            <p:cNvPr id="6" name="직사각형 5">
+            <p:cNvPr id="4" name="직사각형 3">
               <a:extLst>
                 <a:ext uri="{FF2B5EF4-FFF2-40B4-BE49-F238E27FC236}">
-                  <a16:creationId xmlns:a16="http://schemas.microsoft.com/office/drawing/2014/main" id="{92888DD4-1B10-4027-9BD3-F29643475F39}"/>
+                  <a16:creationId xmlns:a16="http://schemas.microsoft.com/office/drawing/2014/main" id="{C8EF9373-10E2-43B6-88ED-B5C6353D5203}"/>
                 </a:ext>
               </a:extLst>
             </p:cNvPr>
@@ -5031,109 +5399,15 @@
           </p:nvSpPr>
           <p:spPr>
             <a:xfrm>
-              <a:off x="3951215" y="1811309"/>
-              <a:ext cx="7164197" cy="3977095"/>
+              <a:off x="6434356" y="3357209"/>
+              <a:ext cx="3506598" cy="1929468"/>
             </a:xfrm>
             <a:prstGeom prst="rect">
               <a:avLst/>
             </a:prstGeom>
-            <a:noFill/>
-          </p:spPr>
-          <p:style>
-            <a:lnRef idx="2">
-              <a:schemeClr val="accent1">
-                <a:shade val="50000"/>
-              </a:schemeClr>
-            </a:lnRef>
-            <a:fillRef idx="1">
-              <a:schemeClr val="accent1"/>
-            </a:fillRef>
-            <a:effectRef idx="0">
-              <a:schemeClr val="accent1"/>
-            </a:effectRef>
-            <a:fontRef idx="minor">
-              <a:schemeClr val="lt1"/>
-            </a:fontRef>
-          </p:style>
-          <p:txBody>
-            <a:bodyPr rtlCol="0" anchor="ctr"/>
-            <a:lstStyle/>
-            <a:p>
-              <a:pPr algn="ctr"/>
-              <a:endParaRPr lang="ko-KR" altLang="en-US"/>
-            </a:p>
-          </p:txBody>
-        </p:sp>
-        <p:sp>
-          <p:nvSpPr>
-            <p:cNvPr id="7" name="직사각형 6">
-              <a:extLst>
-                <a:ext uri="{FF2B5EF4-FFF2-40B4-BE49-F238E27FC236}">
-                  <a16:creationId xmlns:a16="http://schemas.microsoft.com/office/drawing/2014/main" id="{A4F5D628-1A6C-40D6-95D6-6E5F84AC5161}"/>
-                </a:ext>
-              </a:extLst>
-            </p:cNvPr>
-            <p:cNvSpPr/>
-            <p:nvPr/>
-          </p:nvSpPr>
-          <p:spPr>
-            <a:xfrm>
-              <a:off x="3952613" y="1811309"/>
-              <a:ext cx="7164197" cy="596331"/>
-            </a:xfrm>
-            <a:prstGeom prst="rect">
-              <a:avLst/>
-            </a:prstGeom>
-            <a:noFill/>
-          </p:spPr>
-          <p:style>
-            <a:lnRef idx="2">
-              <a:schemeClr val="accent1">
-                <a:shade val="50000"/>
-              </a:schemeClr>
-            </a:lnRef>
-            <a:fillRef idx="1">
-              <a:schemeClr val="accent1"/>
-            </a:fillRef>
-            <a:effectRef idx="0">
-              <a:schemeClr val="accent1"/>
-            </a:effectRef>
-            <a:fontRef idx="minor">
-              <a:schemeClr val="lt1"/>
-            </a:fontRef>
-          </p:style>
-          <p:txBody>
-            <a:bodyPr rtlCol="0" anchor="ctr"/>
-            <a:lstStyle/>
-            <a:p>
-              <a:pPr algn="ctr"/>
-              <a:endParaRPr lang="ko-KR" altLang="en-US"/>
-            </a:p>
-          </p:txBody>
-        </p:sp>
-        <p:sp>
-          <p:nvSpPr>
-            <p:cNvPr id="9" name="사각형: 둥근 모서리 8">
-              <a:extLst>
-                <a:ext uri="{FF2B5EF4-FFF2-40B4-BE49-F238E27FC236}">
-                  <a16:creationId xmlns:a16="http://schemas.microsoft.com/office/drawing/2014/main" id="{486C62AE-0B88-4D03-8B90-80D98B6232C5}"/>
-                </a:ext>
-              </a:extLst>
-            </p:cNvPr>
-            <p:cNvSpPr/>
-            <p:nvPr/>
-          </p:nvSpPr>
-          <p:spPr>
-            <a:xfrm>
-              <a:off x="5231933" y="1912333"/>
-              <a:ext cx="4548232" cy="394282"/>
-            </a:xfrm>
-            <a:prstGeom prst="roundRect">
-              <a:avLst/>
-            </a:prstGeom>
             <a:solidFill>
               <a:schemeClr val="bg1">
-                <a:lumMod val="85000"/>
+                <a:lumMod val="95000"/>
               </a:schemeClr>
             </a:solidFill>
           </p:spPr>
@@ -5159,13 +5433,64 @@
             <a:p>
               <a:pPr algn="ctr"/>
               <a:r>
-                <a:rPr lang="ko-KR" altLang="en-US">
+                <a:rPr lang="en-US" altLang="ko-KR" dirty="0">
                   <a:solidFill>
                     <a:schemeClr val="tx1"/>
                   </a:solidFill>
                 </a:rPr>
-                <a:t>분류 추가</a:t>
+                <a:t>{</a:t>
               </a:r>
+              <a:r>
+                <a:rPr lang="ko-KR" altLang="en-US" dirty="0">
+                  <a:solidFill>
+                    <a:schemeClr val="tx1"/>
+                  </a:solidFill>
+                </a:rPr>
+                <a:t>이름</a:t>
+              </a:r>
+              <a:r>
+                <a:rPr lang="en-US" altLang="ko-KR" dirty="0">
+                  <a:solidFill>
+                    <a:schemeClr val="tx1"/>
+                  </a:solidFill>
+                </a:rPr>
+                <a:t>}</a:t>
+              </a:r>
+              <a:r>
+                <a:rPr lang="ko-KR" altLang="en-US" dirty="0">
+                  <a:solidFill>
+                    <a:schemeClr val="tx1"/>
+                  </a:solidFill>
+                </a:rPr>
+                <a:t>을 추가 하시겠습니까 </a:t>
+              </a:r>
+              <a:r>
+                <a:rPr lang="en-US" altLang="ko-KR" dirty="0">
+                  <a:solidFill>
+                    <a:schemeClr val="tx1"/>
+                  </a:solidFill>
+                </a:rPr>
+                <a:t>?</a:t>
+              </a:r>
+            </a:p>
+            <a:p>
+              <a:pPr algn="ctr"/>
+              <a:endParaRPr lang="en-US" altLang="ko-KR" dirty="0">
+                <a:solidFill>
+                  <a:schemeClr val="tx1"/>
+                </a:solidFill>
+              </a:endParaRPr>
+            </a:p>
+            <a:p>
+              <a:pPr algn="ctr"/>
+              <a:endParaRPr lang="en-US" altLang="ko-KR" dirty="0">
+                <a:solidFill>
+                  <a:schemeClr val="tx1"/>
+                </a:solidFill>
+              </a:endParaRPr>
+            </a:p>
+            <a:p>
+              <a:pPr algn="ctr"/>
               <a:endParaRPr lang="ko-KR" altLang="en-US" dirty="0">
                 <a:solidFill>
                   <a:schemeClr val="tx1"/>
@@ -5176,10 +5501,10 @@
         </p:sp>
         <p:sp>
           <p:nvSpPr>
-            <p:cNvPr id="37" name="사각형: 둥근 모서리 36">
+            <p:cNvPr id="41" name="사각형: 둥근 모서리 40">
               <a:extLst>
                 <a:ext uri="{FF2B5EF4-FFF2-40B4-BE49-F238E27FC236}">
-                  <a16:creationId xmlns:a16="http://schemas.microsoft.com/office/drawing/2014/main" id="{7C4887FF-61FA-4CF8-9C00-85374E336A35}"/>
+                  <a16:creationId xmlns:a16="http://schemas.microsoft.com/office/drawing/2014/main" id="{B9DAA099-B67B-4699-A802-2313B9DC5948}"/>
                 </a:ext>
               </a:extLst>
             </p:cNvPr>
@@ -5188,12 +5513,15 @@
           </p:nvSpPr>
           <p:spPr>
             <a:xfrm>
-              <a:off x="4009937" y="5328435"/>
+              <a:off x="6943986" y="4639096"/>
               <a:ext cx="1166070" cy="394282"/>
             </a:xfrm>
             <a:prstGeom prst="roundRect">
               <a:avLst/>
             </a:prstGeom>
+            <a:solidFill>
+              <a:schemeClr val="accent4"/>
+            </a:solidFill>
           </p:spPr>
           <p:style>
             <a:lnRef idx="2">
@@ -5218,17 +5546,17 @@
               <a:pPr algn="ctr"/>
               <a:r>
                 <a:rPr lang="ko-KR" altLang="en-US" dirty="0"/>
-                <a:t>뒤로</a:t>
+                <a:t>예</a:t>
               </a:r>
             </a:p>
           </p:txBody>
         </p:sp>
         <p:sp>
           <p:nvSpPr>
-            <p:cNvPr id="38" name="사각형: 둥근 모서리 37">
+            <p:cNvPr id="42" name="사각형: 둥근 모서리 41">
               <a:extLst>
                 <a:ext uri="{FF2B5EF4-FFF2-40B4-BE49-F238E27FC236}">
-                  <a16:creationId xmlns:a16="http://schemas.microsoft.com/office/drawing/2014/main" id="{5DAE95EA-0109-474D-92C8-7065ECEECFD6}"/>
+                  <a16:creationId xmlns:a16="http://schemas.microsoft.com/office/drawing/2014/main" id="{E2132EC1-D6F4-4B38-AB56-19229D081216}"/>
                 </a:ext>
               </a:extLst>
             </p:cNvPr>
@@ -5237,119 +5565,14 @@
           </p:nvSpPr>
           <p:spPr>
             <a:xfrm>
-              <a:off x="9864753" y="5341682"/>
+              <a:off x="8311043" y="4639096"/>
               <a:ext cx="1166070" cy="394282"/>
             </a:xfrm>
             <a:prstGeom prst="roundRect">
               <a:avLst/>
             </a:prstGeom>
-          </p:spPr>
-          <p:style>
-            <a:lnRef idx="2">
-              <a:schemeClr val="accent1">
-                <a:shade val="50000"/>
-              </a:schemeClr>
-            </a:lnRef>
-            <a:fillRef idx="1">
-              <a:schemeClr val="accent1"/>
-            </a:fillRef>
-            <a:effectRef idx="0">
-              <a:schemeClr val="accent1"/>
-            </a:effectRef>
-            <a:fontRef idx="minor">
-              <a:schemeClr val="lt1"/>
-            </a:fontRef>
-          </p:style>
-          <p:txBody>
-            <a:bodyPr rtlCol="0" anchor="ctr"/>
-            <a:lstStyle/>
-            <a:p>
-              <a:pPr algn="ctr"/>
-              <a:r>
-                <a:rPr lang="ko-KR" altLang="en-US" dirty="0"/>
-                <a:t>추가</a:t>
-              </a:r>
-            </a:p>
-          </p:txBody>
-        </p:sp>
-        <p:sp>
-          <p:nvSpPr>
-            <p:cNvPr id="39" name="사각형: 둥근 모서리 38">
-              <a:extLst>
-                <a:ext uri="{FF2B5EF4-FFF2-40B4-BE49-F238E27FC236}">
-                  <a16:creationId xmlns:a16="http://schemas.microsoft.com/office/drawing/2014/main" id="{2557AC3C-6324-46B3-B7AE-769AC22D8292}"/>
-                </a:ext>
-              </a:extLst>
-            </p:cNvPr>
-            <p:cNvSpPr/>
-            <p:nvPr/>
-          </p:nvSpPr>
-          <p:spPr>
-            <a:xfrm>
-              <a:off x="5835940" y="2756803"/>
-              <a:ext cx="4548232" cy="394282"/>
-            </a:xfrm>
-            <a:prstGeom prst="roundRect">
-              <a:avLst/>
-            </a:prstGeom>
-            <a:noFill/>
-          </p:spPr>
-          <p:style>
-            <a:lnRef idx="2">
-              <a:schemeClr val="accent1">
-                <a:shade val="50000"/>
-              </a:schemeClr>
-            </a:lnRef>
-            <a:fillRef idx="1">
-              <a:schemeClr val="accent1"/>
-            </a:fillRef>
-            <a:effectRef idx="0">
-              <a:schemeClr val="accent1"/>
-            </a:effectRef>
-            <a:fontRef idx="minor">
-              <a:schemeClr val="lt1"/>
-            </a:fontRef>
-          </p:style>
-          <p:txBody>
-            <a:bodyPr rtlCol="0" anchor="ctr"/>
-            <a:lstStyle/>
-            <a:p>
-              <a:pPr algn="ctr"/>
-              <a:r>
-                <a:rPr lang="ko-KR" altLang="en-US" dirty="0">
-                  <a:solidFill>
-                    <a:schemeClr val="tx1"/>
-                  </a:solidFill>
-                </a:rPr>
-                <a:t>추가할 이름 입력</a:t>
-              </a:r>
-            </a:p>
-          </p:txBody>
-        </p:sp>
-        <p:sp>
-          <p:nvSpPr>
-            <p:cNvPr id="40" name="사각형: 둥근 모서리 39">
-              <a:extLst>
-                <a:ext uri="{FF2B5EF4-FFF2-40B4-BE49-F238E27FC236}">
-                  <a16:creationId xmlns:a16="http://schemas.microsoft.com/office/drawing/2014/main" id="{BEFC2F7D-BDC4-4844-A006-2A5F7A7DB25F}"/>
-                </a:ext>
-              </a:extLst>
-            </p:cNvPr>
-            <p:cNvSpPr/>
-            <p:nvPr/>
-          </p:nvSpPr>
-          <p:spPr>
-            <a:xfrm>
-              <a:off x="4613944" y="2756803"/>
-              <a:ext cx="1164672" cy="394282"/>
-            </a:xfrm>
-            <a:prstGeom prst="roundRect">
-              <a:avLst/>
-            </a:prstGeom>
             <a:solidFill>
-              <a:schemeClr val="bg1">
-                <a:lumMod val="85000"/>
-              </a:schemeClr>
+              <a:schemeClr val="accent4"/>
             </a:solidFill>
           </p:spPr>
           <p:style>
@@ -5374,300 +5597,57 @@
             <a:p>
               <a:pPr algn="ctr"/>
               <a:r>
-                <a:rPr lang="ko-KR" altLang="en-US" dirty="0">
-                  <a:solidFill>
-                    <a:schemeClr val="tx1"/>
-                  </a:solidFill>
-                </a:rPr>
-                <a:t>이름</a:t>
+                <a:rPr lang="ko-KR" altLang="en-US" dirty="0" err="1"/>
+                <a:t>아니오</a:t>
               </a:r>
+              <a:endParaRPr lang="ko-KR" altLang="en-US" dirty="0"/>
             </a:p>
           </p:txBody>
         </p:sp>
-        <p:grpSp>
-          <p:nvGrpSpPr>
-            <p:cNvPr id="5" name="그룹 4">
-              <a:extLst>
-                <a:ext uri="{FF2B5EF4-FFF2-40B4-BE49-F238E27FC236}">
-                  <a16:creationId xmlns:a16="http://schemas.microsoft.com/office/drawing/2014/main" id="{D6FF6F97-ADE0-42BB-AADD-E4E1EF35D114}"/>
-                </a:ext>
-              </a:extLst>
-            </p:cNvPr>
-            <p:cNvGrpSpPr/>
-            <p:nvPr/>
-          </p:nvGrpSpPr>
-          <p:grpSpPr>
-            <a:xfrm>
-              <a:off x="6273567" y="3356344"/>
-              <a:ext cx="3506598" cy="1929468"/>
-              <a:chOff x="6434356" y="3357209"/>
-              <a:chExt cx="3506598" cy="1929468"/>
-            </a:xfrm>
-          </p:grpSpPr>
-          <p:sp>
-            <p:nvSpPr>
-              <p:cNvPr id="4" name="직사각형 3">
-                <a:extLst>
-                  <a:ext uri="{FF2B5EF4-FFF2-40B4-BE49-F238E27FC236}">
-                    <a16:creationId xmlns:a16="http://schemas.microsoft.com/office/drawing/2014/main" id="{C8EF9373-10E2-43B6-88ED-B5C6353D5203}"/>
-                  </a:ext>
-                </a:extLst>
-              </p:cNvPr>
-              <p:cNvSpPr/>
-              <p:nvPr/>
-            </p:nvSpPr>
-            <p:spPr>
-              <a:xfrm>
-                <a:off x="6434356" y="3357209"/>
-                <a:ext cx="3506598" cy="1929468"/>
-              </a:xfrm>
-              <a:prstGeom prst="rect">
-                <a:avLst/>
-              </a:prstGeom>
-              <a:solidFill>
-                <a:schemeClr val="bg1">
-                  <a:lumMod val="95000"/>
-                </a:schemeClr>
-              </a:solidFill>
-            </p:spPr>
-            <p:style>
-              <a:lnRef idx="2">
-                <a:schemeClr val="accent1">
-                  <a:shade val="50000"/>
-                </a:schemeClr>
-              </a:lnRef>
-              <a:fillRef idx="1">
-                <a:schemeClr val="accent1"/>
-              </a:fillRef>
-              <a:effectRef idx="0">
-                <a:schemeClr val="accent1"/>
-              </a:effectRef>
-              <a:fontRef idx="minor">
-                <a:schemeClr val="lt1"/>
-              </a:fontRef>
-            </p:style>
-            <p:txBody>
-              <a:bodyPr rtlCol="0" anchor="ctr"/>
-              <a:lstStyle/>
-              <a:p>
-                <a:pPr algn="ctr"/>
-                <a:r>
-                  <a:rPr lang="en-US" altLang="ko-KR" dirty="0">
-                    <a:solidFill>
-                      <a:schemeClr val="tx1"/>
-                    </a:solidFill>
-                  </a:rPr>
-                  <a:t>{</a:t>
-                </a:r>
-                <a:r>
-                  <a:rPr lang="ko-KR" altLang="en-US" dirty="0">
-                    <a:solidFill>
-                      <a:schemeClr val="tx1"/>
-                    </a:solidFill>
-                  </a:rPr>
-                  <a:t>이름</a:t>
-                </a:r>
-                <a:r>
-                  <a:rPr lang="en-US" altLang="ko-KR" dirty="0">
-                    <a:solidFill>
-                      <a:schemeClr val="tx1"/>
-                    </a:solidFill>
-                  </a:rPr>
-                  <a:t>}</a:t>
-                </a:r>
-                <a:r>
-                  <a:rPr lang="ko-KR" altLang="en-US" dirty="0">
-                    <a:solidFill>
-                      <a:schemeClr val="tx1"/>
-                    </a:solidFill>
-                  </a:rPr>
-                  <a:t>을 추가 하시겠습니까 </a:t>
-                </a:r>
-                <a:r>
-                  <a:rPr lang="en-US" altLang="ko-KR" dirty="0">
-                    <a:solidFill>
-                      <a:schemeClr val="tx1"/>
-                    </a:solidFill>
-                  </a:rPr>
-                  <a:t>?</a:t>
-                </a:r>
-              </a:p>
-              <a:p>
-                <a:pPr algn="ctr"/>
-                <a:endParaRPr lang="en-US" altLang="ko-KR" dirty="0">
-                  <a:solidFill>
-                    <a:schemeClr val="tx1"/>
-                  </a:solidFill>
-                </a:endParaRPr>
-              </a:p>
-              <a:p>
-                <a:pPr algn="ctr"/>
-                <a:endParaRPr lang="en-US" altLang="ko-KR" dirty="0">
-                  <a:solidFill>
-                    <a:schemeClr val="tx1"/>
-                  </a:solidFill>
-                </a:endParaRPr>
-              </a:p>
-              <a:p>
-                <a:pPr algn="ctr"/>
-                <a:endParaRPr lang="ko-KR" altLang="en-US" dirty="0">
-                  <a:solidFill>
-                    <a:schemeClr val="tx1"/>
-                  </a:solidFill>
-                </a:endParaRPr>
-              </a:p>
-            </p:txBody>
-          </p:sp>
-          <p:sp>
-            <p:nvSpPr>
-              <p:cNvPr id="41" name="사각형: 둥근 모서리 40">
-                <a:extLst>
-                  <a:ext uri="{FF2B5EF4-FFF2-40B4-BE49-F238E27FC236}">
-                    <a16:creationId xmlns:a16="http://schemas.microsoft.com/office/drawing/2014/main" id="{B9DAA099-B67B-4699-A802-2313B9DC5948}"/>
-                  </a:ext>
-                </a:extLst>
-              </p:cNvPr>
-              <p:cNvSpPr/>
-              <p:nvPr/>
-            </p:nvSpPr>
-            <p:spPr>
-              <a:xfrm>
-                <a:off x="6943986" y="4639096"/>
-                <a:ext cx="1166070" cy="394282"/>
-              </a:xfrm>
-              <a:prstGeom prst="roundRect">
-                <a:avLst/>
-              </a:prstGeom>
-              <a:solidFill>
-                <a:schemeClr val="accent4"/>
-              </a:solidFill>
-            </p:spPr>
-            <p:style>
-              <a:lnRef idx="2">
-                <a:schemeClr val="accent1">
-                  <a:shade val="50000"/>
-                </a:schemeClr>
-              </a:lnRef>
-              <a:fillRef idx="1">
-                <a:schemeClr val="accent1"/>
-              </a:fillRef>
-              <a:effectRef idx="0">
-                <a:schemeClr val="accent1"/>
-              </a:effectRef>
-              <a:fontRef idx="minor">
-                <a:schemeClr val="lt1"/>
-              </a:fontRef>
-            </p:style>
-            <p:txBody>
-              <a:bodyPr rtlCol="0" anchor="ctr"/>
-              <a:lstStyle/>
-              <a:p>
-                <a:pPr algn="ctr"/>
-                <a:r>
-                  <a:rPr lang="ko-KR" altLang="en-US" dirty="0"/>
-                  <a:t>예</a:t>
-                </a:r>
-              </a:p>
-            </p:txBody>
-          </p:sp>
-          <p:sp>
-            <p:nvSpPr>
-              <p:cNvPr id="42" name="사각형: 둥근 모서리 41">
-                <a:extLst>
-                  <a:ext uri="{FF2B5EF4-FFF2-40B4-BE49-F238E27FC236}">
-                    <a16:creationId xmlns:a16="http://schemas.microsoft.com/office/drawing/2014/main" id="{E2132EC1-D6F4-4B38-AB56-19229D081216}"/>
-                  </a:ext>
-                </a:extLst>
-              </p:cNvPr>
-              <p:cNvSpPr/>
-              <p:nvPr/>
-            </p:nvSpPr>
-            <p:spPr>
-              <a:xfrm>
-                <a:off x="8311043" y="4639096"/>
-                <a:ext cx="1166070" cy="394282"/>
-              </a:xfrm>
-              <a:prstGeom prst="roundRect">
-                <a:avLst/>
-              </a:prstGeom>
-              <a:solidFill>
-                <a:schemeClr val="accent4"/>
-              </a:solidFill>
-            </p:spPr>
-            <p:style>
-              <a:lnRef idx="2">
-                <a:schemeClr val="accent1">
-                  <a:shade val="50000"/>
-                </a:schemeClr>
-              </a:lnRef>
-              <a:fillRef idx="1">
-                <a:schemeClr val="accent1"/>
-              </a:fillRef>
-              <a:effectRef idx="0">
-                <a:schemeClr val="accent1"/>
-              </a:effectRef>
-              <a:fontRef idx="minor">
-                <a:schemeClr val="lt1"/>
-              </a:fontRef>
-            </p:style>
-            <p:txBody>
-              <a:bodyPr rtlCol="0" anchor="ctr"/>
-              <a:lstStyle/>
-              <a:p>
-                <a:pPr algn="ctr"/>
-                <a:r>
-                  <a:rPr lang="ko-KR" altLang="en-US" dirty="0" err="1"/>
-                  <a:t>아니오</a:t>
-                </a:r>
-                <a:endParaRPr lang="ko-KR" altLang="en-US" dirty="0"/>
-              </a:p>
-            </p:txBody>
-          </p:sp>
-        </p:grpSp>
-        <p:cxnSp>
-          <p:nvCxnSpPr>
-            <p:cNvPr id="16" name="연결선: 꺾임 15">
-              <a:extLst>
-                <a:ext uri="{FF2B5EF4-FFF2-40B4-BE49-F238E27FC236}">
-                  <a16:creationId xmlns:a16="http://schemas.microsoft.com/office/drawing/2014/main" id="{1AAA8286-7669-4F8E-9D5E-15F561591E67}"/>
-                </a:ext>
-              </a:extLst>
-            </p:cNvPr>
-            <p:cNvCxnSpPr>
-              <a:cxnSpLocks/>
-              <a:stCxn id="38" idx="0"/>
-              <a:endCxn id="4" idx="3"/>
-            </p:cNvCxnSpPr>
-            <p:nvPr/>
-          </p:nvCxnSpPr>
-          <p:spPr>
-            <a:xfrm rot="16200000" flipV="1">
-              <a:off x="9603675" y="4497568"/>
-              <a:ext cx="1020604" cy="667623"/>
-            </a:xfrm>
-            <a:prstGeom prst="bentConnector2">
-              <a:avLst/>
-            </a:prstGeom>
-            <a:ln>
-              <a:tailEnd type="triangle"/>
-            </a:ln>
-          </p:spPr>
-          <p:style>
-            <a:lnRef idx="1">
-              <a:schemeClr val="accent1"/>
-            </a:lnRef>
-            <a:fillRef idx="0">
-              <a:schemeClr val="accent1"/>
-            </a:fillRef>
-            <a:effectRef idx="0">
-              <a:schemeClr val="accent1"/>
-            </a:effectRef>
-            <a:fontRef idx="minor">
-              <a:schemeClr val="tx1"/>
-            </a:fontRef>
-          </p:style>
-        </p:cxnSp>
       </p:grpSp>
+      <p:cxnSp>
+        <p:nvCxnSpPr>
+          <p:cNvPr id="16" name="연결선: 꺾임 15">
+            <a:extLst>
+              <a:ext uri="{FF2B5EF4-FFF2-40B4-BE49-F238E27FC236}">
+                <a16:creationId xmlns:a16="http://schemas.microsoft.com/office/drawing/2014/main" id="{1AAA8286-7669-4F8E-9D5E-15F561591E67}"/>
+              </a:ext>
+            </a:extLst>
+          </p:cNvPr>
+          <p:cNvCxnSpPr>
+            <a:cxnSpLocks/>
+            <a:stCxn id="38" idx="0"/>
+            <a:endCxn id="4" idx="3"/>
+          </p:cNvCxnSpPr>
+          <p:nvPr/>
+        </p:nvCxnSpPr>
+        <p:spPr>
+          <a:xfrm rot="16200000" flipV="1">
+            <a:off x="9997958" y="4237509"/>
+            <a:ext cx="1020604" cy="667623"/>
+          </a:xfrm>
+          <a:prstGeom prst="bentConnector2">
+            <a:avLst/>
+          </a:prstGeom>
+          <a:ln>
+            <a:tailEnd type="triangle"/>
+          </a:ln>
+        </p:spPr>
+        <p:style>
+          <a:lnRef idx="1">
+            <a:schemeClr val="accent1"/>
+          </a:lnRef>
+          <a:fillRef idx="0">
+            <a:schemeClr val="accent1"/>
+          </a:fillRef>
+          <a:effectRef idx="0">
+            <a:schemeClr val="accent1"/>
+          </a:effectRef>
+          <a:fontRef idx="minor">
+            <a:schemeClr val="tx1"/>
+          </a:fontRef>
+        </p:style>
+      </p:cxnSp>
       <p:sp>
         <p:nvSpPr>
           <p:cNvPr id="17" name="TextBox 16">
@@ -6028,12 +6008,552 @@
           </a:p>
         </p:txBody>
       </p:sp>
+      <p:sp>
+        <p:nvSpPr>
+          <p:cNvPr id="6" name="직사각형 5">
+            <a:extLst>
+              <a:ext uri="{FF2B5EF4-FFF2-40B4-BE49-F238E27FC236}">
+                <a16:creationId xmlns:a16="http://schemas.microsoft.com/office/drawing/2014/main" id="{92888DD4-1B10-4027-9BD3-F29643475F39}"/>
+              </a:ext>
+            </a:extLst>
+          </p:cNvPr>
+          <p:cNvSpPr/>
+          <p:nvPr/>
+        </p:nvSpPr>
+        <p:spPr>
+          <a:xfrm>
+            <a:off x="4337108" y="1440452"/>
+            <a:ext cx="7164197" cy="3977095"/>
+          </a:xfrm>
+          <a:prstGeom prst="rect">
+            <a:avLst/>
+          </a:prstGeom>
+          <a:noFill/>
+        </p:spPr>
+        <p:style>
+          <a:lnRef idx="2">
+            <a:schemeClr val="accent1">
+              <a:shade val="50000"/>
+            </a:schemeClr>
+          </a:lnRef>
+          <a:fillRef idx="1">
+            <a:schemeClr val="accent1"/>
+          </a:fillRef>
+          <a:effectRef idx="0">
+            <a:schemeClr val="accent1"/>
+          </a:effectRef>
+          <a:fontRef idx="minor">
+            <a:schemeClr val="lt1"/>
+          </a:fontRef>
+        </p:style>
+        <p:txBody>
+          <a:bodyPr rtlCol="0" anchor="ctr"/>
+          <a:lstStyle/>
+          <a:p>
+            <a:pPr algn="ctr"/>
+            <a:endParaRPr lang="ko-KR" altLang="en-US"/>
+          </a:p>
+        </p:txBody>
+      </p:sp>
+      <p:sp>
+        <p:nvSpPr>
+          <p:cNvPr id="7" name="직사각형 6">
+            <a:extLst>
+              <a:ext uri="{FF2B5EF4-FFF2-40B4-BE49-F238E27FC236}">
+                <a16:creationId xmlns:a16="http://schemas.microsoft.com/office/drawing/2014/main" id="{A4F5D628-1A6C-40D6-95D6-6E5F84AC5161}"/>
+              </a:ext>
+            </a:extLst>
+          </p:cNvPr>
+          <p:cNvSpPr/>
+          <p:nvPr/>
+        </p:nvSpPr>
+        <p:spPr>
+          <a:xfrm>
+            <a:off x="4338506" y="1440452"/>
+            <a:ext cx="7164197" cy="596331"/>
+          </a:xfrm>
+          <a:prstGeom prst="rect">
+            <a:avLst/>
+          </a:prstGeom>
+          <a:noFill/>
+        </p:spPr>
+        <p:style>
+          <a:lnRef idx="2">
+            <a:schemeClr val="accent1">
+              <a:shade val="50000"/>
+            </a:schemeClr>
+          </a:lnRef>
+          <a:fillRef idx="1">
+            <a:schemeClr val="accent1"/>
+          </a:fillRef>
+          <a:effectRef idx="0">
+            <a:schemeClr val="accent1"/>
+          </a:effectRef>
+          <a:fontRef idx="minor">
+            <a:schemeClr val="lt1"/>
+          </a:fontRef>
+        </p:style>
+        <p:txBody>
+          <a:bodyPr rtlCol="0" anchor="ctr"/>
+          <a:lstStyle/>
+          <a:p>
+            <a:pPr algn="ctr"/>
+            <a:endParaRPr lang="ko-KR" altLang="en-US"/>
+          </a:p>
+        </p:txBody>
+      </p:sp>
+      <p:sp>
+        <p:nvSpPr>
+          <p:cNvPr id="9" name="사각형: 둥근 모서리 8">
+            <a:extLst>
+              <a:ext uri="{FF2B5EF4-FFF2-40B4-BE49-F238E27FC236}">
+                <a16:creationId xmlns:a16="http://schemas.microsoft.com/office/drawing/2014/main" id="{486C62AE-0B88-4D03-8B90-80D98B6232C5}"/>
+              </a:ext>
+            </a:extLst>
+          </p:cNvPr>
+          <p:cNvSpPr/>
+          <p:nvPr/>
+        </p:nvSpPr>
+        <p:spPr>
+          <a:xfrm>
+            <a:off x="5617826" y="1541476"/>
+            <a:ext cx="4548232" cy="394282"/>
+          </a:xfrm>
+          <a:prstGeom prst="roundRect">
+            <a:avLst/>
+          </a:prstGeom>
+          <a:solidFill>
+            <a:schemeClr val="bg1">
+              <a:lumMod val="85000"/>
+            </a:schemeClr>
+          </a:solidFill>
+        </p:spPr>
+        <p:style>
+          <a:lnRef idx="2">
+            <a:schemeClr val="accent1">
+              <a:shade val="50000"/>
+            </a:schemeClr>
+          </a:lnRef>
+          <a:fillRef idx="1">
+            <a:schemeClr val="accent1"/>
+          </a:fillRef>
+          <a:effectRef idx="0">
+            <a:schemeClr val="accent1"/>
+          </a:effectRef>
+          <a:fontRef idx="minor">
+            <a:schemeClr val="lt1"/>
+          </a:fontRef>
+        </p:style>
+        <p:txBody>
+          <a:bodyPr rtlCol="0" anchor="ctr"/>
+          <a:lstStyle/>
+          <a:p>
+            <a:pPr algn="ctr"/>
+            <a:r>
+              <a:rPr lang="ko-KR" altLang="en-US" dirty="0">
+                <a:solidFill>
+                  <a:schemeClr val="tx1"/>
+                </a:solidFill>
+              </a:rPr>
+              <a:t>분류 정보</a:t>
+            </a:r>
+          </a:p>
+        </p:txBody>
+      </p:sp>
+      <p:sp>
+        <p:nvSpPr>
+          <p:cNvPr id="37" name="사각형: 둥근 모서리 36">
+            <a:extLst>
+              <a:ext uri="{FF2B5EF4-FFF2-40B4-BE49-F238E27FC236}">
+                <a16:creationId xmlns:a16="http://schemas.microsoft.com/office/drawing/2014/main" id="{7C4887FF-61FA-4CF8-9C00-85374E336A35}"/>
+              </a:ext>
+            </a:extLst>
+          </p:cNvPr>
+          <p:cNvSpPr/>
+          <p:nvPr/>
+        </p:nvSpPr>
+        <p:spPr>
+          <a:xfrm>
+            <a:off x="4395830" y="4957578"/>
+            <a:ext cx="1166070" cy="394282"/>
+          </a:xfrm>
+          <a:prstGeom prst="roundRect">
+            <a:avLst/>
+          </a:prstGeom>
+        </p:spPr>
+        <p:style>
+          <a:lnRef idx="2">
+            <a:schemeClr val="accent1">
+              <a:shade val="50000"/>
+            </a:schemeClr>
+          </a:lnRef>
+          <a:fillRef idx="1">
+            <a:schemeClr val="accent1"/>
+          </a:fillRef>
+          <a:effectRef idx="0">
+            <a:schemeClr val="accent1"/>
+          </a:effectRef>
+          <a:fontRef idx="minor">
+            <a:schemeClr val="lt1"/>
+          </a:fontRef>
+        </p:style>
+        <p:txBody>
+          <a:bodyPr rtlCol="0" anchor="ctr"/>
+          <a:lstStyle/>
+          <a:p>
+            <a:pPr algn="ctr"/>
+            <a:r>
+              <a:rPr lang="ko-KR" altLang="en-US" dirty="0"/>
+              <a:t>뒤로</a:t>
+            </a:r>
+          </a:p>
+        </p:txBody>
+      </p:sp>
+      <p:sp>
+        <p:nvSpPr>
+          <p:cNvPr id="38" name="사각형: 둥근 모서리 37">
+            <a:extLst>
+              <a:ext uri="{FF2B5EF4-FFF2-40B4-BE49-F238E27FC236}">
+                <a16:creationId xmlns:a16="http://schemas.microsoft.com/office/drawing/2014/main" id="{5DAE95EA-0109-474D-92C8-7065ECEECFD6}"/>
+              </a:ext>
+            </a:extLst>
+          </p:cNvPr>
+          <p:cNvSpPr/>
+          <p:nvPr/>
+        </p:nvSpPr>
+        <p:spPr>
+          <a:xfrm>
+            <a:off x="10250646" y="4970825"/>
+            <a:ext cx="1166070" cy="394282"/>
+          </a:xfrm>
+          <a:prstGeom prst="roundRect">
+            <a:avLst/>
+          </a:prstGeom>
+        </p:spPr>
+        <p:style>
+          <a:lnRef idx="2">
+            <a:schemeClr val="accent1">
+              <a:shade val="50000"/>
+            </a:schemeClr>
+          </a:lnRef>
+          <a:fillRef idx="1">
+            <a:schemeClr val="accent1"/>
+          </a:fillRef>
+          <a:effectRef idx="0">
+            <a:schemeClr val="accent1"/>
+          </a:effectRef>
+          <a:fontRef idx="minor">
+            <a:schemeClr val="lt1"/>
+          </a:fontRef>
+        </p:style>
+        <p:txBody>
+          <a:bodyPr rtlCol="0" anchor="ctr"/>
+          <a:lstStyle/>
+          <a:p>
+            <a:pPr algn="ctr"/>
+            <a:r>
+              <a:rPr lang="ko-KR" altLang="en-US" dirty="0"/>
+              <a:t>수정</a:t>
+            </a:r>
+          </a:p>
+        </p:txBody>
+      </p:sp>
+      <p:sp>
+        <p:nvSpPr>
+          <p:cNvPr id="39" name="사각형: 둥근 모서리 38">
+            <a:extLst>
+              <a:ext uri="{FF2B5EF4-FFF2-40B4-BE49-F238E27FC236}">
+                <a16:creationId xmlns:a16="http://schemas.microsoft.com/office/drawing/2014/main" id="{2557AC3C-6324-46B3-B7AE-769AC22D8292}"/>
+              </a:ext>
+            </a:extLst>
+          </p:cNvPr>
+          <p:cNvSpPr/>
+          <p:nvPr/>
+        </p:nvSpPr>
+        <p:spPr>
+          <a:xfrm>
+            <a:off x="6221833" y="2385946"/>
+            <a:ext cx="4548232" cy="394282"/>
+          </a:xfrm>
+          <a:prstGeom prst="roundRect">
+            <a:avLst/>
+          </a:prstGeom>
+          <a:solidFill>
+            <a:schemeClr val="bg1">
+              <a:lumMod val="85000"/>
+            </a:schemeClr>
+          </a:solidFill>
+        </p:spPr>
+        <p:style>
+          <a:lnRef idx="2">
+            <a:schemeClr val="accent1">
+              <a:shade val="50000"/>
+            </a:schemeClr>
+          </a:lnRef>
+          <a:fillRef idx="1">
+            <a:schemeClr val="accent1"/>
+          </a:fillRef>
+          <a:effectRef idx="0">
+            <a:schemeClr val="accent1"/>
+          </a:effectRef>
+          <a:fontRef idx="minor">
+            <a:schemeClr val="lt1"/>
+          </a:fontRef>
+        </p:style>
+        <p:txBody>
+          <a:bodyPr rtlCol="0" anchor="ctr"/>
+          <a:lstStyle/>
+          <a:p>
+            <a:pPr algn="ctr"/>
+            <a:r>
+              <a:rPr lang="en-US" altLang="ko-KR">
+                <a:solidFill>
+                  <a:schemeClr val="tx1"/>
+                </a:solidFill>
+              </a:rPr>
+              <a:t>ID</a:t>
+            </a:r>
+            <a:r>
+              <a:rPr lang="ko-KR" altLang="en-US" dirty="0">
+                <a:solidFill>
+                  <a:schemeClr val="tx1"/>
+                </a:solidFill>
+              </a:rPr>
+              <a:t>번호정보</a:t>
+            </a:r>
+          </a:p>
+        </p:txBody>
+      </p:sp>
+      <p:sp>
+        <p:nvSpPr>
+          <p:cNvPr id="40" name="사각형: 둥근 모서리 39">
+            <a:extLst>
+              <a:ext uri="{FF2B5EF4-FFF2-40B4-BE49-F238E27FC236}">
+                <a16:creationId xmlns:a16="http://schemas.microsoft.com/office/drawing/2014/main" id="{BEFC2F7D-BDC4-4844-A006-2A5F7A7DB25F}"/>
+              </a:ext>
+            </a:extLst>
+          </p:cNvPr>
+          <p:cNvSpPr/>
+          <p:nvPr/>
+        </p:nvSpPr>
+        <p:spPr>
+          <a:xfrm>
+            <a:off x="4999837" y="2385946"/>
+            <a:ext cx="1164672" cy="394282"/>
+          </a:xfrm>
+          <a:prstGeom prst="roundRect">
+            <a:avLst/>
+          </a:prstGeom>
+          <a:solidFill>
+            <a:schemeClr val="bg1">
+              <a:lumMod val="85000"/>
+            </a:schemeClr>
+          </a:solidFill>
+        </p:spPr>
+        <p:style>
+          <a:lnRef idx="2">
+            <a:schemeClr val="accent1">
+              <a:shade val="50000"/>
+            </a:schemeClr>
+          </a:lnRef>
+          <a:fillRef idx="1">
+            <a:schemeClr val="accent1"/>
+          </a:fillRef>
+          <a:effectRef idx="0">
+            <a:schemeClr val="accent1"/>
+          </a:effectRef>
+          <a:fontRef idx="minor">
+            <a:schemeClr val="lt1"/>
+          </a:fontRef>
+        </p:style>
+        <p:txBody>
+          <a:bodyPr rtlCol="0" anchor="ctr"/>
+          <a:lstStyle/>
+          <a:p>
+            <a:pPr algn="ctr"/>
+            <a:r>
+              <a:rPr lang="en-US" altLang="ko-KR" dirty="0">
+                <a:solidFill>
+                  <a:schemeClr val="tx1"/>
+                </a:solidFill>
+              </a:rPr>
+              <a:t>ID</a:t>
+            </a:r>
+            <a:endParaRPr lang="ko-KR" altLang="en-US" dirty="0">
+              <a:solidFill>
+                <a:schemeClr val="tx1"/>
+              </a:solidFill>
+            </a:endParaRPr>
+          </a:p>
+        </p:txBody>
+      </p:sp>
+      <p:sp>
+        <p:nvSpPr>
+          <p:cNvPr id="11" name="사각형: 둥근 모서리 10">
+            <a:extLst>
+              <a:ext uri="{FF2B5EF4-FFF2-40B4-BE49-F238E27FC236}">
+                <a16:creationId xmlns:a16="http://schemas.microsoft.com/office/drawing/2014/main" id="{ABF1446C-9272-4194-838B-F6C81711EE10}"/>
+              </a:ext>
+            </a:extLst>
+          </p:cNvPr>
+          <p:cNvSpPr/>
+          <p:nvPr/>
+        </p:nvSpPr>
+        <p:spPr>
+          <a:xfrm>
+            <a:off x="6221833" y="2840207"/>
+            <a:ext cx="4548232" cy="394282"/>
+          </a:xfrm>
+          <a:prstGeom prst="roundRect">
+            <a:avLst/>
+          </a:prstGeom>
+          <a:noFill/>
+        </p:spPr>
+        <p:style>
+          <a:lnRef idx="2">
+            <a:schemeClr val="accent1">
+              <a:shade val="50000"/>
+            </a:schemeClr>
+          </a:lnRef>
+          <a:fillRef idx="1">
+            <a:schemeClr val="accent1"/>
+          </a:fillRef>
+          <a:effectRef idx="0">
+            <a:schemeClr val="accent1"/>
+          </a:effectRef>
+          <a:fontRef idx="minor">
+            <a:schemeClr val="lt1"/>
+          </a:fontRef>
+        </p:style>
+        <p:txBody>
+          <a:bodyPr rtlCol="0" anchor="ctr"/>
+          <a:lstStyle/>
+          <a:p>
+            <a:pPr algn="ctr"/>
+            <a:r>
+              <a:rPr lang="ko-KR" altLang="en-US" dirty="0">
+                <a:solidFill>
+                  <a:schemeClr val="tx1"/>
+                </a:solidFill>
+              </a:rPr>
+              <a:t>이름 입력</a:t>
+            </a:r>
+          </a:p>
+        </p:txBody>
+      </p:sp>
+      <p:sp>
+        <p:nvSpPr>
+          <p:cNvPr id="12" name="사각형: 둥근 모서리 11">
+            <a:extLst>
+              <a:ext uri="{FF2B5EF4-FFF2-40B4-BE49-F238E27FC236}">
+                <a16:creationId xmlns:a16="http://schemas.microsoft.com/office/drawing/2014/main" id="{7EBE324E-C688-42F0-AA32-5C58425D7662}"/>
+              </a:ext>
+            </a:extLst>
+          </p:cNvPr>
+          <p:cNvSpPr/>
+          <p:nvPr/>
+        </p:nvSpPr>
+        <p:spPr>
+          <a:xfrm>
+            <a:off x="4999837" y="2840207"/>
+            <a:ext cx="1164672" cy="394282"/>
+          </a:xfrm>
+          <a:prstGeom prst="roundRect">
+            <a:avLst/>
+          </a:prstGeom>
+          <a:solidFill>
+            <a:schemeClr val="bg1">
+              <a:lumMod val="85000"/>
+            </a:schemeClr>
+          </a:solidFill>
+        </p:spPr>
+        <p:style>
+          <a:lnRef idx="2">
+            <a:schemeClr val="accent1">
+              <a:shade val="50000"/>
+            </a:schemeClr>
+          </a:lnRef>
+          <a:fillRef idx="1">
+            <a:schemeClr val="accent1"/>
+          </a:fillRef>
+          <a:effectRef idx="0">
+            <a:schemeClr val="accent1"/>
+          </a:effectRef>
+          <a:fontRef idx="minor">
+            <a:schemeClr val="lt1"/>
+          </a:fontRef>
+        </p:style>
+        <p:txBody>
+          <a:bodyPr rtlCol="0" anchor="ctr"/>
+          <a:lstStyle/>
+          <a:p>
+            <a:pPr algn="ctr"/>
+            <a:r>
+              <a:rPr lang="ko-KR" altLang="en-US" dirty="0">
+                <a:solidFill>
+                  <a:schemeClr val="tx1"/>
+                </a:solidFill>
+              </a:rPr>
+              <a:t>이름</a:t>
+            </a:r>
+          </a:p>
+        </p:txBody>
+      </p:sp>
+      <p:sp>
+        <p:nvSpPr>
+          <p:cNvPr id="13" name="사각형: 둥근 모서리 12">
+            <a:extLst>
+              <a:ext uri="{FF2B5EF4-FFF2-40B4-BE49-F238E27FC236}">
+                <a16:creationId xmlns:a16="http://schemas.microsoft.com/office/drawing/2014/main" id="{1CCAC838-4BC8-49F7-9C46-FD33134F85AA}"/>
+              </a:ext>
+            </a:extLst>
+          </p:cNvPr>
+          <p:cNvSpPr/>
+          <p:nvPr/>
+        </p:nvSpPr>
+        <p:spPr>
+          <a:xfrm>
+            <a:off x="7308907" y="4952364"/>
+            <a:ext cx="1166070" cy="394282"/>
+          </a:xfrm>
+          <a:prstGeom prst="roundRect">
+            <a:avLst/>
+          </a:prstGeom>
+        </p:spPr>
+        <p:style>
+          <a:lnRef idx="2">
+            <a:schemeClr val="accent1">
+              <a:shade val="50000"/>
+            </a:schemeClr>
+          </a:lnRef>
+          <a:fillRef idx="1">
+            <a:schemeClr val="accent1"/>
+          </a:fillRef>
+          <a:effectRef idx="0">
+            <a:schemeClr val="accent1"/>
+          </a:effectRef>
+          <a:fontRef idx="minor">
+            <a:schemeClr val="lt1"/>
+          </a:fontRef>
+        </p:style>
+        <p:txBody>
+          <a:bodyPr rtlCol="0" anchor="ctr"/>
+          <a:lstStyle/>
+          <a:p>
+            <a:pPr algn="ctr"/>
+            <a:r>
+              <a:rPr lang="ko-KR" altLang="en-US" dirty="0"/>
+              <a:t>삭제</a:t>
+            </a:r>
+          </a:p>
+        </p:txBody>
+      </p:sp>
       <p:grpSp>
         <p:nvGrpSpPr>
-          <p:cNvPr id="23" name="그룹 22">
-            <a:extLst>
-              <a:ext uri="{FF2B5EF4-FFF2-40B4-BE49-F238E27FC236}">
-                <a16:creationId xmlns:a16="http://schemas.microsoft.com/office/drawing/2014/main" id="{6AB800BA-76CC-45DD-BEF5-E85E749E9D6A}"/>
+          <p:cNvPr id="14" name="그룹 13">
+            <a:extLst>
+              <a:ext uri="{FF2B5EF4-FFF2-40B4-BE49-F238E27FC236}">
+                <a16:creationId xmlns:a16="http://schemas.microsoft.com/office/drawing/2014/main" id="{EF07DFBD-82AA-4C93-ABB7-79E1C9EFD241}"/>
               </a:ext>
             </a:extLst>
           </p:cNvPr>
@@ -6042,18 +6562,18 @@
         </p:nvGrpSpPr>
         <p:grpSpPr>
           <a:xfrm>
-            <a:off x="4337108" y="1440452"/>
-            <a:ext cx="7165595" cy="3977095"/>
-            <a:chOff x="3951215" y="1811309"/>
-            <a:chExt cx="7165595" cy="3977095"/>
+            <a:off x="8129631" y="3489079"/>
+            <a:ext cx="2876725" cy="1227156"/>
+            <a:chOff x="6434356" y="3357209"/>
+            <a:chExt cx="3506598" cy="1929468"/>
           </a:xfrm>
         </p:grpSpPr>
         <p:sp>
           <p:nvSpPr>
-            <p:cNvPr id="6" name="직사각형 5">
+            <p:cNvPr id="15" name="직사각형 14">
               <a:extLst>
                 <a:ext uri="{FF2B5EF4-FFF2-40B4-BE49-F238E27FC236}">
-                  <a16:creationId xmlns:a16="http://schemas.microsoft.com/office/drawing/2014/main" id="{92888DD4-1B10-4027-9BD3-F29643475F39}"/>
+                  <a16:creationId xmlns:a16="http://schemas.microsoft.com/office/drawing/2014/main" id="{6CB5E6AC-72E1-4CF3-B99B-CE6EC8A1E2BC}"/>
                 </a:ext>
               </a:extLst>
             </p:cNvPr>
@@ -6062,109 +6582,15 @@
           </p:nvSpPr>
           <p:spPr>
             <a:xfrm>
-              <a:off x="3951215" y="1811309"/>
-              <a:ext cx="7164197" cy="3977095"/>
+              <a:off x="6434356" y="3357209"/>
+              <a:ext cx="3506598" cy="1929468"/>
             </a:xfrm>
             <a:prstGeom prst="rect">
               <a:avLst/>
             </a:prstGeom>
-            <a:noFill/>
-          </p:spPr>
-          <p:style>
-            <a:lnRef idx="2">
-              <a:schemeClr val="accent1">
-                <a:shade val="50000"/>
-              </a:schemeClr>
-            </a:lnRef>
-            <a:fillRef idx="1">
-              <a:schemeClr val="accent1"/>
-            </a:fillRef>
-            <a:effectRef idx="0">
-              <a:schemeClr val="accent1"/>
-            </a:effectRef>
-            <a:fontRef idx="minor">
-              <a:schemeClr val="lt1"/>
-            </a:fontRef>
-          </p:style>
-          <p:txBody>
-            <a:bodyPr rtlCol="0" anchor="ctr"/>
-            <a:lstStyle/>
-            <a:p>
-              <a:pPr algn="ctr"/>
-              <a:endParaRPr lang="ko-KR" altLang="en-US"/>
-            </a:p>
-          </p:txBody>
-        </p:sp>
-        <p:sp>
-          <p:nvSpPr>
-            <p:cNvPr id="7" name="직사각형 6">
-              <a:extLst>
-                <a:ext uri="{FF2B5EF4-FFF2-40B4-BE49-F238E27FC236}">
-                  <a16:creationId xmlns:a16="http://schemas.microsoft.com/office/drawing/2014/main" id="{A4F5D628-1A6C-40D6-95D6-6E5F84AC5161}"/>
-                </a:ext>
-              </a:extLst>
-            </p:cNvPr>
-            <p:cNvSpPr/>
-            <p:nvPr/>
-          </p:nvSpPr>
-          <p:spPr>
-            <a:xfrm>
-              <a:off x="3952613" y="1811309"/>
-              <a:ext cx="7164197" cy="596331"/>
-            </a:xfrm>
-            <a:prstGeom prst="rect">
-              <a:avLst/>
-            </a:prstGeom>
-            <a:noFill/>
-          </p:spPr>
-          <p:style>
-            <a:lnRef idx="2">
-              <a:schemeClr val="accent1">
-                <a:shade val="50000"/>
-              </a:schemeClr>
-            </a:lnRef>
-            <a:fillRef idx="1">
-              <a:schemeClr val="accent1"/>
-            </a:fillRef>
-            <a:effectRef idx="0">
-              <a:schemeClr val="accent1"/>
-            </a:effectRef>
-            <a:fontRef idx="minor">
-              <a:schemeClr val="lt1"/>
-            </a:fontRef>
-          </p:style>
-          <p:txBody>
-            <a:bodyPr rtlCol="0" anchor="ctr"/>
-            <a:lstStyle/>
-            <a:p>
-              <a:pPr algn="ctr"/>
-              <a:endParaRPr lang="ko-KR" altLang="en-US"/>
-            </a:p>
-          </p:txBody>
-        </p:sp>
-        <p:sp>
-          <p:nvSpPr>
-            <p:cNvPr id="9" name="사각형: 둥근 모서리 8">
-              <a:extLst>
-                <a:ext uri="{FF2B5EF4-FFF2-40B4-BE49-F238E27FC236}">
-                  <a16:creationId xmlns:a16="http://schemas.microsoft.com/office/drawing/2014/main" id="{486C62AE-0B88-4D03-8B90-80D98B6232C5}"/>
-                </a:ext>
-              </a:extLst>
-            </p:cNvPr>
-            <p:cNvSpPr/>
-            <p:nvPr/>
-          </p:nvSpPr>
-          <p:spPr>
-            <a:xfrm>
-              <a:off x="5231933" y="1912333"/>
-              <a:ext cx="4548232" cy="394282"/>
-            </a:xfrm>
-            <a:prstGeom prst="roundRect">
-              <a:avLst/>
-            </a:prstGeom>
             <a:solidFill>
               <a:schemeClr val="bg1">
-                <a:lumMod val="85000"/>
+                <a:lumMod val="95000"/>
               </a:schemeClr>
             </a:solidFill>
           </p:spPr>
@@ -6190,22 +6616,70 @@
             <a:p>
               <a:pPr algn="ctr"/>
               <a:r>
-                <a:rPr lang="ko-KR" altLang="en-US" dirty="0">
+                <a:rPr lang="en-US" altLang="ko-KR" sz="1600" dirty="0">
                   <a:solidFill>
                     <a:schemeClr val="tx1"/>
                   </a:solidFill>
                 </a:rPr>
-                <a:t>분류 정보</a:t>
+                <a:t>{</a:t>
               </a:r>
+              <a:r>
+                <a:rPr lang="ko-KR" altLang="en-US" sz="1600" dirty="0">
+                  <a:solidFill>
+                    <a:schemeClr val="tx1"/>
+                  </a:solidFill>
+                </a:rPr>
+                <a:t>이름</a:t>
+              </a:r>
+              <a:r>
+                <a:rPr lang="en-US" altLang="ko-KR" sz="1600" dirty="0">
+                  <a:solidFill>
+                    <a:schemeClr val="tx1"/>
+                  </a:solidFill>
+                </a:rPr>
+                <a:t>}</a:t>
+              </a:r>
+              <a:r>
+                <a:rPr lang="ko-KR" altLang="en-US" sz="1600" dirty="0">
+                  <a:solidFill>
+                    <a:schemeClr val="tx1"/>
+                  </a:solidFill>
+                </a:rPr>
+                <a:t>을 수정 하시겠습니까 </a:t>
+              </a:r>
+              <a:r>
+                <a:rPr lang="en-US" altLang="ko-KR" sz="1600" dirty="0">
+                  <a:solidFill>
+                    <a:schemeClr val="tx1"/>
+                  </a:solidFill>
+                </a:rPr>
+                <a:t>?</a:t>
+              </a:r>
+            </a:p>
+            <a:p>
+              <a:pPr algn="ctr"/>
+              <a:endParaRPr lang="en-US" altLang="ko-KR" sz="1600" dirty="0">
+                <a:solidFill>
+                  <a:schemeClr val="tx1"/>
+                </a:solidFill>
+              </a:endParaRPr>
+            </a:p>
+            <a:p>
+              <a:pPr algn="ctr"/>
+              <a:endParaRPr lang="ko-KR" altLang="en-US" sz="1600" dirty="0">
+                <a:solidFill>
+                  <a:schemeClr val="tx1"/>
+                </a:solidFill>
+              </a:endParaRPr>
             </a:p>
           </p:txBody>
         </p:sp>
         <p:sp>
           <p:nvSpPr>
-            <p:cNvPr id="37" name="사각형: 둥근 모서리 36">
+            <p:cNvPr id="16" name="사각형: 둥근 모서리 15">
               <a:extLst>
                 <a:ext uri="{FF2B5EF4-FFF2-40B4-BE49-F238E27FC236}">
-                  <a16:creationId xmlns:a16="http://schemas.microsoft.com/office/drawing/2014/main" id="{7C4887FF-61FA-4CF8-9C00-85374E336A35}"/>
+                  <a16:creationId xmlns:a16="http://schemas.microsoft.com/office/drawing/2014/main" id="{B1A4E2AA-12E3-4548-9578-6E5B8B6A9238}"/>
                 </a:ext>
               </a:extLst>
             </p:cNvPr>
@@ -6214,12 +6688,15 @@
           </p:nvSpPr>
           <p:spPr>
             <a:xfrm>
-              <a:off x="4009937" y="5328435"/>
+              <a:off x="6943986" y="4639096"/>
               <a:ext cx="1166070" cy="394282"/>
             </a:xfrm>
             <a:prstGeom prst="roundRect">
               <a:avLst/>
             </a:prstGeom>
+            <a:solidFill>
+              <a:schemeClr val="accent4"/>
+            </a:solidFill>
           </p:spPr>
           <p:style>
             <a:lnRef idx="2">
@@ -6244,17 +6721,17 @@
               <a:pPr algn="ctr"/>
               <a:r>
                 <a:rPr lang="ko-KR" altLang="en-US" dirty="0"/>
-                <a:t>뒤로</a:t>
+                <a:t>예</a:t>
               </a:r>
             </a:p>
           </p:txBody>
         </p:sp>
         <p:sp>
           <p:nvSpPr>
-            <p:cNvPr id="38" name="사각형: 둥근 모서리 37">
+            <p:cNvPr id="17" name="사각형: 둥근 모서리 16">
               <a:extLst>
                 <a:ext uri="{FF2B5EF4-FFF2-40B4-BE49-F238E27FC236}">
-                  <a16:creationId xmlns:a16="http://schemas.microsoft.com/office/drawing/2014/main" id="{5DAE95EA-0109-474D-92C8-7065ECEECFD6}"/>
+                  <a16:creationId xmlns:a16="http://schemas.microsoft.com/office/drawing/2014/main" id="{3FFD0E13-E4F2-462A-8954-006FB0B37CFD}"/>
                 </a:ext>
               </a:extLst>
             </p:cNvPr>
@@ -6263,12 +6740,15 @@
           </p:nvSpPr>
           <p:spPr>
             <a:xfrm>
-              <a:off x="9864753" y="5341682"/>
+              <a:off x="8311043" y="4639096"/>
               <a:ext cx="1166070" cy="394282"/>
             </a:xfrm>
             <a:prstGeom prst="roundRect">
               <a:avLst/>
             </a:prstGeom>
+            <a:solidFill>
+              <a:schemeClr val="accent4"/>
+            </a:solidFill>
           </p:spPr>
           <p:style>
             <a:lnRef idx="2">
@@ -6292,18 +6772,40 @@
             <a:p>
               <a:pPr algn="ctr"/>
               <a:r>
-                <a:rPr lang="ko-KR" altLang="en-US" dirty="0"/>
-                <a:t>수정</a:t>
+                <a:rPr lang="ko-KR" altLang="en-US" dirty="0" err="1"/>
+                <a:t>아니오</a:t>
               </a:r>
+              <a:endParaRPr lang="ko-KR" altLang="en-US" dirty="0"/>
             </a:p>
           </p:txBody>
         </p:sp>
+      </p:grpSp>
+      <p:grpSp>
+        <p:nvGrpSpPr>
+          <p:cNvPr id="18" name="그룹 17">
+            <a:extLst>
+              <a:ext uri="{FF2B5EF4-FFF2-40B4-BE49-F238E27FC236}">
+                <a16:creationId xmlns:a16="http://schemas.microsoft.com/office/drawing/2014/main" id="{EB7EC7EF-37B8-4236-8363-BEDD32E383D6}"/>
+              </a:ext>
+            </a:extLst>
+          </p:cNvPr>
+          <p:cNvGrpSpPr/>
+          <p:nvPr/>
+        </p:nvGrpSpPr>
+        <p:grpSpPr>
+          <a:xfrm>
+            <a:off x="4564309" y="3489079"/>
+            <a:ext cx="2876725" cy="1227156"/>
+            <a:chOff x="6434356" y="3357209"/>
+            <a:chExt cx="3506598" cy="1929468"/>
+          </a:xfrm>
+        </p:grpSpPr>
         <p:sp>
           <p:nvSpPr>
-            <p:cNvPr id="39" name="사각형: 둥근 모서리 38">
+            <p:cNvPr id="19" name="직사각형 18">
               <a:extLst>
                 <a:ext uri="{FF2B5EF4-FFF2-40B4-BE49-F238E27FC236}">
-                  <a16:creationId xmlns:a16="http://schemas.microsoft.com/office/drawing/2014/main" id="{2557AC3C-6324-46B3-B7AE-769AC22D8292}"/>
+                  <a16:creationId xmlns:a16="http://schemas.microsoft.com/office/drawing/2014/main" id="{4AA8EB61-82C1-4DC8-B457-DB0EFA126A7D}"/>
                 </a:ext>
               </a:extLst>
             </p:cNvPr>
@@ -6312,15 +6814,15 @@
           </p:nvSpPr>
           <p:spPr>
             <a:xfrm>
-              <a:off x="5835940" y="2756803"/>
-              <a:ext cx="4548232" cy="394282"/>
+              <a:off x="6434356" y="3357209"/>
+              <a:ext cx="3506598" cy="1929468"/>
             </a:xfrm>
-            <a:prstGeom prst="roundRect">
+            <a:prstGeom prst="rect">
               <a:avLst/>
             </a:prstGeom>
             <a:solidFill>
               <a:schemeClr val="bg1">
-                <a:lumMod val="85000"/>
+                <a:lumMod val="95000"/>
               </a:schemeClr>
             </a:solidFill>
           </p:spPr>
@@ -6346,30 +6848,70 @@
             <a:p>
               <a:pPr algn="ctr"/>
               <a:r>
-                <a:rPr lang="en-US" altLang="ko-KR">
+                <a:rPr lang="en-US" altLang="ko-KR" sz="1600" dirty="0">
                   <a:solidFill>
                     <a:schemeClr val="tx1"/>
                   </a:solidFill>
                 </a:rPr>
-                <a:t>ID</a:t>
+                <a:t>{</a:t>
               </a:r>
               <a:r>
-                <a:rPr lang="ko-KR" altLang="en-US" dirty="0">
+                <a:rPr lang="ko-KR" altLang="en-US" sz="1600" dirty="0">
                   <a:solidFill>
                     <a:schemeClr val="tx1"/>
                   </a:solidFill>
                 </a:rPr>
-                <a:t>번호정보</a:t>
+                <a:t>이름</a:t>
               </a:r>
+              <a:r>
+                <a:rPr lang="en-US" altLang="ko-KR" sz="1600" dirty="0">
+                  <a:solidFill>
+                    <a:schemeClr val="tx1"/>
+                  </a:solidFill>
+                </a:rPr>
+                <a:t>}</a:t>
+              </a:r>
+              <a:r>
+                <a:rPr lang="ko-KR" altLang="en-US" sz="1600" dirty="0">
+                  <a:solidFill>
+                    <a:schemeClr val="tx1"/>
+                  </a:solidFill>
+                </a:rPr>
+                <a:t>을 삭제 하시겠습니까 </a:t>
+              </a:r>
+              <a:r>
+                <a:rPr lang="en-US" altLang="ko-KR" sz="1600" dirty="0">
+                  <a:solidFill>
+                    <a:schemeClr val="tx1"/>
+                  </a:solidFill>
+                </a:rPr>
+                <a:t>?</a:t>
+              </a:r>
+            </a:p>
+            <a:p>
+              <a:pPr algn="ctr"/>
+              <a:endParaRPr lang="en-US" altLang="ko-KR" sz="1600" dirty="0">
+                <a:solidFill>
+                  <a:schemeClr val="tx1"/>
+                </a:solidFill>
+              </a:endParaRPr>
+            </a:p>
+            <a:p>
+              <a:pPr algn="ctr"/>
+              <a:endParaRPr lang="ko-KR" altLang="en-US" sz="1600" dirty="0">
+                <a:solidFill>
+                  <a:schemeClr val="tx1"/>
+                </a:solidFill>
+              </a:endParaRPr>
             </a:p>
           </p:txBody>
         </p:sp>
         <p:sp>
           <p:nvSpPr>
-            <p:cNvPr id="40" name="사각형: 둥근 모서리 39">
+            <p:cNvPr id="20" name="사각형: 둥근 모서리 19">
               <a:extLst>
                 <a:ext uri="{FF2B5EF4-FFF2-40B4-BE49-F238E27FC236}">
-                  <a16:creationId xmlns:a16="http://schemas.microsoft.com/office/drawing/2014/main" id="{BEFC2F7D-BDC4-4844-A006-2A5F7A7DB25F}"/>
+                  <a16:creationId xmlns:a16="http://schemas.microsoft.com/office/drawing/2014/main" id="{B15AC744-F9E8-49D7-AF96-851EAB1AF835}"/>
                 </a:ext>
               </a:extLst>
             </p:cNvPr>
@@ -6378,15 +6920,2165 @@
           </p:nvSpPr>
           <p:spPr>
             <a:xfrm>
-              <a:off x="4613944" y="2756803"/>
-              <a:ext cx="1164672" cy="394282"/>
+              <a:off x="6943986" y="4639096"/>
+              <a:ext cx="1166070" cy="394282"/>
             </a:xfrm>
             <a:prstGeom prst="roundRect">
               <a:avLst/>
             </a:prstGeom>
             <a:solidFill>
+              <a:schemeClr val="accent4"/>
+            </a:solidFill>
+          </p:spPr>
+          <p:style>
+            <a:lnRef idx="2">
+              <a:schemeClr val="accent1">
+                <a:shade val="50000"/>
+              </a:schemeClr>
+            </a:lnRef>
+            <a:fillRef idx="1">
+              <a:schemeClr val="accent1"/>
+            </a:fillRef>
+            <a:effectRef idx="0">
+              <a:schemeClr val="accent1"/>
+            </a:effectRef>
+            <a:fontRef idx="minor">
+              <a:schemeClr val="lt1"/>
+            </a:fontRef>
+          </p:style>
+          <p:txBody>
+            <a:bodyPr rtlCol="0" anchor="ctr"/>
+            <a:lstStyle/>
+            <a:p>
+              <a:pPr algn="ctr"/>
+              <a:r>
+                <a:rPr lang="ko-KR" altLang="en-US" dirty="0"/>
+                <a:t>예</a:t>
+              </a:r>
+            </a:p>
+          </p:txBody>
+        </p:sp>
+        <p:sp>
+          <p:nvSpPr>
+            <p:cNvPr id="21" name="사각형: 둥근 모서리 20">
+              <a:extLst>
+                <a:ext uri="{FF2B5EF4-FFF2-40B4-BE49-F238E27FC236}">
+                  <a16:creationId xmlns:a16="http://schemas.microsoft.com/office/drawing/2014/main" id="{36E2465D-77FD-410C-B489-E2E63ABF61DA}"/>
+                </a:ext>
+              </a:extLst>
+            </p:cNvPr>
+            <p:cNvSpPr/>
+            <p:nvPr/>
+          </p:nvSpPr>
+          <p:spPr>
+            <a:xfrm>
+              <a:off x="8311043" y="4639096"/>
+              <a:ext cx="1166070" cy="394282"/>
+            </a:xfrm>
+            <a:prstGeom prst="roundRect">
+              <a:avLst/>
+            </a:prstGeom>
+            <a:solidFill>
+              <a:schemeClr val="accent4"/>
+            </a:solidFill>
+          </p:spPr>
+          <p:style>
+            <a:lnRef idx="2">
+              <a:schemeClr val="accent1">
+                <a:shade val="50000"/>
+              </a:schemeClr>
+            </a:lnRef>
+            <a:fillRef idx="1">
+              <a:schemeClr val="accent1"/>
+            </a:fillRef>
+            <a:effectRef idx="0">
+              <a:schemeClr val="accent1"/>
+            </a:effectRef>
+            <a:fontRef idx="minor">
+              <a:schemeClr val="lt1"/>
+            </a:fontRef>
+          </p:style>
+          <p:txBody>
+            <a:bodyPr rtlCol="0" anchor="ctr"/>
+            <a:lstStyle/>
+            <a:p>
+              <a:pPr algn="ctr"/>
+              <a:r>
+                <a:rPr lang="ko-KR" altLang="en-US" dirty="0" err="1"/>
+                <a:t>아니오</a:t>
+              </a:r>
+              <a:endParaRPr lang="ko-KR" altLang="en-US" dirty="0"/>
+            </a:p>
+          </p:txBody>
+        </p:sp>
+      </p:grpSp>
+      <p:cxnSp>
+        <p:nvCxnSpPr>
+          <p:cNvPr id="5" name="연결선: 꺾임 4">
+            <a:extLst>
+              <a:ext uri="{FF2B5EF4-FFF2-40B4-BE49-F238E27FC236}">
+                <a16:creationId xmlns:a16="http://schemas.microsoft.com/office/drawing/2014/main" id="{63C27ADC-246C-4399-B26E-A9875675888E}"/>
+              </a:ext>
+            </a:extLst>
+          </p:cNvPr>
+          <p:cNvCxnSpPr>
+            <a:cxnSpLocks/>
+            <a:stCxn id="13" idx="0"/>
+            <a:endCxn id="19" idx="3"/>
+          </p:cNvCxnSpPr>
+          <p:nvPr/>
+        </p:nvCxnSpPr>
+        <p:spPr>
+          <a:xfrm rot="16200000" flipV="1">
+            <a:off x="7241635" y="4302057"/>
+            <a:ext cx="849707" cy="450908"/>
+          </a:xfrm>
+          <a:prstGeom prst="bentConnector2">
+            <a:avLst/>
+          </a:prstGeom>
+          <a:ln>
+            <a:tailEnd type="triangle"/>
+          </a:ln>
+        </p:spPr>
+        <p:style>
+          <a:lnRef idx="1">
+            <a:schemeClr val="accent1"/>
+          </a:lnRef>
+          <a:fillRef idx="0">
+            <a:schemeClr val="accent1"/>
+          </a:fillRef>
+          <a:effectRef idx="0">
+            <a:schemeClr val="accent1"/>
+          </a:effectRef>
+          <a:fontRef idx="minor">
+            <a:schemeClr val="tx1"/>
+          </a:fontRef>
+        </p:style>
+      </p:cxnSp>
+      <p:cxnSp>
+        <p:nvCxnSpPr>
+          <p:cNvPr id="25" name="연결선: 꺾임 24">
+            <a:extLst>
+              <a:ext uri="{FF2B5EF4-FFF2-40B4-BE49-F238E27FC236}">
+                <a16:creationId xmlns:a16="http://schemas.microsoft.com/office/drawing/2014/main" id="{332794DD-82FD-48F8-B4CD-CEC754049F75}"/>
+              </a:ext>
+            </a:extLst>
+          </p:cNvPr>
+          <p:cNvCxnSpPr>
+            <a:cxnSpLocks/>
+            <a:stCxn id="38" idx="0"/>
+            <a:endCxn id="15" idx="3"/>
+          </p:cNvCxnSpPr>
+          <p:nvPr/>
+        </p:nvCxnSpPr>
+        <p:spPr>
+          <a:xfrm rot="5400000" flipH="1" flipV="1">
+            <a:off x="10485934" y="4450404"/>
+            <a:ext cx="868168" cy="172675"/>
+          </a:xfrm>
+          <a:prstGeom prst="bentConnector4">
+            <a:avLst>
+              <a:gd name="adj1" fmla="val 14662"/>
+              <a:gd name="adj2" fmla="val 232387"/>
+            </a:avLst>
+          </a:prstGeom>
+          <a:ln>
+            <a:tailEnd type="triangle"/>
+          </a:ln>
+        </p:spPr>
+        <p:style>
+          <a:lnRef idx="1">
+            <a:schemeClr val="accent1"/>
+          </a:lnRef>
+          <a:fillRef idx="0">
+            <a:schemeClr val="accent1"/>
+          </a:fillRef>
+          <a:effectRef idx="0">
+            <a:schemeClr val="accent1"/>
+          </a:effectRef>
+          <a:fontRef idx="minor">
+            <a:schemeClr val="tx1"/>
+          </a:fontRef>
+        </p:style>
+      </p:cxnSp>
+      <p:sp>
+        <p:nvSpPr>
+          <p:cNvPr id="26" name="TextBox 25">
+            <a:extLst>
+              <a:ext uri="{FF2B5EF4-FFF2-40B4-BE49-F238E27FC236}">
+                <a16:creationId xmlns:a16="http://schemas.microsoft.com/office/drawing/2014/main" id="{2E65BC03-98AE-4D88-A419-75C236236DE6}"/>
+              </a:ext>
+            </a:extLst>
+          </p:cNvPr>
+          <p:cNvSpPr txBox="1"/>
+          <p:nvPr/>
+        </p:nvSpPr>
+        <p:spPr>
+          <a:xfrm>
+            <a:off x="928956" y="6388120"/>
+            <a:ext cx="8289689" cy="1477328"/>
+          </a:xfrm>
+          <a:prstGeom prst="rect">
+            <a:avLst/>
+          </a:prstGeom>
+          <a:noFill/>
+          <a:ln>
+            <a:solidFill>
+              <a:schemeClr val="accent1"/>
+            </a:solidFill>
+          </a:ln>
+        </p:spPr>
+        <p:txBody>
+          <a:bodyPr wrap="square" rtlCol="0">
+            <a:spAutoFit/>
+          </a:bodyPr>
+          <a:lstStyle/>
+          <a:p>
+            <a:r>
+              <a:rPr lang="en-US" altLang="ko-KR" dirty="0"/>
+              <a:t>GET  </a:t>
+            </a:r>
+            <a:r>
+              <a:rPr lang="en-US" altLang="ko-KR" dirty="0">
+                <a:hlinkClick r:id="rId2"/>
+              </a:rPr>
+              <a:t>http://localhost:????/catweb/category_</a:t>
+            </a:r>
+            <a:r>
+              <a:rPr lang="en-US" altLang="ko-KR" dirty="0"/>
+              <a:t>view?id=num   =&gt; </a:t>
+            </a:r>
+            <a:r>
+              <a:rPr lang="ko-KR" altLang="en-US" dirty="0"/>
+              <a:t>수정 버튼 </a:t>
+            </a:r>
+            <a:r>
+              <a:rPr lang="en-US" altLang="ko-KR" dirty="0"/>
+              <a:t>=&gt;</a:t>
+            </a:r>
+          </a:p>
+          <a:p>
+            <a:r>
+              <a:rPr lang="en-US" altLang="ko-KR" dirty="0"/>
+              <a:t>POST </a:t>
+            </a:r>
+            <a:r>
+              <a:rPr lang="en-US" altLang="ko-KR" dirty="0">
+                <a:hlinkClick r:id="rId2"/>
+              </a:rPr>
+              <a:t>http://localhost:????/catweb/category_</a:t>
+            </a:r>
+            <a:r>
+              <a:rPr lang="en-US" altLang="ko-KR" dirty="0"/>
+              <a:t>update =&gt; DB insert =&gt;</a:t>
+            </a:r>
+          </a:p>
+          <a:p>
+            <a:r>
+              <a:rPr lang="en-US" altLang="ko-KR" dirty="0"/>
+              <a:t>REDIRECT </a:t>
+            </a:r>
+            <a:r>
+              <a:rPr lang="en-US" altLang="ko-KR" dirty="0">
+                <a:hlinkClick r:id="rId3"/>
+              </a:rPr>
+              <a:t>http://localhost:????/catweb/category_list?page=1&amp;name</a:t>
+            </a:r>
+            <a:r>
+              <a:rPr lang="en-US" altLang="ko-KR" dirty="0"/>
+              <a:t>=</a:t>
+            </a:r>
+          </a:p>
+          <a:p>
+            <a:r>
+              <a:rPr lang="ko-KR" altLang="en-US" dirty="0"/>
+              <a:t>삭제버튼 </a:t>
+            </a:r>
+            <a:r>
+              <a:rPr lang="en-US" altLang="ko-KR" dirty="0"/>
+              <a:t>=&gt; GET </a:t>
+            </a:r>
+            <a:r>
+              <a:rPr lang="en-US" altLang="ko-KR" dirty="0">
+                <a:hlinkClick r:id="rId4"/>
+              </a:rPr>
+              <a:t>http://localhost:????/catweb/category_delete?id=num</a:t>
+            </a:r>
+            <a:r>
+              <a:rPr lang="en-US" altLang="ko-KR" dirty="0"/>
+              <a:t> =&gt; REDIRECT </a:t>
+            </a:r>
+            <a:r>
+              <a:rPr lang="ko-KR" altLang="en-US" dirty="0"/>
+              <a:t>화면목록</a:t>
+            </a:r>
+            <a:endParaRPr lang="en-US" altLang="ko-KR" dirty="0"/>
+          </a:p>
+        </p:txBody>
+      </p:sp>
+    </p:spTree>
+    <p:extLst>
+      <p:ext uri="{BB962C8B-B14F-4D97-AF65-F5344CB8AC3E}">
+        <p14:creationId xmlns:p14="http://schemas.microsoft.com/office/powerpoint/2010/main" val="2403962128"/>
+      </p:ext>
+    </p:extLst>
+  </p:cSld>
+  <p:clrMapOvr>
+    <a:masterClrMapping/>
+  </p:clrMapOvr>
+</p:sld>
+</file>
+
+<file path=ppt/slides/slide5.xml><?xml version="1.0" encoding="utf-8"?>
+<p:sld xmlns:a="http://schemas.openxmlformats.org/drawingml/2006/main" xmlns:r="http://schemas.openxmlformats.org/officeDocument/2006/relationships" xmlns:p="http://schemas.openxmlformats.org/presentationml/2006/main">
+  <p:cSld>
+    <p:spTree>
+      <p:nvGrpSpPr>
+        <p:cNvPr id="1" name=""/>
+        <p:cNvGrpSpPr/>
+        <p:nvPr/>
+      </p:nvGrpSpPr>
+      <p:grpSpPr>
+        <a:xfrm>
+          <a:off x="0" y="0"/>
+          <a:ext cx="0" cy="0"/>
+          <a:chOff x="0" y="0"/>
+          <a:chExt cx="0" cy="0"/>
+        </a:xfrm>
+      </p:grpSpPr>
+      <p:sp>
+        <p:nvSpPr>
+          <p:cNvPr id="2" name="제목 1">
+            <a:extLst>
+              <a:ext uri="{FF2B5EF4-FFF2-40B4-BE49-F238E27FC236}">
+                <a16:creationId xmlns:a16="http://schemas.microsoft.com/office/drawing/2014/main" id="{8098C41E-F6D0-46F7-A2A4-8F0118B48E65}"/>
+              </a:ext>
+            </a:extLst>
+          </p:cNvPr>
+          <p:cNvSpPr>
+            <a:spLocks noGrp="1"/>
+          </p:cNvSpPr>
+          <p:nvPr>
+            <p:ph type="title"/>
+          </p:nvPr>
+        </p:nvSpPr>
+        <p:spPr>
+          <a:xfrm>
+            <a:off x="740503" y="124408"/>
+            <a:ext cx="10515600" cy="1325563"/>
+          </a:xfrm>
+        </p:spPr>
+        <p:txBody>
+          <a:bodyPr>
+            <a:normAutofit/>
+          </a:bodyPr>
+          <a:lstStyle/>
+          <a:p>
+            <a:r>
+              <a:rPr lang="ko-KR" altLang="en-US" sz="4000" dirty="0"/>
+              <a:t>분류 관리 화면 </a:t>
+            </a:r>
+            <a:r>
+              <a:rPr lang="en-US" altLang="ko-KR" sz="4000" dirty="0"/>
+              <a:t>(CAT_AJAX_LIST)</a:t>
+            </a:r>
+            <a:endParaRPr lang="ko-KR" altLang="en-US" sz="4000" dirty="0"/>
+          </a:p>
+        </p:txBody>
+      </p:sp>
+      <p:sp>
+        <p:nvSpPr>
+          <p:cNvPr id="3" name="내용 개체 틀 2">
+            <a:extLst>
+              <a:ext uri="{FF2B5EF4-FFF2-40B4-BE49-F238E27FC236}">
+                <a16:creationId xmlns:a16="http://schemas.microsoft.com/office/drawing/2014/main" id="{3075610B-D0F5-4DF2-8FE4-CE1BA222F740}"/>
+              </a:ext>
+            </a:extLst>
+          </p:cNvPr>
+          <p:cNvSpPr>
+            <a:spLocks noGrp="1"/>
+          </p:cNvSpPr>
+          <p:nvPr>
+            <p:ph idx="1"/>
+          </p:nvPr>
+        </p:nvSpPr>
+        <p:spPr>
+          <a:xfrm>
+            <a:off x="599812" y="2375717"/>
+            <a:ext cx="10515600" cy="4050250"/>
+          </a:xfrm>
+        </p:spPr>
+        <p:txBody>
+          <a:bodyPr>
+            <a:normAutofit fontScale="70000" lnSpcReduction="20000"/>
+          </a:bodyPr>
+          <a:lstStyle/>
+          <a:p>
+            <a:endParaRPr lang="en-US" altLang="ko-KR" dirty="0"/>
+          </a:p>
+          <a:p>
+            <a:endParaRPr lang="en-US" altLang="ko-KR" dirty="0"/>
+          </a:p>
+          <a:p>
+            <a:endParaRPr lang="en-US" altLang="ko-KR" dirty="0"/>
+          </a:p>
+          <a:p>
+            <a:endParaRPr lang="en-US" altLang="ko-KR" dirty="0"/>
+          </a:p>
+          <a:p>
+            <a:endParaRPr lang="en-US" altLang="ko-KR" dirty="0"/>
+          </a:p>
+          <a:p>
+            <a:endParaRPr lang="en-US" altLang="ko-KR" dirty="0"/>
+          </a:p>
+          <a:p>
+            <a:r>
+              <a:rPr lang="ko-KR" altLang="en-US" dirty="0"/>
+              <a:t>이름 포함 검색</a:t>
+            </a:r>
+            <a:endParaRPr lang="en-US" altLang="ko-KR" dirty="0"/>
+          </a:p>
+          <a:p>
+            <a:r>
+              <a:rPr lang="ko-KR" altLang="en-US" dirty="0"/>
+              <a:t>추가버튼 </a:t>
+            </a:r>
+            <a:r>
+              <a:rPr lang="en-US" altLang="ko-KR" dirty="0"/>
+              <a:t>(</a:t>
+            </a:r>
+            <a:r>
+              <a:rPr lang="ko-KR" altLang="en-US" dirty="0"/>
+              <a:t>데이터추가</a:t>
+            </a:r>
+            <a:r>
+              <a:rPr lang="en-US" altLang="ko-KR" dirty="0"/>
+              <a:t>)</a:t>
+            </a:r>
+          </a:p>
+          <a:p>
+            <a:r>
+              <a:rPr lang="ko-KR" altLang="en-US" dirty="0"/>
+              <a:t>각행의 데이터 클릭</a:t>
+            </a:r>
+            <a:br>
+              <a:rPr lang="en-US" altLang="ko-KR" dirty="0"/>
+            </a:br>
+            <a:r>
+              <a:rPr lang="en-US" altLang="ko-KR" dirty="0"/>
+              <a:t>   </a:t>
+            </a:r>
+            <a:r>
+              <a:rPr lang="ko-KR" altLang="en-US" dirty="0"/>
+              <a:t> </a:t>
+            </a:r>
+            <a:r>
+              <a:rPr lang="en-US" altLang="ko-KR" dirty="0"/>
+              <a:t>(ID,</a:t>
+            </a:r>
+            <a:r>
+              <a:rPr lang="ko-KR" altLang="en-US" dirty="0"/>
+              <a:t> 이름 보여주기</a:t>
+            </a:r>
+            <a:r>
+              <a:rPr lang="en-US" altLang="ko-KR" dirty="0"/>
+              <a:t>)</a:t>
+            </a:r>
+          </a:p>
+          <a:p>
+            <a:r>
+              <a:rPr lang="ko-KR" altLang="en-US" dirty="0"/>
+              <a:t>수정버튼 </a:t>
+            </a:r>
+            <a:r>
+              <a:rPr lang="en-US" altLang="ko-KR" dirty="0"/>
+              <a:t>(</a:t>
+            </a:r>
+            <a:r>
+              <a:rPr lang="ko-KR" altLang="en-US" dirty="0"/>
+              <a:t>데이터수정</a:t>
+            </a:r>
+            <a:r>
+              <a:rPr lang="en-US" altLang="ko-KR" dirty="0"/>
+              <a:t>)</a:t>
+            </a:r>
+          </a:p>
+          <a:p>
+            <a:r>
+              <a:rPr lang="ko-KR" altLang="en-US" dirty="0"/>
+              <a:t>삭제버튼 </a:t>
+            </a:r>
+            <a:r>
+              <a:rPr lang="en-US" altLang="ko-KR" dirty="0"/>
+              <a:t>(</a:t>
+            </a:r>
+            <a:r>
+              <a:rPr lang="ko-KR" altLang="en-US" dirty="0"/>
+              <a:t>데이터삭제</a:t>
+            </a:r>
+            <a:r>
+              <a:rPr lang="en-US" altLang="ko-KR" dirty="0"/>
+              <a:t>)</a:t>
+            </a:r>
+          </a:p>
+          <a:p>
+            <a:pPr marL="0" indent="0">
+              <a:buNone/>
+            </a:pPr>
+            <a:endParaRPr lang="en-US" altLang="ko-KR" dirty="0"/>
+          </a:p>
+          <a:p>
+            <a:endParaRPr lang="ko-KR" altLang="en-US" dirty="0"/>
+          </a:p>
+        </p:txBody>
+      </p:sp>
+      <p:sp>
+        <p:nvSpPr>
+          <p:cNvPr id="6" name="직사각형 5">
+            <a:extLst>
+              <a:ext uri="{FF2B5EF4-FFF2-40B4-BE49-F238E27FC236}">
+                <a16:creationId xmlns:a16="http://schemas.microsoft.com/office/drawing/2014/main" id="{92888DD4-1B10-4027-9BD3-F29643475F39}"/>
+              </a:ext>
+            </a:extLst>
+          </p:cNvPr>
+          <p:cNvSpPr/>
+          <p:nvPr/>
+        </p:nvSpPr>
+        <p:spPr>
+          <a:xfrm>
+            <a:off x="3951215" y="1811309"/>
+            <a:ext cx="7164197" cy="4614658"/>
+          </a:xfrm>
+          <a:prstGeom prst="rect">
+            <a:avLst/>
+          </a:prstGeom>
+          <a:noFill/>
+        </p:spPr>
+        <p:style>
+          <a:lnRef idx="2">
+            <a:schemeClr val="accent1">
+              <a:shade val="50000"/>
+            </a:schemeClr>
+          </a:lnRef>
+          <a:fillRef idx="1">
+            <a:schemeClr val="accent1"/>
+          </a:fillRef>
+          <a:effectRef idx="0">
+            <a:schemeClr val="accent1"/>
+          </a:effectRef>
+          <a:fontRef idx="minor">
+            <a:schemeClr val="lt1"/>
+          </a:fontRef>
+        </p:style>
+        <p:txBody>
+          <a:bodyPr rtlCol="0" anchor="ctr"/>
+          <a:lstStyle/>
+          <a:p>
+            <a:pPr algn="ctr"/>
+            <a:endParaRPr lang="ko-KR" altLang="en-US"/>
+          </a:p>
+        </p:txBody>
+      </p:sp>
+      <p:sp>
+        <p:nvSpPr>
+          <p:cNvPr id="7" name="직사각형 6">
+            <a:extLst>
+              <a:ext uri="{FF2B5EF4-FFF2-40B4-BE49-F238E27FC236}">
+                <a16:creationId xmlns:a16="http://schemas.microsoft.com/office/drawing/2014/main" id="{A4F5D628-1A6C-40D6-95D6-6E5F84AC5161}"/>
+              </a:ext>
+            </a:extLst>
+          </p:cNvPr>
+          <p:cNvSpPr/>
+          <p:nvPr/>
+        </p:nvSpPr>
+        <p:spPr>
+          <a:xfrm>
+            <a:off x="3952613" y="1811309"/>
+            <a:ext cx="7164197" cy="596331"/>
+          </a:xfrm>
+          <a:prstGeom prst="rect">
+            <a:avLst/>
+          </a:prstGeom>
+          <a:noFill/>
+        </p:spPr>
+        <p:style>
+          <a:lnRef idx="2">
+            <a:schemeClr val="accent1">
+              <a:shade val="50000"/>
+            </a:schemeClr>
+          </a:lnRef>
+          <a:fillRef idx="1">
+            <a:schemeClr val="accent1"/>
+          </a:fillRef>
+          <a:effectRef idx="0">
+            <a:schemeClr val="accent1"/>
+          </a:effectRef>
+          <a:fontRef idx="minor">
+            <a:schemeClr val="lt1"/>
+          </a:fontRef>
+        </p:style>
+        <p:txBody>
+          <a:bodyPr rtlCol="0" anchor="ctr"/>
+          <a:lstStyle/>
+          <a:p>
+            <a:pPr algn="ctr"/>
+            <a:endParaRPr lang="ko-KR" altLang="en-US"/>
+          </a:p>
+        </p:txBody>
+      </p:sp>
+      <p:sp>
+        <p:nvSpPr>
+          <p:cNvPr id="8" name="사각형: 둥근 모서리 7">
+            <a:extLst>
+              <a:ext uri="{FF2B5EF4-FFF2-40B4-BE49-F238E27FC236}">
+                <a16:creationId xmlns:a16="http://schemas.microsoft.com/office/drawing/2014/main" id="{B8C0F07B-541C-4B06-8732-155A1D57178D}"/>
+              </a:ext>
+            </a:extLst>
+          </p:cNvPr>
+          <p:cNvSpPr/>
+          <p:nvPr/>
+        </p:nvSpPr>
+        <p:spPr>
+          <a:xfrm>
+            <a:off x="9864753" y="1912333"/>
+            <a:ext cx="1166070" cy="394282"/>
+          </a:xfrm>
+          <a:prstGeom prst="roundRect">
+            <a:avLst/>
+          </a:prstGeom>
+        </p:spPr>
+        <p:style>
+          <a:lnRef idx="2">
+            <a:schemeClr val="accent1">
+              <a:shade val="50000"/>
+            </a:schemeClr>
+          </a:lnRef>
+          <a:fillRef idx="1">
+            <a:schemeClr val="accent1"/>
+          </a:fillRef>
+          <a:effectRef idx="0">
+            <a:schemeClr val="accent1"/>
+          </a:effectRef>
+          <a:fontRef idx="minor">
+            <a:schemeClr val="lt1"/>
+          </a:fontRef>
+        </p:style>
+        <p:txBody>
+          <a:bodyPr rtlCol="0" anchor="ctr"/>
+          <a:lstStyle/>
+          <a:p>
+            <a:pPr algn="ctr"/>
+            <a:r>
+              <a:rPr lang="ko-KR" altLang="en-US" dirty="0"/>
+              <a:t>검색</a:t>
+            </a:r>
+          </a:p>
+        </p:txBody>
+      </p:sp>
+      <p:sp>
+        <p:nvSpPr>
+          <p:cNvPr id="9" name="사각형: 둥근 모서리 8">
+            <a:extLst>
+              <a:ext uri="{FF2B5EF4-FFF2-40B4-BE49-F238E27FC236}">
+                <a16:creationId xmlns:a16="http://schemas.microsoft.com/office/drawing/2014/main" id="{486C62AE-0B88-4D03-8B90-80D98B6232C5}"/>
+              </a:ext>
+            </a:extLst>
+          </p:cNvPr>
+          <p:cNvSpPr/>
+          <p:nvPr/>
+        </p:nvSpPr>
+        <p:spPr>
+          <a:xfrm>
+            <a:off x="5231933" y="1912333"/>
+            <a:ext cx="4548232" cy="394282"/>
+          </a:xfrm>
+          <a:prstGeom prst="roundRect">
+            <a:avLst/>
+          </a:prstGeom>
+          <a:noFill/>
+        </p:spPr>
+        <p:style>
+          <a:lnRef idx="2">
+            <a:schemeClr val="accent1">
+              <a:shade val="50000"/>
+            </a:schemeClr>
+          </a:lnRef>
+          <a:fillRef idx="1">
+            <a:schemeClr val="accent1"/>
+          </a:fillRef>
+          <a:effectRef idx="0">
+            <a:schemeClr val="accent1"/>
+          </a:effectRef>
+          <a:fontRef idx="minor">
+            <a:schemeClr val="lt1"/>
+          </a:fontRef>
+        </p:style>
+        <p:txBody>
+          <a:bodyPr rtlCol="0" anchor="ctr"/>
+          <a:lstStyle/>
+          <a:p>
+            <a:pPr algn="ctr"/>
+            <a:r>
+              <a:rPr lang="ko-KR" altLang="en-US" dirty="0">
+                <a:solidFill>
+                  <a:schemeClr val="tx1"/>
+                </a:solidFill>
+              </a:rPr>
+              <a:t>검색할 이름 입력</a:t>
+            </a:r>
+          </a:p>
+        </p:txBody>
+      </p:sp>
+      <p:sp>
+        <p:nvSpPr>
+          <p:cNvPr id="10" name="사각형: 둥근 모서리 9">
+            <a:extLst>
+              <a:ext uri="{FF2B5EF4-FFF2-40B4-BE49-F238E27FC236}">
+                <a16:creationId xmlns:a16="http://schemas.microsoft.com/office/drawing/2014/main" id="{1F6F6619-7B5A-4D93-8878-6376166F9658}"/>
+              </a:ext>
+            </a:extLst>
+          </p:cNvPr>
+          <p:cNvSpPr/>
+          <p:nvPr/>
+        </p:nvSpPr>
+        <p:spPr>
+          <a:xfrm>
+            <a:off x="4009937" y="1912333"/>
+            <a:ext cx="1164672" cy="394282"/>
+          </a:xfrm>
+          <a:prstGeom prst="roundRect">
+            <a:avLst/>
+          </a:prstGeom>
+          <a:noFill/>
+        </p:spPr>
+        <p:style>
+          <a:lnRef idx="2">
+            <a:schemeClr val="accent1">
+              <a:shade val="50000"/>
+            </a:schemeClr>
+          </a:lnRef>
+          <a:fillRef idx="1">
+            <a:schemeClr val="accent1"/>
+          </a:fillRef>
+          <a:effectRef idx="0">
+            <a:schemeClr val="accent1"/>
+          </a:effectRef>
+          <a:fontRef idx="minor">
+            <a:schemeClr val="lt1"/>
+          </a:fontRef>
+        </p:style>
+        <p:txBody>
+          <a:bodyPr rtlCol="0" anchor="ctr"/>
+          <a:lstStyle/>
+          <a:p>
+            <a:pPr algn="ctr"/>
+            <a:r>
+              <a:rPr lang="ko-KR" altLang="en-US" dirty="0">
+                <a:solidFill>
+                  <a:schemeClr val="tx1"/>
+                </a:solidFill>
+              </a:rPr>
+              <a:t>이름</a:t>
+            </a:r>
+          </a:p>
+        </p:txBody>
+      </p:sp>
+      <p:sp>
+        <p:nvSpPr>
+          <p:cNvPr id="11" name="직사각형 10">
+            <a:extLst>
+              <a:ext uri="{FF2B5EF4-FFF2-40B4-BE49-F238E27FC236}">
+                <a16:creationId xmlns:a16="http://schemas.microsoft.com/office/drawing/2014/main" id="{13D6B194-1D12-4B0C-AE1A-3B7704736926}"/>
+              </a:ext>
+            </a:extLst>
+          </p:cNvPr>
+          <p:cNvSpPr/>
+          <p:nvPr/>
+        </p:nvSpPr>
+        <p:spPr>
+          <a:xfrm>
+            <a:off x="3951215" y="2405178"/>
+            <a:ext cx="7164197" cy="3487023"/>
+          </a:xfrm>
+          <a:prstGeom prst="rect">
+            <a:avLst/>
+          </a:prstGeom>
+          <a:noFill/>
+        </p:spPr>
+        <p:style>
+          <a:lnRef idx="2">
+            <a:schemeClr val="accent1">
+              <a:shade val="50000"/>
+            </a:schemeClr>
+          </a:lnRef>
+          <a:fillRef idx="1">
+            <a:schemeClr val="accent1"/>
+          </a:fillRef>
+          <a:effectRef idx="0">
+            <a:schemeClr val="accent1"/>
+          </a:effectRef>
+          <a:fontRef idx="minor">
+            <a:schemeClr val="lt1"/>
+          </a:fontRef>
+        </p:style>
+        <p:txBody>
+          <a:bodyPr rtlCol="0" anchor="ctr"/>
+          <a:lstStyle/>
+          <a:p>
+            <a:pPr algn="ctr"/>
+            <a:endParaRPr lang="ko-KR" altLang="en-US"/>
+          </a:p>
+        </p:txBody>
+      </p:sp>
+      <p:sp>
+        <p:nvSpPr>
+          <p:cNvPr id="12" name="사각형: 둥근 모서리 11">
+            <a:extLst>
+              <a:ext uri="{FF2B5EF4-FFF2-40B4-BE49-F238E27FC236}">
+                <a16:creationId xmlns:a16="http://schemas.microsoft.com/office/drawing/2014/main" id="{52606477-DF71-4975-923E-BBADF695FFD5}"/>
+              </a:ext>
+            </a:extLst>
+          </p:cNvPr>
+          <p:cNvSpPr/>
+          <p:nvPr/>
+        </p:nvSpPr>
+        <p:spPr>
+          <a:xfrm>
+            <a:off x="9864753" y="5970332"/>
+            <a:ext cx="1166070" cy="394282"/>
+          </a:xfrm>
+          <a:prstGeom prst="roundRect">
+            <a:avLst/>
+          </a:prstGeom>
+        </p:spPr>
+        <p:style>
+          <a:lnRef idx="2">
+            <a:schemeClr val="accent1">
+              <a:shade val="50000"/>
+            </a:schemeClr>
+          </a:lnRef>
+          <a:fillRef idx="1">
+            <a:schemeClr val="accent1"/>
+          </a:fillRef>
+          <a:effectRef idx="0">
+            <a:schemeClr val="accent1"/>
+          </a:effectRef>
+          <a:fontRef idx="minor">
+            <a:schemeClr val="lt1"/>
+          </a:fontRef>
+        </p:style>
+        <p:txBody>
+          <a:bodyPr rtlCol="0" anchor="ctr"/>
+          <a:lstStyle/>
+          <a:p>
+            <a:pPr algn="ctr"/>
+            <a:r>
+              <a:rPr lang="en-US" altLang="ko-KR" dirty="0"/>
+              <a:t>Next</a:t>
+            </a:r>
+            <a:endParaRPr lang="ko-KR" altLang="en-US" dirty="0"/>
+          </a:p>
+        </p:txBody>
+      </p:sp>
+      <p:sp>
+        <p:nvSpPr>
+          <p:cNvPr id="13" name="사각형: 둥근 모서리 12">
+            <a:extLst>
+              <a:ext uri="{FF2B5EF4-FFF2-40B4-BE49-F238E27FC236}">
+                <a16:creationId xmlns:a16="http://schemas.microsoft.com/office/drawing/2014/main" id="{9B3821BF-9FEE-44E6-B4EB-88D76070B822}"/>
+              </a:ext>
+            </a:extLst>
+          </p:cNvPr>
+          <p:cNvSpPr/>
+          <p:nvPr/>
+        </p:nvSpPr>
+        <p:spPr>
+          <a:xfrm>
+            <a:off x="4009937" y="5957085"/>
+            <a:ext cx="1166070" cy="394282"/>
+          </a:xfrm>
+          <a:prstGeom prst="roundRect">
+            <a:avLst/>
+          </a:prstGeom>
+        </p:spPr>
+        <p:style>
+          <a:lnRef idx="2">
+            <a:schemeClr val="accent1">
+              <a:shade val="50000"/>
+            </a:schemeClr>
+          </a:lnRef>
+          <a:fillRef idx="1">
+            <a:schemeClr val="accent1"/>
+          </a:fillRef>
+          <a:effectRef idx="0">
+            <a:schemeClr val="accent1"/>
+          </a:effectRef>
+          <a:fontRef idx="minor">
+            <a:schemeClr val="lt1"/>
+          </a:fontRef>
+        </p:style>
+        <p:txBody>
+          <a:bodyPr rtlCol="0" anchor="ctr"/>
+          <a:lstStyle/>
+          <a:p>
+            <a:pPr algn="ctr"/>
+            <a:r>
+              <a:rPr lang="en-US" altLang="ko-KR" dirty="0" err="1"/>
+              <a:t>Prev</a:t>
+            </a:r>
+            <a:endParaRPr lang="ko-KR" altLang="en-US" dirty="0"/>
+          </a:p>
+        </p:txBody>
+      </p:sp>
+      <p:sp>
+        <p:nvSpPr>
+          <p:cNvPr id="15" name="TextBox 14">
+            <a:extLst>
+              <a:ext uri="{FF2B5EF4-FFF2-40B4-BE49-F238E27FC236}">
+                <a16:creationId xmlns:a16="http://schemas.microsoft.com/office/drawing/2014/main" id="{D622950D-D376-4537-8B1D-8CF089C4C235}"/>
+              </a:ext>
+            </a:extLst>
+          </p:cNvPr>
+          <p:cNvSpPr txBox="1"/>
+          <p:nvPr/>
+        </p:nvSpPr>
+        <p:spPr>
+          <a:xfrm>
+            <a:off x="5444455" y="5953554"/>
+            <a:ext cx="4181910" cy="369332"/>
+          </a:xfrm>
+          <a:prstGeom prst="rect">
+            <a:avLst/>
+          </a:prstGeom>
+          <a:noFill/>
+        </p:spPr>
+        <p:txBody>
+          <a:bodyPr wrap="square" rtlCol="0">
+            <a:spAutoFit/>
+          </a:bodyPr>
+          <a:lstStyle/>
+          <a:p>
+            <a:pPr algn="ctr"/>
+            <a:r>
+              <a:rPr lang="en-US" altLang="ko-KR" dirty="0"/>
+              <a:t>1  2  3  4  5  6  7  8  9  10</a:t>
+            </a:r>
+            <a:endParaRPr lang="ko-KR" altLang="en-US" dirty="0"/>
+          </a:p>
+        </p:txBody>
+      </p:sp>
+      <p:grpSp>
+        <p:nvGrpSpPr>
+          <p:cNvPr id="21" name="그룹 20">
+            <a:extLst>
+              <a:ext uri="{FF2B5EF4-FFF2-40B4-BE49-F238E27FC236}">
+                <a16:creationId xmlns:a16="http://schemas.microsoft.com/office/drawing/2014/main" id="{B420B237-484A-49AB-902D-A28EADC61EFB}"/>
+              </a:ext>
+            </a:extLst>
+          </p:cNvPr>
+          <p:cNvGrpSpPr/>
+          <p:nvPr/>
+        </p:nvGrpSpPr>
+        <p:grpSpPr>
+          <a:xfrm>
+            <a:off x="5444455" y="2385648"/>
+            <a:ext cx="4706574" cy="369332"/>
+            <a:chOff x="5352176" y="2850778"/>
+            <a:chExt cx="4706574" cy="369332"/>
+          </a:xfrm>
+        </p:grpSpPr>
+        <p:sp>
+          <p:nvSpPr>
+            <p:cNvPr id="17" name="TextBox 16">
+              <a:extLst>
+                <a:ext uri="{FF2B5EF4-FFF2-40B4-BE49-F238E27FC236}">
+                  <a16:creationId xmlns:a16="http://schemas.microsoft.com/office/drawing/2014/main" id="{16D5C828-A854-47B6-A907-77D268EA27AE}"/>
+                </a:ext>
+              </a:extLst>
+            </p:cNvPr>
+            <p:cNvSpPr txBox="1"/>
+            <p:nvPr/>
+          </p:nvSpPr>
+          <p:spPr>
+            <a:xfrm>
+              <a:off x="6224631" y="2850778"/>
+              <a:ext cx="3834119" cy="369332"/>
+            </a:xfrm>
+            <a:prstGeom prst="rect">
+              <a:avLst/>
+            </a:prstGeom>
+            <a:noFill/>
+          </p:spPr>
+          <p:txBody>
+            <a:bodyPr wrap="square" rtlCol="0">
+              <a:spAutoFit/>
+            </a:bodyPr>
+            <a:lstStyle/>
+            <a:p>
+              <a:r>
+                <a:rPr lang="en-US" altLang="ko-KR" dirty="0"/>
+                <a:t>| Name</a:t>
+              </a:r>
+              <a:endParaRPr lang="ko-KR" altLang="en-US" dirty="0"/>
+            </a:p>
+          </p:txBody>
+        </p:sp>
+        <p:sp>
+          <p:nvSpPr>
+            <p:cNvPr id="18" name="TextBox 17">
+              <a:extLst>
+                <a:ext uri="{FF2B5EF4-FFF2-40B4-BE49-F238E27FC236}">
+                  <a16:creationId xmlns:a16="http://schemas.microsoft.com/office/drawing/2014/main" id="{24B41598-3082-4254-A6D7-89FFFC7F5CDD}"/>
+                </a:ext>
+              </a:extLst>
+            </p:cNvPr>
+            <p:cNvSpPr txBox="1"/>
+            <p:nvPr/>
+          </p:nvSpPr>
+          <p:spPr>
+            <a:xfrm>
+              <a:off x="5352176" y="2850778"/>
+              <a:ext cx="1107696" cy="369332"/>
+            </a:xfrm>
+            <a:prstGeom prst="rect">
+              <a:avLst/>
+            </a:prstGeom>
+            <a:noFill/>
+          </p:spPr>
+          <p:txBody>
+            <a:bodyPr wrap="square" rtlCol="0">
+              <a:spAutoFit/>
+            </a:bodyPr>
+            <a:lstStyle/>
+            <a:p>
+              <a:pPr algn="r"/>
+              <a:r>
+                <a:rPr lang="en-US" altLang="ko-KR" dirty="0"/>
+                <a:t>     ID |</a:t>
+              </a:r>
+              <a:endParaRPr lang="ko-KR" altLang="en-US" dirty="0"/>
+            </a:p>
+          </p:txBody>
+        </p:sp>
+      </p:grpSp>
+      <p:grpSp>
+        <p:nvGrpSpPr>
+          <p:cNvPr id="22" name="그룹 21">
+            <a:extLst>
+              <a:ext uri="{FF2B5EF4-FFF2-40B4-BE49-F238E27FC236}">
+                <a16:creationId xmlns:a16="http://schemas.microsoft.com/office/drawing/2014/main" id="{77F11055-1BD7-40C1-9A9B-91C032A23253}"/>
+              </a:ext>
+            </a:extLst>
+          </p:cNvPr>
+          <p:cNvGrpSpPr/>
+          <p:nvPr/>
+        </p:nvGrpSpPr>
+        <p:grpSpPr>
+          <a:xfrm>
+            <a:off x="5444455" y="2684459"/>
+            <a:ext cx="4706574" cy="369332"/>
+            <a:chOff x="5352176" y="2850778"/>
+            <a:chExt cx="4706574" cy="369332"/>
+          </a:xfrm>
+        </p:grpSpPr>
+        <p:sp>
+          <p:nvSpPr>
+            <p:cNvPr id="23" name="TextBox 22">
+              <a:extLst>
+                <a:ext uri="{FF2B5EF4-FFF2-40B4-BE49-F238E27FC236}">
+                  <a16:creationId xmlns:a16="http://schemas.microsoft.com/office/drawing/2014/main" id="{F453A8A6-6662-4617-829A-253EACB08C2E}"/>
+                </a:ext>
+              </a:extLst>
+            </p:cNvPr>
+            <p:cNvSpPr txBox="1"/>
+            <p:nvPr/>
+          </p:nvSpPr>
+          <p:spPr>
+            <a:xfrm>
+              <a:off x="6224631" y="2850778"/>
+              <a:ext cx="3834119" cy="369332"/>
+            </a:xfrm>
+            <a:prstGeom prst="rect">
+              <a:avLst/>
+            </a:prstGeom>
+            <a:noFill/>
+          </p:spPr>
+          <p:txBody>
+            <a:bodyPr wrap="square" rtlCol="0">
+              <a:spAutoFit/>
+            </a:bodyPr>
+            <a:lstStyle/>
+            <a:p>
+              <a:r>
+                <a:rPr lang="en-US" altLang="ko-KR" dirty="0"/>
+                <a:t>| School</a:t>
+              </a:r>
+              <a:endParaRPr lang="ko-KR" altLang="en-US" dirty="0"/>
+            </a:p>
+          </p:txBody>
+        </p:sp>
+        <p:sp>
+          <p:nvSpPr>
+            <p:cNvPr id="24" name="TextBox 23">
+              <a:extLst>
+                <a:ext uri="{FF2B5EF4-FFF2-40B4-BE49-F238E27FC236}">
+                  <a16:creationId xmlns:a16="http://schemas.microsoft.com/office/drawing/2014/main" id="{1B09379D-B675-4B94-8FAB-FD1B1729303D}"/>
+                </a:ext>
+              </a:extLst>
+            </p:cNvPr>
+            <p:cNvSpPr txBox="1"/>
+            <p:nvPr/>
+          </p:nvSpPr>
+          <p:spPr>
+            <a:xfrm>
+              <a:off x="5352176" y="2850778"/>
+              <a:ext cx="1107696" cy="369332"/>
+            </a:xfrm>
+            <a:prstGeom prst="rect">
+              <a:avLst/>
+            </a:prstGeom>
+            <a:noFill/>
+          </p:spPr>
+          <p:txBody>
+            <a:bodyPr wrap="square" rtlCol="0">
+              <a:spAutoFit/>
+            </a:bodyPr>
+            <a:lstStyle/>
+            <a:p>
+              <a:pPr algn="r"/>
+              <a:r>
+                <a:rPr lang="en-US" altLang="ko-KR" dirty="0"/>
+                <a:t>      1 |</a:t>
+              </a:r>
+              <a:endParaRPr lang="ko-KR" altLang="en-US" dirty="0"/>
+            </a:p>
+          </p:txBody>
+        </p:sp>
+      </p:grpSp>
+      <p:grpSp>
+        <p:nvGrpSpPr>
+          <p:cNvPr id="25" name="그룹 24">
+            <a:extLst>
+              <a:ext uri="{FF2B5EF4-FFF2-40B4-BE49-F238E27FC236}">
+                <a16:creationId xmlns:a16="http://schemas.microsoft.com/office/drawing/2014/main" id="{C1103B63-2998-45AA-BAD4-245297760D82}"/>
+              </a:ext>
+            </a:extLst>
+          </p:cNvPr>
+          <p:cNvGrpSpPr/>
+          <p:nvPr/>
+        </p:nvGrpSpPr>
+        <p:grpSpPr>
+          <a:xfrm>
+            <a:off x="5444455" y="2988207"/>
+            <a:ext cx="4706574" cy="369332"/>
+            <a:chOff x="5352176" y="2850778"/>
+            <a:chExt cx="4706574" cy="369332"/>
+          </a:xfrm>
+        </p:grpSpPr>
+        <p:sp>
+          <p:nvSpPr>
+            <p:cNvPr id="26" name="TextBox 25">
+              <a:extLst>
+                <a:ext uri="{FF2B5EF4-FFF2-40B4-BE49-F238E27FC236}">
+                  <a16:creationId xmlns:a16="http://schemas.microsoft.com/office/drawing/2014/main" id="{9332BDEE-9A50-4ED8-87D0-9DD1E9E47FBE}"/>
+                </a:ext>
+              </a:extLst>
+            </p:cNvPr>
+            <p:cNvSpPr txBox="1"/>
+            <p:nvPr/>
+          </p:nvSpPr>
+          <p:spPr>
+            <a:xfrm>
+              <a:off x="6224631" y="2850778"/>
+              <a:ext cx="3834119" cy="369332"/>
+            </a:xfrm>
+            <a:prstGeom prst="rect">
+              <a:avLst/>
+            </a:prstGeom>
+            <a:noFill/>
+          </p:spPr>
+          <p:txBody>
+            <a:bodyPr wrap="square" rtlCol="0">
+              <a:spAutoFit/>
+            </a:bodyPr>
+            <a:lstStyle/>
+            <a:p>
+              <a:r>
+                <a:rPr lang="en-US" altLang="ko-KR" dirty="0"/>
+                <a:t>| Family</a:t>
+              </a:r>
+              <a:endParaRPr lang="ko-KR" altLang="en-US" dirty="0"/>
+            </a:p>
+          </p:txBody>
+        </p:sp>
+        <p:sp>
+          <p:nvSpPr>
+            <p:cNvPr id="27" name="TextBox 26">
+              <a:extLst>
+                <a:ext uri="{FF2B5EF4-FFF2-40B4-BE49-F238E27FC236}">
+                  <a16:creationId xmlns:a16="http://schemas.microsoft.com/office/drawing/2014/main" id="{24F6AB77-7470-4BC3-9331-FD84F7A33ED8}"/>
+                </a:ext>
+              </a:extLst>
+            </p:cNvPr>
+            <p:cNvSpPr txBox="1"/>
+            <p:nvPr/>
+          </p:nvSpPr>
+          <p:spPr>
+            <a:xfrm>
+              <a:off x="5352176" y="2850778"/>
+              <a:ext cx="1107696" cy="369332"/>
+            </a:xfrm>
+            <a:prstGeom prst="rect">
+              <a:avLst/>
+            </a:prstGeom>
+            <a:noFill/>
+          </p:spPr>
+          <p:txBody>
+            <a:bodyPr wrap="square" rtlCol="0">
+              <a:spAutoFit/>
+            </a:bodyPr>
+            <a:lstStyle/>
+            <a:p>
+              <a:pPr algn="r"/>
+              <a:r>
+                <a:rPr lang="en-US" altLang="ko-KR" dirty="0"/>
+                <a:t>      2 |</a:t>
+              </a:r>
+              <a:endParaRPr lang="ko-KR" altLang="en-US" dirty="0"/>
+            </a:p>
+          </p:txBody>
+        </p:sp>
+      </p:grpSp>
+      <p:grpSp>
+        <p:nvGrpSpPr>
+          <p:cNvPr id="28" name="그룹 27">
+            <a:extLst>
+              <a:ext uri="{FF2B5EF4-FFF2-40B4-BE49-F238E27FC236}">
+                <a16:creationId xmlns:a16="http://schemas.microsoft.com/office/drawing/2014/main" id="{9FD75EF5-5937-443F-9AFF-EECE0606BC06}"/>
+              </a:ext>
+            </a:extLst>
+          </p:cNvPr>
+          <p:cNvGrpSpPr/>
+          <p:nvPr/>
+        </p:nvGrpSpPr>
+        <p:grpSpPr>
+          <a:xfrm>
+            <a:off x="5444455" y="3312203"/>
+            <a:ext cx="4706574" cy="369332"/>
+            <a:chOff x="5352176" y="2850778"/>
+            <a:chExt cx="4706574" cy="369332"/>
+          </a:xfrm>
+        </p:grpSpPr>
+        <p:sp>
+          <p:nvSpPr>
+            <p:cNvPr id="29" name="TextBox 28">
+              <a:extLst>
+                <a:ext uri="{FF2B5EF4-FFF2-40B4-BE49-F238E27FC236}">
+                  <a16:creationId xmlns:a16="http://schemas.microsoft.com/office/drawing/2014/main" id="{7FCFDA25-0D2D-4A37-8EFB-92345E4A056A}"/>
+                </a:ext>
+              </a:extLst>
+            </p:cNvPr>
+            <p:cNvSpPr txBox="1"/>
+            <p:nvPr/>
+          </p:nvSpPr>
+          <p:spPr>
+            <a:xfrm>
+              <a:off x="6224631" y="2850778"/>
+              <a:ext cx="3834119" cy="369332"/>
+            </a:xfrm>
+            <a:prstGeom prst="rect">
+              <a:avLst/>
+            </a:prstGeom>
+            <a:noFill/>
+          </p:spPr>
+          <p:txBody>
+            <a:bodyPr wrap="square" rtlCol="0">
+              <a:spAutoFit/>
+            </a:bodyPr>
+            <a:lstStyle/>
+            <a:p>
+              <a:r>
+                <a:rPr lang="en-US" altLang="ko-KR" dirty="0"/>
+                <a:t>| Friend</a:t>
+              </a:r>
+              <a:endParaRPr lang="ko-KR" altLang="en-US" dirty="0"/>
+            </a:p>
+          </p:txBody>
+        </p:sp>
+        <p:sp>
+          <p:nvSpPr>
+            <p:cNvPr id="30" name="TextBox 29">
+              <a:extLst>
+                <a:ext uri="{FF2B5EF4-FFF2-40B4-BE49-F238E27FC236}">
+                  <a16:creationId xmlns:a16="http://schemas.microsoft.com/office/drawing/2014/main" id="{3A145946-D4AC-4914-9BA0-FE875E69C083}"/>
+                </a:ext>
+              </a:extLst>
+            </p:cNvPr>
+            <p:cNvSpPr txBox="1"/>
+            <p:nvPr/>
+          </p:nvSpPr>
+          <p:spPr>
+            <a:xfrm>
+              <a:off x="5352176" y="2850778"/>
+              <a:ext cx="1107696" cy="369332"/>
+            </a:xfrm>
+            <a:prstGeom prst="rect">
+              <a:avLst/>
+            </a:prstGeom>
+            <a:noFill/>
+          </p:spPr>
+          <p:txBody>
+            <a:bodyPr wrap="square" rtlCol="0">
+              <a:spAutoFit/>
+            </a:bodyPr>
+            <a:lstStyle/>
+            <a:p>
+              <a:pPr algn="r"/>
+              <a:r>
+                <a:rPr lang="en-US" altLang="ko-KR" dirty="0"/>
+                <a:t>      3 |</a:t>
+              </a:r>
+              <a:endParaRPr lang="ko-KR" altLang="en-US" dirty="0"/>
+            </a:p>
+          </p:txBody>
+        </p:sp>
+      </p:grpSp>
+      <p:grpSp>
+        <p:nvGrpSpPr>
+          <p:cNvPr id="31" name="그룹 30">
+            <a:extLst>
+              <a:ext uri="{FF2B5EF4-FFF2-40B4-BE49-F238E27FC236}">
+                <a16:creationId xmlns:a16="http://schemas.microsoft.com/office/drawing/2014/main" id="{FE84B5DF-B801-4191-810E-667F90CB4C67}"/>
+              </a:ext>
+            </a:extLst>
+          </p:cNvPr>
+          <p:cNvGrpSpPr/>
+          <p:nvPr/>
+        </p:nvGrpSpPr>
+        <p:grpSpPr>
+          <a:xfrm>
+            <a:off x="5444455" y="3647972"/>
+            <a:ext cx="4706574" cy="369332"/>
+            <a:chOff x="5352176" y="2850778"/>
+            <a:chExt cx="4706574" cy="369332"/>
+          </a:xfrm>
+        </p:grpSpPr>
+        <p:sp>
+          <p:nvSpPr>
+            <p:cNvPr id="32" name="TextBox 31">
+              <a:extLst>
+                <a:ext uri="{FF2B5EF4-FFF2-40B4-BE49-F238E27FC236}">
+                  <a16:creationId xmlns:a16="http://schemas.microsoft.com/office/drawing/2014/main" id="{5E0AD2DA-0797-4D62-9200-E7E6C908DEDA}"/>
+                </a:ext>
+              </a:extLst>
+            </p:cNvPr>
+            <p:cNvSpPr txBox="1"/>
+            <p:nvPr/>
+          </p:nvSpPr>
+          <p:spPr>
+            <a:xfrm>
+              <a:off x="6224631" y="2850778"/>
+              <a:ext cx="3834119" cy="369332"/>
+            </a:xfrm>
+            <a:prstGeom prst="rect">
+              <a:avLst/>
+            </a:prstGeom>
+            <a:noFill/>
+          </p:spPr>
+          <p:txBody>
+            <a:bodyPr wrap="square" rtlCol="0">
+              <a:spAutoFit/>
+            </a:bodyPr>
+            <a:lstStyle/>
+            <a:p>
+              <a:r>
+                <a:rPr lang="en-US" altLang="ko-KR" dirty="0"/>
+                <a:t>| …..</a:t>
+              </a:r>
+              <a:endParaRPr lang="ko-KR" altLang="en-US" dirty="0"/>
+            </a:p>
+          </p:txBody>
+        </p:sp>
+        <p:sp>
+          <p:nvSpPr>
+            <p:cNvPr id="33" name="TextBox 32">
+              <a:extLst>
+                <a:ext uri="{FF2B5EF4-FFF2-40B4-BE49-F238E27FC236}">
+                  <a16:creationId xmlns:a16="http://schemas.microsoft.com/office/drawing/2014/main" id="{ADC56FE4-5C2C-496A-AAA5-3978EE407CB5}"/>
+                </a:ext>
+              </a:extLst>
+            </p:cNvPr>
+            <p:cNvSpPr txBox="1"/>
+            <p:nvPr/>
+          </p:nvSpPr>
+          <p:spPr>
+            <a:xfrm>
+              <a:off x="5352176" y="2850778"/>
+              <a:ext cx="1107696" cy="369332"/>
+            </a:xfrm>
+            <a:prstGeom prst="rect">
+              <a:avLst/>
+            </a:prstGeom>
+            <a:noFill/>
+          </p:spPr>
+          <p:txBody>
+            <a:bodyPr wrap="square" rtlCol="0">
+              <a:spAutoFit/>
+            </a:bodyPr>
+            <a:lstStyle/>
+            <a:p>
+              <a:pPr algn="r"/>
+              <a:r>
+                <a:rPr lang="en-US" altLang="ko-KR" dirty="0"/>
+                <a:t>      … |</a:t>
+              </a:r>
+              <a:endParaRPr lang="ko-KR" altLang="en-US" dirty="0"/>
+            </a:p>
+          </p:txBody>
+        </p:sp>
+      </p:grpSp>
+      <p:grpSp>
+        <p:nvGrpSpPr>
+          <p:cNvPr id="34" name="그룹 33">
+            <a:extLst>
+              <a:ext uri="{FF2B5EF4-FFF2-40B4-BE49-F238E27FC236}">
+                <a16:creationId xmlns:a16="http://schemas.microsoft.com/office/drawing/2014/main" id="{5B0C83F3-AE0D-45EF-90E4-36D74FF1C4DA}"/>
+              </a:ext>
+            </a:extLst>
+          </p:cNvPr>
+          <p:cNvGrpSpPr/>
+          <p:nvPr/>
+        </p:nvGrpSpPr>
+        <p:grpSpPr>
+          <a:xfrm>
+            <a:off x="5444455" y="3965022"/>
+            <a:ext cx="4706574" cy="369332"/>
+            <a:chOff x="5352176" y="2850778"/>
+            <a:chExt cx="4706574" cy="369332"/>
+          </a:xfrm>
+        </p:grpSpPr>
+        <p:sp>
+          <p:nvSpPr>
+            <p:cNvPr id="35" name="TextBox 34">
+              <a:extLst>
+                <a:ext uri="{FF2B5EF4-FFF2-40B4-BE49-F238E27FC236}">
+                  <a16:creationId xmlns:a16="http://schemas.microsoft.com/office/drawing/2014/main" id="{A71A0ED7-29D7-4392-B43B-B9FE9473F2C2}"/>
+                </a:ext>
+              </a:extLst>
+            </p:cNvPr>
+            <p:cNvSpPr txBox="1"/>
+            <p:nvPr/>
+          </p:nvSpPr>
+          <p:spPr>
+            <a:xfrm>
+              <a:off x="6224631" y="2850778"/>
+              <a:ext cx="3834119" cy="369332"/>
+            </a:xfrm>
+            <a:prstGeom prst="rect">
+              <a:avLst/>
+            </a:prstGeom>
+            <a:noFill/>
+          </p:spPr>
+          <p:txBody>
+            <a:bodyPr wrap="square" rtlCol="0">
+              <a:spAutoFit/>
+            </a:bodyPr>
+            <a:lstStyle/>
+            <a:p>
+              <a:r>
+                <a:rPr lang="en-US" altLang="ko-KR" dirty="0"/>
+                <a:t>| Working</a:t>
+              </a:r>
+              <a:endParaRPr lang="ko-KR" altLang="en-US" dirty="0"/>
+            </a:p>
+          </p:txBody>
+        </p:sp>
+        <p:sp>
+          <p:nvSpPr>
+            <p:cNvPr id="36" name="TextBox 35">
+              <a:extLst>
+                <a:ext uri="{FF2B5EF4-FFF2-40B4-BE49-F238E27FC236}">
+                  <a16:creationId xmlns:a16="http://schemas.microsoft.com/office/drawing/2014/main" id="{4D82142C-9FD3-4507-BEF5-5E98A72D6321}"/>
+                </a:ext>
+              </a:extLst>
+            </p:cNvPr>
+            <p:cNvSpPr txBox="1"/>
+            <p:nvPr/>
+          </p:nvSpPr>
+          <p:spPr>
+            <a:xfrm>
+              <a:off x="5352176" y="2850778"/>
+              <a:ext cx="1107696" cy="369332"/>
+            </a:xfrm>
+            <a:prstGeom prst="rect">
+              <a:avLst/>
+            </a:prstGeom>
+            <a:noFill/>
+          </p:spPr>
+          <p:txBody>
+            <a:bodyPr wrap="square" rtlCol="0">
+              <a:spAutoFit/>
+            </a:bodyPr>
+            <a:lstStyle/>
+            <a:p>
+              <a:pPr algn="r"/>
+              <a:r>
+                <a:rPr lang="en-US" altLang="ko-KR" dirty="0"/>
+                <a:t>      10 |</a:t>
+              </a:r>
+              <a:endParaRPr lang="ko-KR" altLang="en-US" dirty="0"/>
+            </a:p>
+          </p:txBody>
+        </p:sp>
+      </p:grpSp>
+      <p:sp>
+        <p:nvSpPr>
+          <p:cNvPr id="37" name="사각형: 둥근 모서리 36">
+            <a:extLst>
+              <a:ext uri="{FF2B5EF4-FFF2-40B4-BE49-F238E27FC236}">
+                <a16:creationId xmlns:a16="http://schemas.microsoft.com/office/drawing/2014/main" id="{583D718A-631D-420C-AF27-32F03E4B18F6}"/>
+              </a:ext>
+            </a:extLst>
+          </p:cNvPr>
+          <p:cNvSpPr/>
+          <p:nvPr/>
+        </p:nvSpPr>
+        <p:spPr>
+          <a:xfrm>
+            <a:off x="4009937" y="5417430"/>
+            <a:ext cx="1166070" cy="394282"/>
+          </a:xfrm>
+          <a:prstGeom prst="roundRect">
+            <a:avLst/>
+          </a:prstGeom>
+        </p:spPr>
+        <p:style>
+          <a:lnRef idx="2">
+            <a:schemeClr val="accent1">
+              <a:shade val="50000"/>
+            </a:schemeClr>
+          </a:lnRef>
+          <a:fillRef idx="1">
+            <a:schemeClr val="accent1"/>
+          </a:fillRef>
+          <a:effectRef idx="0">
+            <a:schemeClr val="accent1"/>
+          </a:effectRef>
+          <a:fontRef idx="minor">
+            <a:schemeClr val="lt1"/>
+          </a:fontRef>
+        </p:style>
+        <p:txBody>
+          <a:bodyPr rtlCol="0" anchor="ctr"/>
+          <a:lstStyle/>
+          <a:p>
+            <a:pPr algn="ctr"/>
+            <a:r>
+              <a:rPr lang="ko-KR" altLang="en-US" dirty="0"/>
+              <a:t>추가</a:t>
+            </a:r>
+          </a:p>
+        </p:txBody>
+      </p:sp>
+      <p:cxnSp>
+        <p:nvCxnSpPr>
+          <p:cNvPr id="5" name="연결선: 꺾임 4">
+            <a:extLst>
+              <a:ext uri="{FF2B5EF4-FFF2-40B4-BE49-F238E27FC236}">
+                <a16:creationId xmlns:a16="http://schemas.microsoft.com/office/drawing/2014/main" id="{9984D0A8-21F0-48C8-BDE5-13B4B744B82A}"/>
+              </a:ext>
+            </a:extLst>
+          </p:cNvPr>
+          <p:cNvCxnSpPr>
+            <a:cxnSpLocks/>
+            <a:endCxn id="39" idx="0"/>
+          </p:cNvCxnSpPr>
+          <p:nvPr/>
+        </p:nvCxnSpPr>
+        <p:spPr>
+          <a:xfrm rot="16200000" flipH="1">
+            <a:off x="7059645" y="3145346"/>
+            <a:ext cx="1493972" cy="851441"/>
+          </a:xfrm>
+          <a:prstGeom prst="bentConnector3">
+            <a:avLst>
+              <a:gd name="adj1" fmla="val 908"/>
+            </a:avLst>
+          </a:prstGeom>
+          <a:ln>
+            <a:tailEnd type="triangle"/>
+          </a:ln>
+        </p:spPr>
+        <p:style>
+          <a:lnRef idx="1">
+            <a:schemeClr val="accent1"/>
+          </a:lnRef>
+          <a:fillRef idx="0">
+            <a:schemeClr val="accent1"/>
+          </a:fillRef>
+          <a:effectRef idx="0">
+            <a:schemeClr val="accent1"/>
+          </a:effectRef>
+          <a:fontRef idx="minor">
+            <a:schemeClr val="tx1"/>
+          </a:fontRef>
+        </p:style>
+      </p:cxnSp>
+      <p:sp>
+        <p:nvSpPr>
+          <p:cNvPr id="4" name="TextBox 3">
+            <a:extLst>
+              <a:ext uri="{FF2B5EF4-FFF2-40B4-BE49-F238E27FC236}">
+                <a16:creationId xmlns:a16="http://schemas.microsoft.com/office/drawing/2014/main" id="{C4CFB5D3-EA29-455F-99E1-056918B01654}"/>
+              </a:ext>
+            </a:extLst>
+          </p:cNvPr>
+          <p:cNvSpPr txBox="1"/>
+          <p:nvPr/>
+        </p:nvSpPr>
+        <p:spPr>
+          <a:xfrm>
+            <a:off x="423481" y="1155838"/>
+            <a:ext cx="5877443" cy="1754326"/>
+          </a:xfrm>
+          <a:prstGeom prst="rect">
+            <a:avLst/>
+          </a:prstGeom>
+          <a:noFill/>
+          <a:ln>
+            <a:solidFill>
+              <a:schemeClr val="accent1"/>
+            </a:solidFill>
+          </a:ln>
+        </p:spPr>
+        <p:txBody>
+          <a:bodyPr wrap="none" rtlCol="0">
+            <a:spAutoFit/>
+          </a:bodyPr>
+          <a:lstStyle/>
+          <a:p>
+            <a:r>
+              <a:rPr lang="ko-KR" altLang="en-US" dirty="0">
+                <a:hlinkClick r:id="rId2"/>
+              </a:rPr>
+              <a:t>화면 </a:t>
+            </a:r>
+            <a:r>
+              <a:rPr lang="en-US" altLang="ko-KR" dirty="0">
+                <a:hlinkClick r:id="rId2"/>
+              </a:rPr>
+              <a:t>: GET http://localhost:????/catajx/category_ajx_list</a:t>
+            </a:r>
+            <a:endParaRPr lang="en-US" altLang="ko-KR" dirty="0"/>
+          </a:p>
+          <a:p>
+            <a:r>
+              <a:rPr lang="ko-KR" altLang="en-US" dirty="0"/>
+              <a:t>검색 </a:t>
+            </a:r>
+            <a:r>
+              <a:rPr lang="en-US" altLang="ko-KR" dirty="0"/>
+              <a:t>: POST</a:t>
+            </a:r>
+            <a:r>
+              <a:rPr lang="en-US" altLang="ko-KR" dirty="0">
+                <a:hlinkClick r:id="rId2"/>
+              </a:rPr>
+              <a:t> </a:t>
+            </a:r>
+            <a:r>
+              <a:rPr lang="en-US" altLang="ko-KR" dirty="0">
+                <a:hlinkClick r:id="rId3"/>
+              </a:rPr>
+              <a:t>/ct/</a:t>
+            </a:r>
+            <a:r>
+              <a:rPr lang="en-US" altLang="ko-KR" dirty="0" err="1">
+                <a:hlinkClick r:id="rId3"/>
+              </a:rPr>
+              <a:t>searchName</a:t>
+            </a:r>
+            <a:r>
+              <a:rPr lang="en-US" altLang="ko-KR" dirty="0"/>
+              <a:t>, body : JSON</a:t>
+            </a:r>
+          </a:p>
+          <a:p>
+            <a:r>
+              <a:rPr lang="en-US" altLang="ko-KR" dirty="0"/>
+              <a:t>ID</a:t>
+            </a:r>
+            <a:r>
+              <a:rPr lang="ko-KR" altLang="en-US" dirty="0"/>
+              <a:t> 조회 </a:t>
+            </a:r>
+            <a:r>
+              <a:rPr lang="en-US" altLang="ko-KR" dirty="0"/>
+              <a:t>: GET /</a:t>
+            </a:r>
+            <a:r>
+              <a:rPr lang="en-US" altLang="ko-KR" dirty="0" err="1"/>
+              <a:t>ct</a:t>
+            </a:r>
+            <a:r>
+              <a:rPr lang="en-US" altLang="ko-KR" dirty="0"/>
+              <a:t>/id</a:t>
+            </a:r>
+          </a:p>
+          <a:p>
+            <a:r>
+              <a:rPr lang="ko-KR" altLang="en-US" dirty="0"/>
+              <a:t>추가 </a:t>
+            </a:r>
+            <a:r>
+              <a:rPr lang="en-US" altLang="ko-KR" dirty="0"/>
+              <a:t>: POST /</a:t>
+            </a:r>
+            <a:r>
+              <a:rPr lang="en-US" altLang="ko-KR" dirty="0" err="1"/>
+              <a:t>ct</a:t>
+            </a:r>
+            <a:r>
+              <a:rPr lang="en-US" altLang="ko-KR" dirty="0"/>
+              <a:t>, body : JSON</a:t>
+            </a:r>
+          </a:p>
+          <a:p>
+            <a:r>
+              <a:rPr lang="ko-KR" altLang="en-US" dirty="0"/>
+              <a:t>수정 </a:t>
+            </a:r>
+            <a:r>
+              <a:rPr lang="en-US" altLang="ko-KR" dirty="0"/>
+              <a:t>: PATCH /</a:t>
+            </a:r>
+            <a:r>
+              <a:rPr lang="en-US" altLang="ko-KR" dirty="0" err="1"/>
+              <a:t>ct</a:t>
+            </a:r>
+            <a:r>
+              <a:rPr lang="en-US" altLang="ko-KR" dirty="0"/>
+              <a:t>/id body: JSON</a:t>
+            </a:r>
+          </a:p>
+          <a:p>
+            <a:r>
+              <a:rPr lang="ko-KR" altLang="en-US" dirty="0"/>
+              <a:t>삭제 </a:t>
+            </a:r>
+            <a:r>
+              <a:rPr lang="en-US" altLang="ko-KR" dirty="0"/>
+              <a:t>: DELETE /</a:t>
+            </a:r>
+            <a:r>
+              <a:rPr lang="en-US" altLang="ko-KR" dirty="0" err="1"/>
+              <a:t>ct</a:t>
+            </a:r>
+            <a:r>
+              <a:rPr lang="en-US" altLang="ko-KR" dirty="0"/>
+              <a:t>/id</a:t>
+            </a:r>
+          </a:p>
+        </p:txBody>
+      </p:sp>
+      <p:sp>
+        <p:nvSpPr>
+          <p:cNvPr id="39" name="사각형: 둥근 모서리 38">
+            <a:extLst>
+              <a:ext uri="{FF2B5EF4-FFF2-40B4-BE49-F238E27FC236}">
+                <a16:creationId xmlns:a16="http://schemas.microsoft.com/office/drawing/2014/main" id="{6A6D2E53-D14D-4240-A46A-FB7574105686}"/>
+              </a:ext>
+            </a:extLst>
+          </p:cNvPr>
+          <p:cNvSpPr/>
+          <p:nvPr/>
+        </p:nvSpPr>
+        <p:spPr>
+          <a:xfrm>
+            <a:off x="6453929" y="4318053"/>
+            <a:ext cx="3556846" cy="394282"/>
+          </a:xfrm>
+          <a:prstGeom prst="roundRect">
+            <a:avLst/>
+          </a:prstGeom>
+          <a:solidFill>
+            <a:schemeClr val="bg1">
+              <a:lumMod val="85000"/>
+            </a:schemeClr>
+          </a:solidFill>
+        </p:spPr>
+        <p:style>
+          <a:lnRef idx="2">
+            <a:schemeClr val="accent1">
+              <a:shade val="50000"/>
+            </a:schemeClr>
+          </a:lnRef>
+          <a:fillRef idx="1">
+            <a:schemeClr val="accent1"/>
+          </a:fillRef>
+          <a:effectRef idx="0">
+            <a:schemeClr val="accent1"/>
+          </a:effectRef>
+          <a:fontRef idx="minor">
+            <a:schemeClr val="lt1"/>
+          </a:fontRef>
+        </p:style>
+        <p:txBody>
+          <a:bodyPr rtlCol="0" anchor="ctr"/>
+          <a:lstStyle/>
+          <a:p>
+            <a:pPr algn="ctr"/>
+            <a:r>
+              <a:rPr lang="en-US" altLang="ko-KR">
+                <a:solidFill>
+                  <a:schemeClr val="tx1"/>
+                </a:solidFill>
+              </a:rPr>
+              <a:t>ID</a:t>
+            </a:r>
+            <a:r>
+              <a:rPr lang="ko-KR" altLang="en-US" dirty="0">
+                <a:solidFill>
+                  <a:schemeClr val="tx1"/>
+                </a:solidFill>
+              </a:rPr>
+              <a:t>번호정보</a:t>
+            </a:r>
+          </a:p>
+        </p:txBody>
+      </p:sp>
+      <p:sp>
+        <p:nvSpPr>
+          <p:cNvPr id="40" name="사각형: 둥근 모서리 39">
+            <a:extLst>
+              <a:ext uri="{FF2B5EF4-FFF2-40B4-BE49-F238E27FC236}">
+                <a16:creationId xmlns:a16="http://schemas.microsoft.com/office/drawing/2014/main" id="{0A771A71-D7AE-490E-95D9-484BD5D8E985}"/>
+              </a:ext>
+            </a:extLst>
+          </p:cNvPr>
+          <p:cNvSpPr/>
+          <p:nvPr/>
+        </p:nvSpPr>
+        <p:spPr>
+          <a:xfrm>
+            <a:off x="5231933" y="4318053"/>
+            <a:ext cx="1164672" cy="394282"/>
+          </a:xfrm>
+          <a:prstGeom prst="roundRect">
+            <a:avLst/>
+          </a:prstGeom>
+          <a:solidFill>
+            <a:schemeClr val="bg1">
+              <a:lumMod val="85000"/>
+            </a:schemeClr>
+          </a:solidFill>
+        </p:spPr>
+        <p:style>
+          <a:lnRef idx="2">
+            <a:schemeClr val="accent1">
+              <a:shade val="50000"/>
+            </a:schemeClr>
+          </a:lnRef>
+          <a:fillRef idx="1">
+            <a:schemeClr val="accent1"/>
+          </a:fillRef>
+          <a:effectRef idx="0">
+            <a:schemeClr val="accent1"/>
+          </a:effectRef>
+          <a:fontRef idx="minor">
+            <a:schemeClr val="lt1"/>
+          </a:fontRef>
+        </p:style>
+        <p:txBody>
+          <a:bodyPr rtlCol="0" anchor="ctr"/>
+          <a:lstStyle/>
+          <a:p>
+            <a:pPr algn="ctr"/>
+            <a:r>
+              <a:rPr lang="en-US" altLang="ko-KR" dirty="0">
+                <a:solidFill>
+                  <a:schemeClr val="tx1"/>
+                </a:solidFill>
+              </a:rPr>
+              <a:t>ID</a:t>
+            </a:r>
+            <a:endParaRPr lang="ko-KR" altLang="en-US" dirty="0">
+              <a:solidFill>
+                <a:schemeClr val="tx1"/>
+              </a:solidFill>
+            </a:endParaRPr>
+          </a:p>
+        </p:txBody>
+      </p:sp>
+      <p:sp>
+        <p:nvSpPr>
+          <p:cNvPr id="41" name="사각형: 둥근 모서리 40">
+            <a:extLst>
+              <a:ext uri="{FF2B5EF4-FFF2-40B4-BE49-F238E27FC236}">
+                <a16:creationId xmlns:a16="http://schemas.microsoft.com/office/drawing/2014/main" id="{AA6C16F8-A07C-4DB3-AF8C-0294F35303FA}"/>
+              </a:ext>
+            </a:extLst>
+          </p:cNvPr>
+          <p:cNvSpPr/>
+          <p:nvPr/>
+        </p:nvSpPr>
+        <p:spPr>
+          <a:xfrm>
+            <a:off x="6453929" y="4772314"/>
+            <a:ext cx="3556846" cy="394282"/>
+          </a:xfrm>
+          <a:prstGeom prst="roundRect">
+            <a:avLst/>
+          </a:prstGeom>
+          <a:noFill/>
+        </p:spPr>
+        <p:style>
+          <a:lnRef idx="2">
+            <a:schemeClr val="accent1">
+              <a:shade val="50000"/>
+            </a:schemeClr>
+          </a:lnRef>
+          <a:fillRef idx="1">
+            <a:schemeClr val="accent1"/>
+          </a:fillRef>
+          <a:effectRef idx="0">
+            <a:schemeClr val="accent1"/>
+          </a:effectRef>
+          <a:fontRef idx="minor">
+            <a:schemeClr val="lt1"/>
+          </a:fontRef>
+        </p:style>
+        <p:txBody>
+          <a:bodyPr rtlCol="0" anchor="ctr"/>
+          <a:lstStyle/>
+          <a:p>
+            <a:pPr algn="ctr"/>
+            <a:r>
+              <a:rPr lang="ko-KR" altLang="en-US" dirty="0">
+                <a:solidFill>
+                  <a:schemeClr val="tx1"/>
+                </a:solidFill>
+              </a:rPr>
+              <a:t>이름 입력</a:t>
+            </a:r>
+            <a:r>
+              <a:rPr lang="en-US" altLang="ko-KR" dirty="0">
+                <a:solidFill>
+                  <a:schemeClr val="tx1"/>
+                </a:solidFill>
+              </a:rPr>
+              <a:t>/</a:t>
+            </a:r>
+            <a:r>
+              <a:rPr lang="ko-KR" altLang="en-US" dirty="0">
+                <a:solidFill>
+                  <a:schemeClr val="tx1"/>
+                </a:solidFill>
+              </a:rPr>
+              <a:t>수정</a:t>
+            </a:r>
+          </a:p>
+        </p:txBody>
+      </p:sp>
+      <p:sp>
+        <p:nvSpPr>
+          <p:cNvPr id="42" name="사각형: 둥근 모서리 41">
+            <a:extLst>
+              <a:ext uri="{FF2B5EF4-FFF2-40B4-BE49-F238E27FC236}">
+                <a16:creationId xmlns:a16="http://schemas.microsoft.com/office/drawing/2014/main" id="{75FAC067-239F-49CF-8180-3942399E65F5}"/>
+              </a:ext>
+            </a:extLst>
+          </p:cNvPr>
+          <p:cNvSpPr/>
+          <p:nvPr/>
+        </p:nvSpPr>
+        <p:spPr>
+          <a:xfrm>
+            <a:off x="5231933" y="4772314"/>
+            <a:ext cx="1164672" cy="394282"/>
+          </a:xfrm>
+          <a:prstGeom prst="roundRect">
+            <a:avLst/>
+          </a:prstGeom>
+          <a:solidFill>
+            <a:schemeClr val="bg1">
+              <a:lumMod val="85000"/>
+            </a:schemeClr>
+          </a:solidFill>
+        </p:spPr>
+        <p:style>
+          <a:lnRef idx="2">
+            <a:schemeClr val="accent1">
+              <a:shade val="50000"/>
+            </a:schemeClr>
+          </a:lnRef>
+          <a:fillRef idx="1">
+            <a:schemeClr val="accent1"/>
+          </a:fillRef>
+          <a:effectRef idx="0">
+            <a:schemeClr val="accent1"/>
+          </a:effectRef>
+          <a:fontRef idx="minor">
+            <a:schemeClr val="lt1"/>
+          </a:fontRef>
+        </p:style>
+        <p:txBody>
+          <a:bodyPr rtlCol="0" anchor="ctr"/>
+          <a:lstStyle/>
+          <a:p>
+            <a:pPr algn="ctr"/>
+            <a:r>
+              <a:rPr lang="ko-KR" altLang="en-US" dirty="0">
+                <a:solidFill>
+                  <a:schemeClr val="tx1"/>
+                </a:solidFill>
+              </a:rPr>
+              <a:t>이름</a:t>
+            </a:r>
+          </a:p>
+        </p:txBody>
+      </p:sp>
+      <p:sp>
+        <p:nvSpPr>
+          <p:cNvPr id="38" name="사각형: 둥근 모서리 37">
+            <a:extLst>
+              <a:ext uri="{FF2B5EF4-FFF2-40B4-BE49-F238E27FC236}">
+                <a16:creationId xmlns:a16="http://schemas.microsoft.com/office/drawing/2014/main" id="{4F327E3B-3F20-4FAC-9447-82166A0AEBB0}"/>
+              </a:ext>
+            </a:extLst>
+          </p:cNvPr>
+          <p:cNvSpPr/>
+          <p:nvPr/>
+        </p:nvSpPr>
+        <p:spPr>
+          <a:xfrm>
+            <a:off x="7067899" y="5417430"/>
+            <a:ext cx="1166070" cy="394282"/>
+          </a:xfrm>
+          <a:prstGeom prst="roundRect">
+            <a:avLst/>
+          </a:prstGeom>
+        </p:spPr>
+        <p:style>
+          <a:lnRef idx="2">
+            <a:schemeClr val="accent1">
+              <a:shade val="50000"/>
+            </a:schemeClr>
+          </a:lnRef>
+          <a:fillRef idx="1">
+            <a:schemeClr val="accent1"/>
+          </a:fillRef>
+          <a:effectRef idx="0">
+            <a:schemeClr val="accent1"/>
+          </a:effectRef>
+          <a:fontRef idx="minor">
+            <a:schemeClr val="lt1"/>
+          </a:fontRef>
+        </p:style>
+        <p:txBody>
+          <a:bodyPr rtlCol="0" anchor="ctr"/>
+          <a:lstStyle/>
+          <a:p>
+            <a:pPr algn="ctr"/>
+            <a:r>
+              <a:rPr lang="ko-KR" altLang="en-US" dirty="0"/>
+              <a:t>수정</a:t>
+            </a:r>
+          </a:p>
+        </p:txBody>
+      </p:sp>
+      <p:sp>
+        <p:nvSpPr>
+          <p:cNvPr id="43" name="사각형: 둥근 모서리 42">
+            <a:extLst>
+              <a:ext uri="{FF2B5EF4-FFF2-40B4-BE49-F238E27FC236}">
+                <a16:creationId xmlns:a16="http://schemas.microsoft.com/office/drawing/2014/main" id="{C311856C-C89A-41F6-A08D-F8DBA40258BC}"/>
+              </a:ext>
+            </a:extLst>
+          </p:cNvPr>
+          <p:cNvSpPr/>
+          <p:nvPr/>
+        </p:nvSpPr>
+        <p:spPr>
+          <a:xfrm>
+            <a:off x="9836091" y="5417430"/>
+            <a:ext cx="1166070" cy="394282"/>
+          </a:xfrm>
+          <a:prstGeom prst="roundRect">
+            <a:avLst/>
+          </a:prstGeom>
+        </p:spPr>
+        <p:style>
+          <a:lnRef idx="2">
+            <a:schemeClr val="accent1">
+              <a:shade val="50000"/>
+            </a:schemeClr>
+          </a:lnRef>
+          <a:fillRef idx="1">
+            <a:schemeClr val="accent1"/>
+          </a:fillRef>
+          <a:effectRef idx="0">
+            <a:schemeClr val="accent1"/>
+          </a:effectRef>
+          <a:fontRef idx="minor">
+            <a:schemeClr val="lt1"/>
+          </a:fontRef>
+        </p:style>
+        <p:txBody>
+          <a:bodyPr rtlCol="0" anchor="ctr"/>
+          <a:lstStyle/>
+          <a:p>
+            <a:pPr algn="ctr"/>
+            <a:r>
+              <a:rPr lang="ko-KR" altLang="en-US" dirty="0"/>
+              <a:t>삭제</a:t>
+            </a:r>
+          </a:p>
+        </p:txBody>
+      </p:sp>
+      <p:grpSp>
+        <p:nvGrpSpPr>
+          <p:cNvPr id="44" name="그룹 43">
+            <a:extLst>
+              <a:ext uri="{FF2B5EF4-FFF2-40B4-BE49-F238E27FC236}">
+                <a16:creationId xmlns:a16="http://schemas.microsoft.com/office/drawing/2014/main" id="{ABFAE99E-A261-4306-9A40-F6DA29710792}"/>
+              </a:ext>
+            </a:extLst>
+          </p:cNvPr>
+          <p:cNvGrpSpPr/>
+          <p:nvPr/>
+        </p:nvGrpSpPr>
+        <p:grpSpPr>
+          <a:xfrm>
+            <a:off x="1585081" y="2923574"/>
+            <a:ext cx="3506598" cy="1407889"/>
+            <a:chOff x="6434356" y="3357209"/>
+            <a:chExt cx="3506598" cy="1929468"/>
+          </a:xfrm>
+        </p:grpSpPr>
+        <p:sp>
+          <p:nvSpPr>
+            <p:cNvPr id="45" name="직사각형 44">
+              <a:extLst>
+                <a:ext uri="{FF2B5EF4-FFF2-40B4-BE49-F238E27FC236}">
+                  <a16:creationId xmlns:a16="http://schemas.microsoft.com/office/drawing/2014/main" id="{810A16EE-BF74-4AC8-B5FE-56E87734CCA1}"/>
+                </a:ext>
+              </a:extLst>
+            </p:cNvPr>
+            <p:cNvSpPr/>
+            <p:nvPr/>
+          </p:nvSpPr>
+          <p:spPr>
+            <a:xfrm>
+              <a:off x="6434356" y="3357209"/>
+              <a:ext cx="3506598" cy="1929468"/>
+            </a:xfrm>
+            <a:prstGeom prst="rect">
+              <a:avLst/>
+            </a:prstGeom>
+            <a:solidFill>
               <a:schemeClr val="bg1">
-                <a:lumMod val="85000"/>
+                <a:lumMod val="95000"/>
               </a:schemeClr>
             </a:solidFill>
           </p:spPr>
@@ -6417,8 +9109,51 @@
                     <a:schemeClr val="tx1"/>
                   </a:solidFill>
                 </a:rPr>
-                <a:t>ID</a:t>
+                <a:t>{</a:t>
               </a:r>
+              <a:r>
+                <a:rPr lang="ko-KR" altLang="en-US" dirty="0">
+                  <a:solidFill>
+                    <a:schemeClr val="tx1"/>
+                  </a:solidFill>
+                </a:rPr>
+                <a:t>이름</a:t>
+              </a:r>
+              <a:r>
+                <a:rPr lang="en-US" altLang="ko-KR" dirty="0">
+                  <a:solidFill>
+                    <a:schemeClr val="tx1"/>
+                  </a:solidFill>
+                </a:rPr>
+                <a:t>}</a:t>
+              </a:r>
+              <a:r>
+                <a:rPr lang="ko-KR" altLang="en-US" dirty="0">
+                  <a:solidFill>
+                    <a:schemeClr val="tx1"/>
+                  </a:solidFill>
+                </a:rPr>
+                <a:t>을 추가 하시겠습니까 </a:t>
+              </a:r>
+              <a:r>
+                <a:rPr lang="en-US" altLang="ko-KR" dirty="0">
+                  <a:solidFill>
+                    <a:schemeClr val="tx1"/>
+                  </a:solidFill>
+                </a:rPr>
+                <a:t>?</a:t>
+              </a:r>
+            </a:p>
+            <a:p>
+              <a:pPr algn="ctr"/>
+              <a:endParaRPr lang="en-US" altLang="ko-KR" dirty="0">
+                <a:solidFill>
+                  <a:schemeClr val="tx1"/>
+                </a:solidFill>
+              </a:endParaRPr>
+            </a:p>
+            <a:p>
+              <a:pPr algn="ctr"/>
               <a:endParaRPr lang="ko-KR" altLang="en-US" dirty="0">
                 <a:solidFill>
                   <a:schemeClr val="tx1"/>
@@ -6429,10 +9164,10 @@
         </p:sp>
         <p:sp>
           <p:nvSpPr>
-            <p:cNvPr id="11" name="사각형: 둥근 모서리 10">
+            <p:cNvPr id="46" name="사각형: 둥근 모서리 45">
               <a:extLst>
                 <a:ext uri="{FF2B5EF4-FFF2-40B4-BE49-F238E27FC236}">
-                  <a16:creationId xmlns:a16="http://schemas.microsoft.com/office/drawing/2014/main" id="{ABF1446C-9272-4194-838B-F6C81711EE10}"/>
+                  <a16:creationId xmlns:a16="http://schemas.microsoft.com/office/drawing/2014/main" id="{398A20B1-227B-4410-94C4-DAAAF9AC9D0B}"/>
                 </a:ext>
               </a:extLst>
             </p:cNvPr>
@@ -6441,13 +9176,15 @@
           </p:nvSpPr>
           <p:spPr>
             <a:xfrm>
-              <a:off x="5835940" y="3211064"/>
-              <a:ext cx="4548232" cy="394282"/>
+              <a:off x="6943986" y="4639096"/>
+              <a:ext cx="1166070" cy="394282"/>
             </a:xfrm>
             <a:prstGeom prst="roundRect">
               <a:avLst/>
             </a:prstGeom>
-            <a:noFill/>
+            <a:solidFill>
+              <a:schemeClr val="accent4"/>
+            </a:solidFill>
           </p:spPr>
           <p:style>
             <a:lnRef idx="2">
@@ -6471,22 +9208,18 @@
             <a:p>
               <a:pPr algn="ctr"/>
               <a:r>
-                <a:rPr lang="ko-KR" altLang="en-US" dirty="0">
-                  <a:solidFill>
-                    <a:schemeClr val="tx1"/>
-                  </a:solidFill>
-                </a:rPr>
-                <a:t>이름 입력</a:t>
+                <a:rPr lang="ko-KR" altLang="en-US" dirty="0"/>
+                <a:t>예</a:t>
               </a:r>
             </a:p>
           </p:txBody>
         </p:sp>
         <p:sp>
           <p:nvSpPr>
-            <p:cNvPr id="12" name="사각형: 둥근 모서리 11">
+            <p:cNvPr id="47" name="사각형: 둥근 모서리 46">
               <a:extLst>
                 <a:ext uri="{FF2B5EF4-FFF2-40B4-BE49-F238E27FC236}">
-                  <a16:creationId xmlns:a16="http://schemas.microsoft.com/office/drawing/2014/main" id="{7EBE324E-C688-42F0-AA32-5C58425D7662}"/>
+                  <a16:creationId xmlns:a16="http://schemas.microsoft.com/office/drawing/2014/main" id="{82878329-ACAB-41CA-9257-6BA85055BA26}"/>
                 </a:ext>
               </a:extLst>
             </p:cNvPr>
@@ -6495,15 +9228,89 @@
           </p:nvSpPr>
           <p:spPr>
             <a:xfrm>
-              <a:off x="4613944" y="3211064"/>
-              <a:ext cx="1164672" cy="394282"/>
+              <a:off x="8311043" y="4639096"/>
+              <a:ext cx="1166070" cy="394282"/>
             </a:xfrm>
             <a:prstGeom prst="roundRect">
               <a:avLst/>
             </a:prstGeom>
             <a:solidFill>
+              <a:schemeClr val="accent4"/>
+            </a:solidFill>
+          </p:spPr>
+          <p:style>
+            <a:lnRef idx="2">
+              <a:schemeClr val="accent1">
+                <a:shade val="50000"/>
+              </a:schemeClr>
+            </a:lnRef>
+            <a:fillRef idx="1">
+              <a:schemeClr val="accent1"/>
+            </a:fillRef>
+            <a:effectRef idx="0">
+              <a:schemeClr val="accent1"/>
+            </a:effectRef>
+            <a:fontRef idx="minor">
+              <a:schemeClr val="lt1"/>
+            </a:fontRef>
+          </p:style>
+          <p:txBody>
+            <a:bodyPr rtlCol="0" anchor="ctr"/>
+            <a:lstStyle/>
+            <a:p>
+              <a:pPr algn="ctr"/>
+              <a:r>
+                <a:rPr lang="ko-KR" altLang="en-US" dirty="0" err="1"/>
+                <a:t>아니오</a:t>
+              </a:r>
+              <a:endParaRPr lang="ko-KR" altLang="en-US" dirty="0"/>
+            </a:p>
+          </p:txBody>
+        </p:sp>
+      </p:grpSp>
+      <p:grpSp>
+        <p:nvGrpSpPr>
+          <p:cNvPr id="48" name="그룹 47">
+            <a:extLst>
+              <a:ext uri="{FF2B5EF4-FFF2-40B4-BE49-F238E27FC236}">
+                <a16:creationId xmlns:a16="http://schemas.microsoft.com/office/drawing/2014/main" id="{6DFBF297-4CE6-4E99-8A36-AAA6A9B9A3F1}"/>
+              </a:ext>
+            </a:extLst>
+          </p:cNvPr>
+          <p:cNvGrpSpPr/>
+          <p:nvPr/>
+        </p:nvGrpSpPr>
+        <p:grpSpPr>
+          <a:xfrm>
+            <a:off x="7703344" y="2499157"/>
+            <a:ext cx="2876725" cy="1227156"/>
+            <a:chOff x="6434356" y="3357209"/>
+            <a:chExt cx="3506598" cy="1929468"/>
+          </a:xfrm>
+        </p:grpSpPr>
+        <p:sp>
+          <p:nvSpPr>
+            <p:cNvPr id="49" name="직사각형 48">
+              <a:extLst>
+                <a:ext uri="{FF2B5EF4-FFF2-40B4-BE49-F238E27FC236}">
+                  <a16:creationId xmlns:a16="http://schemas.microsoft.com/office/drawing/2014/main" id="{6600E6CB-D892-42BB-A91A-B458D5B042B3}"/>
+                </a:ext>
+              </a:extLst>
+            </p:cNvPr>
+            <p:cNvSpPr/>
+            <p:nvPr/>
+          </p:nvSpPr>
+          <p:spPr>
+            <a:xfrm>
+              <a:off x="6434356" y="3357209"/>
+              <a:ext cx="3506598" cy="1929468"/>
+            </a:xfrm>
+            <a:prstGeom prst="rect">
+              <a:avLst/>
+            </a:prstGeom>
+            <a:solidFill>
               <a:schemeClr val="bg1">
-                <a:lumMod val="85000"/>
+                <a:lumMod val="95000"/>
               </a:schemeClr>
             </a:solidFill>
           </p:spPr>
@@ -6529,22 +9336,70 @@
             <a:p>
               <a:pPr algn="ctr"/>
               <a:r>
-                <a:rPr lang="ko-KR" altLang="en-US" dirty="0">
+                <a:rPr lang="en-US" altLang="ko-KR" sz="1600" dirty="0">
+                  <a:solidFill>
+                    <a:schemeClr val="tx1"/>
+                  </a:solidFill>
+                </a:rPr>
+                <a:t>{</a:t>
+              </a:r>
+              <a:r>
+                <a:rPr lang="ko-KR" altLang="en-US" sz="1600" dirty="0">
                   <a:solidFill>
                     <a:schemeClr val="tx1"/>
                   </a:solidFill>
                 </a:rPr>
                 <a:t>이름</a:t>
               </a:r>
+              <a:r>
+                <a:rPr lang="en-US" altLang="ko-KR" sz="1600" dirty="0">
+                  <a:solidFill>
+                    <a:schemeClr val="tx1"/>
+                  </a:solidFill>
+                </a:rPr>
+                <a:t>}</a:t>
+              </a:r>
+              <a:r>
+                <a:rPr lang="ko-KR" altLang="en-US" sz="1600" dirty="0">
+                  <a:solidFill>
+                    <a:schemeClr val="tx1"/>
+                  </a:solidFill>
+                </a:rPr>
+                <a:t>을 수정 하시겠습니까 </a:t>
+              </a:r>
+              <a:r>
+                <a:rPr lang="en-US" altLang="ko-KR" sz="1600" dirty="0">
+                  <a:solidFill>
+                    <a:schemeClr val="tx1"/>
+                  </a:solidFill>
+                </a:rPr>
+                <a:t>?</a:t>
+              </a:r>
+            </a:p>
+            <a:p>
+              <a:pPr algn="ctr"/>
+              <a:endParaRPr lang="en-US" altLang="ko-KR" sz="1600" dirty="0">
+                <a:solidFill>
+                  <a:schemeClr val="tx1"/>
+                </a:solidFill>
+              </a:endParaRPr>
+            </a:p>
+            <a:p>
+              <a:pPr algn="ctr"/>
+              <a:endParaRPr lang="ko-KR" altLang="en-US" sz="1600" dirty="0">
+                <a:solidFill>
+                  <a:schemeClr val="tx1"/>
+                </a:solidFill>
+              </a:endParaRPr>
             </a:p>
           </p:txBody>
         </p:sp>
         <p:sp>
           <p:nvSpPr>
-            <p:cNvPr id="13" name="사각형: 둥근 모서리 12">
+            <p:cNvPr id="50" name="사각형: 둥근 모서리 49">
               <a:extLst>
                 <a:ext uri="{FF2B5EF4-FFF2-40B4-BE49-F238E27FC236}">
-                  <a16:creationId xmlns:a16="http://schemas.microsoft.com/office/drawing/2014/main" id="{1CCAC838-4BC8-49F7-9C46-FD33134F85AA}"/>
+                  <a16:creationId xmlns:a16="http://schemas.microsoft.com/office/drawing/2014/main" id="{ECEA424F-A5A1-4316-8A9E-936C98DB663A}"/>
                 </a:ext>
               </a:extLst>
             </p:cNvPr>
@@ -6553,12 +9408,15 @@
           </p:nvSpPr>
           <p:spPr>
             <a:xfrm>
-              <a:off x="6923014" y="5323221"/>
+              <a:off x="6943986" y="4639096"/>
               <a:ext cx="1166070" cy="394282"/>
             </a:xfrm>
             <a:prstGeom prst="roundRect">
               <a:avLst/>
             </a:prstGeom>
+            <a:solidFill>
+              <a:schemeClr val="accent4"/>
+            </a:solidFill>
           </p:spPr>
           <p:style>
             <a:lnRef idx="2">
@@ -6583,684 +9441,301 @@
               <a:pPr algn="ctr"/>
               <a:r>
                 <a:rPr lang="ko-KR" altLang="en-US" dirty="0"/>
-                <a:t>삭제</a:t>
+                <a:t>예</a:t>
               </a:r>
             </a:p>
           </p:txBody>
         </p:sp>
-        <p:grpSp>
-          <p:nvGrpSpPr>
-            <p:cNvPr id="14" name="그룹 13">
+        <p:sp>
+          <p:nvSpPr>
+            <p:cNvPr id="51" name="사각형: 둥근 모서리 50">
               <a:extLst>
                 <a:ext uri="{FF2B5EF4-FFF2-40B4-BE49-F238E27FC236}">
-                  <a16:creationId xmlns:a16="http://schemas.microsoft.com/office/drawing/2014/main" id="{EF07DFBD-82AA-4C93-ABB7-79E1C9EFD241}"/>
+                  <a16:creationId xmlns:a16="http://schemas.microsoft.com/office/drawing/2014/main" id="{2D3BA2D6-CECB-45BD-A62A-FE86959E6787}"/>
                 </a:ext>
               </a:extLst>
             </p:cNvPr>
-            <p:cNvGrpSpPr/>
+            <p:cNvSpPr/>
             <p:nvPr/>
-          </p:nvGrpSpPr>
-          <p:grpSpPr>
+          </p:nvSpPr>
+          <p:spPr>
             <a:xfrm>
-              <a:off x="7743738" y="3859936"/>
-              <a:ext cx="2876725" cy="1227156"/>
-              <a:chOff x="6434356" y="3357209"/>
-              <a:chExt cx="3506598" cy="1929468"/>
+              <a:off x="8311043" y="4639096"/>
+              <a:ext cx="1166070" cy="394282"/>
             </a:xfrm>
-          </p:grpSpPr>
-          <p:sp>
-            <p:nvSpPr>
-              <p:cNvPr id="15" name="직사각형 14">
-                <a:extLst>
-                  <a:ext uri="{FF2B5EF4-FFF2-40B4-BE49-F238E27FC236}">
-                    <a16:creationId xmlns:a16="http://schemas.microsoft.com/office/drawing/2014/main" id="{6CB5E6AC-72E1-4CF3-B99B-CE6EC8A1E2BC}"/>
-                  </a:ext>
-                </a:extLst>
-              </p:cNvPr>
-              <p:cNvSpPr/>
-              <p:nvPr/>
-            </p:nvSpPr>
-            <p:spPr>
-              <a:xfrm>
-                <a:off x="6434356" y="3357209"/>
-                <a:ext cx="3506598" cy="1929468"/>
-              </a:xfrm>
-              <a:prstGeom prst="rect">
-                <a:avLst/>
-              </a:prstGeom>
-              <a:solidFill>
-                <a:schemeClr val="bg1">
-                  <a:lumMod val="95000"/>
-                </a:schemeClr>
-              </a:solidFill>
-            </p:spPr>
-            <p:style>
-              <a:lnRef idx="2">
-                <a:schemeClr val="accent1">
-                  <a:shade val="50000"/>
-                </a:schemeClr>
-              </a:lnRef>
-              <a:fillRef idx="1">
-                <a:schemeClr val="accent1"/>
-              </a:fillRef>
-              <a:effectRef idx="0">
-                <a:schemeClr val="accent1"/>
-              </a:effectRef>
-              <a:fontRef idx="minor">
-                <a:schemeClr val="lt1"/>
-              </a:fontRef>
-            </p:style>
-            <p:txBody>
-              <a:bodyPr rtlCol="0" anchor="ctr"/>
-              <a:lstStyle/>
-              <a:p>
-                <a:pPr algn="ctr"/>
-                <a:r>
-                  <a:rPr lang="en-US" altLang="ko-KR" sz="1600" dirty="0">
-                    <a:solidFill>
-                      <a:schemeClr val="tx1"/>
-                    </a:solidFill>
-                  </a:rPr>
-                  <a:t>{</a:t>
-                </a:r>
-                <a:r>
-                  <a:rPr lang="ko-KR" altLang="en-US" sz="1600" dirty="0">
-                    <a:solidFill>
-                      <a:schemeClr val="tx1"/>
-                    </a:solidFill>
-                  </a:rPr>
-                  <a:t>이름</a:t>
-                </a:r>
-                <a:r>
-                  <a:rPr lang="en-US" altLang="ko-KR" sz="1600" dirty="0">
-                    <a:solidFill>
-                      <a:schemeClr val="tx1"/>
-                    </a:solidFill>
-                  </a:rPr>
-                  <a:t>}</a:t>
-                </a:r>
-                <a:r>
-                  <a:rPr lang="ko-KR" altLang="en-US" sz="1600" dirty="0">
-                    <a:solidFill>
-                      <a:schemeClr val="tx1"/>
-                    </a:solidFill>
-                  </a:rPr>
-                  <a:t>을 수정 하시겠습니까 </a:t>
-                </a:r>
-                <a:r>
-                  <a:rPr lang="en-US" altLang="ko-KR" sz="1600" dirty="0">
-                    <a:solidFill>
-                      <a:schemeClr val="tx1"/>
-                    </a:solidFill>
-                  </a:rPr>
-                  <a:t>?</a:t>
-                </a:r>
-              </a:p>
-              <a:p>
-                <a:pPr algn="ctr"/>
-                <a:endParaRPr lang="en-US" altLang="ko-KR" sz="1600" dirty="0">
-                  <a:solidFill>
-                    <a:schemeClr val="tx1"/>
-                  </a:solidFill>
-                </a:endParaRPr>
-              </a:p>
-              <a:p>
-                <a:pPr algn="ctr"/>
-                <a:endParaRPr lang="ko-KR" altLang="en-US" sz="1600" dirty="0">
-                  <a:solidFill>
-                    <a:schemeClr val="tx1"/>
-                  </a:solidFill>
-                </a:endParaRPr>
-              </a:p>
-            </p:txBody>
-          </p:sp>
-          <p:sp>
-            <p:nvSpPr>
-              <p:cNvPr id="16" name="사각형: 둥근 모서리 15">
-                <a:extLst>
-                  <a:ext uri="{FF2B5EF4-FFF2-40B4-BE49-F238E27FC236}">
-                    <a16:creationId xmlns:a16="http://schemas.microsoft.com/office/drawing/2014/main" id="{B1A4E2AA-12E3-4548-9578-6E5B8B6A9238}"/>
-                  </a:ext>
-                </a:extLst>
-              </p:cNvPr>
-              <p:cNvSpPr/>
-              <p:nvPr/>
-            </p:nvSpPr>
-            <p:spPr>
-              <a:xfrm>
-                <a:off x="6943986" y="4639096"/>
-                <a:ext cx="1166070" cy="394282"/>
-              </a:xfrm>
-              <a:prstGeom prst="roundRect">
-                <a:avLst/>
-              </a:prstGeom>
-              <a:solidFill>
-                <a:schemeClr val="accent4"/>
-              </a:solidFill>
-            </p:spPr>
-            <p:style>
-              <a:lnRef idx="2">
-                <a:schemeClr val="accent1">
-                  <a:shade val="50000"/>
-                </a:schemeClr>
-              </a:lnRef>
-              <a:fillRef idx="1">
-                <a:schemeClr val="accent1"/>
-              </a:fillRef>
-              <a:effectRef idx="0">
-                <a:schemeClr val="accent1"/>
-              </a:effectRef>
-              <a:fontRef idx="minor">
-                <a:schemeClr val="lt1"/>
-              </a:fontRef>
-            </p:style>
-            <p:txBody>
-              <a:bodyPr rtlCol="0" anchor="ctr"/>
-              <a:lstStyle/>
-              <a:p>
-                <a:pPr algn="ctr"/>
-                <a:r>
-                  <a:rPr lang="ko-KR" altLang="en-US" dirty="0"/>
-                  <a:t>예</a:t>
-                </a:r>
-              </a:p>
-            </p:txBody>
-          </p:sp>
-          <p:sp>
-            <p:nvSpPr>
-              <p:cNvPr id="17" name="사각형: 둥근 모서리 16">
-                <a:extLst>
-                  <a:ext uri="{FF2B5EF4-FFF2-40B4-BE49-F238E27FC236}">
-                    <a16:creationId xmlns:a16="http://schemas.microsoft.com/office/drawing/2014/main" id="{3FFD0E13-E4F2-462A-8954-006FB0B37CFD}"/>
-                  </a:ext>
-                </a:extLst>
-              </p:cNvPr>
-              <p:cNvSpPr/>
-              <p:nvPr/>
-            </p:nvSpPr>
-            <p:spPr>
-              <a:xfrm>
-                <a:off x="8311043" y="4639096"/>
-                <a:ext cx="1166070" cy="394282"/>
-              </a:xfrm>
-              <a:prstGeom prst="roundRect">
-                <a:avLst/>
-              </a:prstGeom>
-              <a:solidFill>
-                <a:schemeClr val="accent4"/>
-              </a:solidFill>
-            </p:spPr>
-            <p:style>
-              <a:lnRef idx="2">
-                <a:schemeClr val="accent1">
-                  <a:shade val="50000"/>
-                </a:schemeClr>
-              </a:lnRef>
-              <a:fillRef idx="1">
-                <a:schemeClr val="accent1"/>
-              </a:fillRef>
-              <a:effectRef idx="0">
-                <a:schemeClr val="accent1"/>
-              </a:effectRef>
-              <a:fontRef idx="minor">
-                <a:schemeClr val="lt1"/>
-              </a:fontRef>
-            </p:style>
-            <p:txBody>
-              <a:bodyPr rtlCol="0" anchor="ctr"/>
-              <a:lstStyle/>
-              <a:p>
-                <a:pPr algn="ctr"/>
-                <a:r>
-                  <a:rPr lang="ko-KR" altLang="en-US" dirty="0" err="1"/>
-                  <a:t>아니오</a:t>
-                </a:r>
-                <a:endParaRPr lang="ko-KR" altLang="en-US" dirty="0"/>
-              </a:p>
-            </p:txBody>
-          </p:sp>
-        </p:grpSp>
-        <p:grpSp>
-          <p:nvGrpSpPr>
-            <p:cNvPr id="18" name="그룹 17">
-              <a:extLst>
-                <a:ext uri="{FF2B5EF4-FFF2-40B4-BE49-F238E27FC236}">
-                  <a16:creationId xmlns:a16="http://schemas.microsoft.com/office/drawing/2014/main" id="{EB7EC7EF-37B8-4236-8363-BEDD32E383D6}"/>
-                </a:ext>
-              </a:extLst>
-            </p:cNvPr>
-            <p:cNvGrpSpPr/>
-            <p:nvPr/>
-          </p:nvGrpSpPr>
-          <p:grpSpPr>
-            <a:xfrm>
-              <a:off x="4178416" y="3859936"/>
-              <a:ext cx="2876725" cy="1227156"/>
-              <a:chOff x="6434356" y="3357209"/>
-              <a:chExt cx="3506598" cy="1929468"/>
-            </a:xfrm>
-          </p:grpSpPr>
-          <p:sp>
-            <p:nvSpPr>
-              <p:cNvPr id="19" name="직사각형 18">
-                <a:extLst>
-                  <a:ext uri="{FF2B5EF4-FFF2-40B4-BE49-F238E27FC236}">
-                    <a16:creationId xmlns:a16="http://schemas.microsoft.com/office/drawing/2014/main" id="{4AA8EB61-82C1-4DC8-B457-DB0EFA126A7D}"/>
-                  </a:ext>
-                </a:extLst>
-              </p:cNvPr>
-              <p:cNvSpPr/>
-              <p:nvPr/>
-            </p:nvSpPr>
-            <p:spPr>
-              <a:xfrm>
-                <a:off x="6434356" y="3357209"/>
-                <a:ext cx="3506598" cy="1929468"/>
-              </a:xfrm>
-              <a:prstGeom prst="rect">
-                <a:avLst/>
-              </a:prstGeom>
-              <a:solidFill>
-                <a:schemeClr val="bg1">
-                  <a:lumMod val="95000"/>
-                </a:schemeClr>
-              </a:solidFill>
-            </p:spPr>
-            <p:style>
-              <a:lnRef idx="2">
-                <a:schemeClr val="accent1">
-                  <a:shade val="50000"/>
-                </a:schemeClr>
-              </a:lnRef>
-              <a:fillRef idx="1">
-                <a:schemeClr val="accent1"/>
-              </a:fillRef>
-              <a:effectRef idx="0">
-                <a:schemeClr val="accent1"/>
-              </a:effectRef>
-              <a:fontRef idx="minor">
-                <a:schemeClr val="lt1"/>
-              </a:fontRef>
-            </p:style>
-            <p:txBody>
-              <a:bodyPr rtlCol="0" anchor="ctr"/>
-              <a:lstStyle/>
-              <a:p>
-                <a:pPr algn="ctr"/>
-                <a:r>
-                  <a:rPr lang="en-US" altLang="ko-KR" sz="1600" dirty="0">
-                    <a:solidFill>
-                      <a:schemeClr val="tx1"/>
-                    </a:solidFill>
-                  </a:rPr>
-                  <a:t>{</a:t>
-                </a:r>
-                <a:r>
-                  <a:rPr lang="ko-KR" altLang="en-US" sz="1600" dirty="0">
-                    <a:solidFill>
-                      <a:schemeClr val="tx1"/>
-                    </a:solidFill>
-                  </a:rPr>
-                  <a:t>이름</a:t>
-                </a:r>
-                <a:r>
-                  <a:rPr lang="en-US" altLang="ko-KR" sz="1600" dirty="0">
-                    <a:solidFill>
-                      <a:schemeClr val="tx1"/>
-                    </a:solidFill>
-                  </a:rPr>
-                  <a:t>}</a:t>
-                </a:r>
-                <a:r>
-                  <a:rPr lang="ko-KR" altLang="en-US" sz="1600" dirty="0">
-                    <a:solidFill>
-                      <a:schemeClr val="tx1"/>
-                    </a:solidFill>
-                  </a:rPr>
-                  <a:t>을 삭제 하시겠습니까 </a:t>
-                </a:r>
-                <a:r>
-                  <a:rPr lang="en-US" altLang="ko-KR" sz="1600" dirty="0">
-                    <a:solidFill>
-                      <a:schemeClr val="tx1"/>
-                    </a:solidFill>
-                  </a:rPr>
-                  <a:t>?</a:t>
-                </a:r>
-              </a:p>
-              <a:p>
-                <a:pPr algn="ctr"/>
-                <a:endParaRPr lang="en-US" altLang="ko-KR" sz="1600" dirty="0">
-                  <a:solidFill>
-                    <a:schemeClr val="tx1"/>
-                  </a:solidFill>
-                </a:endParaRPr>
-              </a:p>
-              <a:p>
-                <a:pPr algn="ctr"/>
-                <a:endParaRPr lang="ko-KR" altLang="en-US" sz="1600" dirty="0">
-                  <a:solidFill>
-                    <a:schemeClr val="tx1"/>
-                  </a:solidFill>
-                </a:endParaRPr>
-              </a:p>
-            </p:txBody>
-          </p:sp>
-          <p:sp>
-            <p:nvSpPr>
-              <p:cNvPr id="20" name="사각형: 둥근 모서리 19">
-                <a:extLst>
-                  <a:ext uri="{FF2B5EF4-FFF2-40B4-BE49-F238E27FC236}">
-                    <a16:creationId xmlns:a16="http://schemas.microsoft.com/office/drawing/2014/main" id="{B15AC744-F9E8-49D7-AF96-851EAB1AF835}"/>
-                  </a:ext>
-                </a:extLst>
-              </p:cNvPr>
-              <p:cNvSpPr/>
-              <p:nvPr/>
-            </p:nvSpPr>
-            <p:spPr>
-              <a:xfrm>
-                <a:off x="6943986" y="4639096"/>
-                <a:ext cx="1166070" cy="394282"/>
-              </a:xfrm>
-              <a:prstGeom prst="roundRect">
-                <a:avLst/>
-              </a:prstGeom>
-              <a:solidFill>
-                <a:schemeClr val="accent4"/>
-              </a:solidFill>
-            </p:spPr>
-            <p:style>
-              <a:lnRef idx="2">
-                <a:schemeClr val="accent1">
-                  <a:shade val="50000"/>
-                </a:schemeClr>
-              </a:lnRef>
-              <a:fillRef idx="1">
-                <a:schemeClr val="accent1"/>
-              </a:fillRef>
-              <a:effectRef idx="0">
-                <a:schemeClr val="accent1"/>
-              </a:effectRef>
-              <a:fontRef idx="minor">
-                <a:schemeClr val="lt1"/>
-              </a:fontRef>
-            </p:style>
-            <p:txBody>
-              <a:bodyPr rtlCol="0" anchor="ctr"/>
-              <a:lstStyle/>
-              <a:p>
-                <a:pPr algn="ctr"/>
-                <a:r>
-                  <a:rPr lang="ko-KR" altLang="en-US" dirty="0"/>
-                  <a:t>예</a:t>
-                </a:r>
-              </a:p>
-            </p:txBody>
-          </p:sp>
-          <p:sp>
-            <p:nvSpPr>
-              <p:cNvPr id="21" name="사각형: 둥근 모서리 20">
-                <a:extLst>
-                  <a:ext uri="{FF2B5EF4-FFF2-40B4-BE49-F238E27FC236}">
-                    <a16:creationId xmlns:a16="http://schemas.microsoft.com/office/drawing/2014/main" id="{36E2465D-77FD-410C-B489-E2E63ABF61DA}"/>
-                  </a:ext>
-                </a:extLst>
-              </p:cNvPr>
-              <p:cNvSpPr/>
-              <p:nvPr/>
-            </p:nvSpPr>
-            <p:spPr>
-              <a:xfrm>
-                <a:off x="8311043" y="4639096"/>
-                <a:ext cx="1166070" cy="394282"/>
-              </a:xfrm>
-              <a:prstGeom prst="roundRect">
-                <a:avLst/>
-              </a:prstGeom>
-              <a:solidFill>
-                <a:schemeClr val="accent4"/>
-              </a:solidFill>
-            </p:spPr>
-            <p:style>
-              <a:lnRef idx="2">
-                <a:schemeClr val="accent1">
-                  <a:shade val="50000"/>
-                </a:schemeClr>
-              </a:lnRef>
-              <a:fillRef idx="1">
-                <a:schemeClr val="accent1"/>
-              </a:fillRef>
-              <a:effectRef idx="0">
-                <a:schemeClr val="accent1"/>
-              </a:effectRef>
-              <a:fontRef idx="minor">
-                <a:schemeClr val="lt1"/>
-              </a:fontRef>
-            </p:style>
-            <p:txBody>
-              <a:bodyPr rtlCol="0" anchor="ctr"/>
-              <a:lstStyle/>
-              <a:p>
-                <a:pPr algn="ctr"/>
-                <a:r>
-                  <a:rPr lang="ko-KR" altLang="en-US" dirty="0" err="1"/>
-                  <a:t>아니오</a:t>
-                </a:r>
-                <a:endParaRPr lang="ko-KR" altLang="en-US" dirty="0"/>
-              </a:p>
-            </p:txBody>
-          </p:sp>
-        </p:grpSp>
-        <p:cxnSp>
-          <p:nvCxnSpPr>
-            <p:cNvPr id="5" name="연결선: 꺾임 4">
-              <a:extLst>
-                <a:ext uri="{FF2B5EF4-FFF2-40B4-BE49-F238E27FC236}">
-                  <a16:creationId xmlns:a16="http://schemas.microsoft.com/office/drawing/2014/main" id="{63C27ADC-246C-4399-B26E-A9875675888E}"/>
-                </a:ext>
-              </a:extLst>
-            </p:cNvPr>
-            <p:cNvCxnSpPr>
-              <a:cxnSpLocks/>
-              <a:stCxn id="13" idx="0"/>
-              <a:endCxn id="19" idx="3"/>
-            </p:cNvCxnSpPr>
-            <p:nvPr/>
-          </p:nvCxnSpPr>
-          <p:spPr>
-            <a:xfrm rot="16200000" flipV="1">
-              <a:off x="6855742" y="4672914"/>
-              <a:ext cx="849707" cy="450908"/>
-            </a:xfrm>
-            <a:prstGeom prst="bentConnector2">
+            <a:prstGeom prst="roundRect">
               <a:avLst/>
             </a:prstGeom>
-            <a:ln>
-              <a:tailEnd type="triangle"/>
-            </a:ln>
+            <a:solidFill>
+              <a:schemeClr val="accent4"/>
+            </a:solidFill>
           </p:spPr>
           <p:style>
-            <a:lnRef idx="1">
-              <a:schemeClr val="accent1"/>
+            <a:lnRef idx="2">
+              <a:schemeClr val="accent1">
+                <a:shade val="50000"/>
+              </a:schemeClr>
             </a:lnRef>
-            <a:fillRef idx="0">
+            <a:fillRef idx="1">
               <a:schemeClr val="accent1"/>
             </a:fillRef>
             <a:effectRef idx="0">
               <a:schemeClr val="accent1"/>
             </a:effectRef>
             <a:fontRef idx="minor">
-              <a:schemeClr val="tx1"/>
+              <a:schemeClr val="lt1"/>
             </a:fontRef>
           </p:style>
-        </p:cxnSp>
-        <p:cxnSp>
-          <p:nvCxnSpPr>
-            <p:cNvPr id="25" name="연결선: 꺾임 24">
+          <p:txBody>
+            <a:bodyPr rtlCol="0" anchor="ctr"/>
+            <a:lstStyle/>
+            <a:p>
+              <a:pPr algn="ctr"/>
+              <a:r>
+                <a:rPr lang="ko-KR" altLang="en-US" dirty="0" err="1"/>
+                <a:t>아니오</a:t>
+              </a:r>
+              <a:endParaRPr lang="ko-KR" altLang="en-US" dirty="0"/>
+            </a:p>
+          </p:txBody>
+        </p:sp>
+      </p:grpSp>
+      <p:grpSp>
+        <p:nvGrpSpPr>
+          <p:cNvPr id="52" name="그룹 51">
+            <a:extLst>
+              <a:ext uri="{FF2B5EF4-FFF2-40B4-BE49-F238E27FC236}">
+                <a16:creationId xmlns:a16="http://schemas.microsoft.com/office/drawing/2014/main" id="{48FE9A2C-E3C3-40CB-A31D-F53414D5CE03}"/>
+              </a:ext>
+            </a:extLst>
+          </p:cNvPr>
+          <p:cNvGrpSpPr/>
+          <p:nvPr/>
+        </p:nvGrpSpPr>
+        <p:grpSpPr>
+          <a:xfrm>
+            <a:off x="9111142" y="3885598"/>
+            <a:ext cx="2876725" cy="1227156"/>
+            <a:chOff x="6434356" y="3357209"/>
+            <a:chExt cx="3506598" cy="1929468"/>
+          </a:xfrm>
+        </p:grpSpPr>
+        <p:sp>
+          <p:nvSpPr>
+            <p:cNvPr id="53" name="직사각형 52">
               <a:extLst>
                 <a:ext uri="{FF2B5EF4-FFF2-40B4-BE49-F238E27FC236}">
-                  <a16:creationId xmlns:a16="http://schemas.microsoft.com/office/drawing/2014/main" id="{332794DD-82FD-48F8-B4CD-CEC754049F75}"/>
+                  <a16:creationId xmlns:a16="http://schemas.microsoft.com/office/drawing/2014/main" id="{20E8551D-8E8D-4CD1-93FC-74E4F6D1CB21}"/>
                 </a:ext>
               </a:extLst>
             </p:cNvPr>
-            <p:cNvCxnSpPr>
-              <a:cxnSpLocks/>
-              <a:stCxn id="38" idx="0"/>
-              <a:endCxn id="15" idx="3"/>
-            </p:cNvCxnSpPr>
+            <p:cNvSpPr/>
             <p:nvPr/>
-          </p:nvCxnSpPr>
+          </p:nvSpPr>
           <p:spPr>
-            <a:xfrm rot="5400000" flipH="1" flipV="1">
-              <a:off x="10100041" y="4821261"/>
-              <a:ext cx="868168" cy="172675"/>
+            <a:xfrm>
+              <a:off x="6434356" y="3357209"/>
+              <a:ext cx="3506598" cy="1929468"/>
             </a:xfrm>
-            <a:prstGeom prst="bentConnector4">
-              <a:avLst>
-                <a:gd name="adj1" fmla="val 14662"/>
-                <a:gd name="adj2" fmla="val 232387"/>
-              </a:avLst>
+            <a:prstGeom prst="rect">
+              <a:avLst/>
             </a:prstGeom>
-            <a:ln>
-              <a:tailEnd type="triangle"/>
-            </a:ln>
+            <a:solidFill>
+              <a:schemeClr val="bg1">
+                <a:lumMod val="95000"/>
+              </a:schemeClr>
+            </a:solidFill>
           </p:spPr>
           <p:style>
-            <a:lnRef idx="1">
-              <a:schemeClr val="accent1"/>
+            <a:lnRef idx="2">
+              <a:schemeClr val="accent1">
+                <a:shade val="50000"/>
+              </a:schemeClr>
             </a:lnRef>
-            <a:fillRef idx="0">
+            <a:fillRef idx="1">
               <a:schemeClr val="accent1"/>
             </a:fillRef>
             <a:effectRef idx="0">
               <a:schemeClr val="accent1"/>
             </a:effectRef>
             <a:fontRef idx="minor">
-              <a:schemeClr val="tx1"/>
+              <a:schemeClr val="lt1"/>
             </a:fontRef>
           </p:style>
-        </p:cxnSp>
+          <p:txBody>
+            <a:bodyPr rtlCol="0" anchor="ctr"/>
+            <a:lstStyle/>
+            <a:p>
+              <a:pPr algn="ctr"/>
+              <a:r>
+                <a:rPr lang="en-US" altLang="ko-KR" sz="1600" dirty="0">
+                  <a:solidFill>
+                    <a:schemeClr val="tx1"/>
+                  </a:solidFill>
+                </a:rPr>
+                <a:t>{</a:t>
+              </a:r>
+              <a:r>
+                <a:rPr lang="ko-KR" altLang="en-US" sz="1600" dirty="0">
+                  <a:solidFill>
+                    <a:schemeClr val="tx1"/>
+                  </a:solidFill>
+                </a:rPr>
+                <a:t>이름</a:t>
+              </a:r>
+              <a:r>
+                <a:rPr lang="en-US" altLang="ko-KR" sz="1600" dirty="0">
+                  <a:solidFill>
+                    <a:schemeClr val="tx1"/>
+                  </a:solidFill>
+                </a:rPr>
+                <a:t>}</a:t>
+              </a:r>
+              <a:r>
+                <a:rPr lang="ko-KR" altLang="en-US" sz="1600" dirty="0">
+                  <a:solidFill>
+                    <a:schemeClr val="tx1"/>
+                  </a:solidFill>
+                </a:rPr>
+                <a:t>을 삭제 하시겠습니까 </a:t>
+              </a:r>
+              <a:r>
+                <a:rPr lang="en-US" altLang="ko-KR" sz="1600" dirty="0">
+                  <a:solidFill>
+                    <a:schemeClr val="tx1"/>
+                  </a:solidFill>
+                </a:rPr>
+                <a:t>?</a:t>
+              </a:r>
+            </a:p>
+            <a:p>
+              <a:pPr algn="ctr"/>
+              <a:endParaRPr lang="en-US" altLang="ko-KR" sz="1600" dirty="0">
+                <a:solidFill>
+                  <a:schemeClr val="tx1"/>
+                </a:solidFill>
+              </a:endParaRPr>
+            </a:p>
+            <a:p>
+              <a:pPr algn="ctr"/>
+              <a:endParaRPr lang="ko-KR" altLang="en-US" sz="1600" dirty="0">
+                <a:solidFill>
+                  <a:schemeClr val="tx1"/>
+                </a:solidFill>
+              </a:endParaRPr>
+            </a:p>
+          </p:txBody>
+        </p:sp>
+        <p:sp>
+          <p:nvSpPr>
+            <p:cNvPr id="54" name="사각형: 둥근 모서리 53">
+              <a:extLst>
+                <a:ext uri="{FF2B5EF4-FFF2-40B4-BE49-F238E27FC236}">
+                  <a16:creationId xmlns:a16="http://schemas.microsoft.com/office/drawing/2014/main" id="{523D79DE-AC0E-47C5-A815-F548F38D7258}"/>
+                </a:ext>
+              </a:extLst>
+            </p:cNvPr>
+            <p:cNvSpPr/>
+            <p:nvPr/>
+          </p:nvSpPr>
+          <p:spPr>
+            <a:xfrm>
+              <a:off x="6943986" y="4639096"/>
+              <a:ext cx="1166070" cy="394282"/>
+            </a:xfrm>
+            <a:prstGeom prst="roundRect">
+              <a:avLst/>
+            </a:prstGeom>
+            <a:solidFill>
+              <a:schemeClr val="accent4"/>
+            </a:solidFill>
+          </p:spPr>
+          <p:style>
+            <a:lnRef idx="2">
+              <a:schemeClr val="accent1">
+                <a:shade val="50000"/>
+              </a:schemeClr>
+            </a:lnRef>
+            <a:fillRef idx="1">
+              <a:schemeClr val="accent1"/>
+            </a:fillRef>
+            <a:effectRef idx="0">
+              <a:schemeClr val="accent1"/>
+            </a:effectRef>
+            <a:fontRef idx="minor">
+              <a:schemeClr val="lt1"/>
+            </a:fontRef>
+          </p:style>
+          <p:txBody>
+            <a:bodyPr rtlCol="0" anchor="ctr"/>
+            <a:lstStyle/>
+            <a:p>
+              <a:pPr algn="ctr"/>
+              <a:r>
+                <a:rPr lang="ko-KR" altLang="en-US" dirty="0"/>
+                <a:t>예</a:t>
+              </a:r>
+            </a:p>
+          </p:txBody>
+        </p:sp>
+        <p:sp>
+          <p:nvSpPr>
+            <p:cNvPr id="55" name="사각형: 둥근 모서리 54">
+              <a:extLst>
+                <a:ext uri="{FF2B5EF4-FFF2-40B4-BE49-F238E27FC236}">
+                  <a16:creationId xmlns:a16="http://schemas.microsoft.com/office/drawing/2014/main" id="{47AF3540-9884-4E6C-8FAF-8C2C04249E5C}"/>
+                </a:ext>
+              </a:extLst>
+            </p:cNvPr>
+            <p:cNvSpPr/>
+            <p:nvPr/>
+          </p:nvSpPr>
+          <p:spPr>
+            <a:xfrm>
+              <a:off x="8311043" y="4639096"/>
+              <a:ext cx="1166070" cy="394282"/>
+            </a:xfrm>
+            <a:prstGeom prst="roundRect">
+              <a:avLst/>
+            </a:prstGeom>
+            <a:solidFill>
+              <a:schemeClr val="accent4"/>
+            </a:solidFill>
+          </p:spPr>
+          <p:style>
+            <a:lnRef idx="2">
+              <a:schemeClr val="accent1">
+                <a:shade val="50000"/>
+              </a:schemeClr>
+            </a:lnRef>
+            <a:fillRef idx="1">
+              <a:schemeClr val="accent1"/>
+            </a:fillRef>
+            <a:effectRef idx="0">
+              <a:schemeClr val="accent1"/>
+            </a:effectRef>
+            <a:fontRef idx="minor">
+              <a:schemeClr val="lt1"/>
+            </a:fontRef>
+          </p:style>
+          <p:txBody>
+            <a:bodyPr rtlCol="0" anchor="ctr"/>
+            <a:lstStyle/>
+            <a:p>
+              <a:pPr algn="ctr"/>
+              <a:r>
+                <a:rPr lang="ko-KR" altLang="en-US" dirty="0" err="1"/>
+                <a:t>아니오</a:t>
+              </a:r>
+              <a:endParaRPr lang="ko-KR" altLang="en-US" dirty="0"/>
+            </a:p>
+          </p:txBody>
+        </p:sp>
       </p:grpSp>
-      <p:sp>
-        <p:nvSpPr>
-          <p:cNvPr id="26" name="TextBox 25">
-            <a:extLst>
-              <a:ext uri="{FF2B5EF4-FFF2-40B4-BE49-F238E27FC236}">
-                <a16:creationId xmlns:a16="http://schemas.microsoft.com/office/drawing/2014/main" id="{2E65BC03-98AE-4D88-A419-75C236236DE6}"/>
-              </a:ext>
-            </a:extLst>
-          </p:cNvPr>
-          <p:cNvSpPr txBox="1"/>
-          <p:nvPr/>
-        </p:nvSpPr>
-        <p:spPr>
-          <a:xfrm>
-            <a:off x="928956" y="6388120"/>
-            <a:ext cx="8289689" cy="1477328"/>
-          </a:xfrm>
-          <a:prstGeom prst="rect">
-            <a:avLst/>
-          </a:prstGeom>
-          <a:noFill/>
-          <a:ln>
-            <a:solidFill>
-              <a:schemeClr val="accent1"/>
-            </a:solidFill>
-          </a:ln>
-        </p:spPr>
-        <p:txBody>
-          <a:bodyPr wrap="square" rtlCol="0">
-            <a:spAutoFit/>
-          </a:bodyPr>
-          <a:lstStyle/>
-          <a:p>
-            <a:r>
-              <a:rPr lang="en-US" altLang="ko-KR" dirty="0"/>
-              <a:t>GET  </a:t>
-            </a:r>
-            <a:r>
-              <a:rPr lang="en-US" altLang="ko-KR" dirty="0">
-                <a:hlinkClick r:id="rId2"/>
-              </a:rPr>
-              <a:t>http://localhost:????/catweb/category_</a:t>
-            </a:r>
-            <a:r>
-              <a:rPr lang="en-US" altLang="ko-KR" dirty="0"/>
-              <a:t>view?id=num   =&gt; </a:t>
-            </a:r>
-            <a:r>
-              <a:rPr lang="ko-KR" altLang="en-US" dirty="0"/>
-              <a:t>수정 버튼 </a:t>
-            </a:r>
-            <a:r>
-              <a:rPr lang="en-US" altLang="ko-KR" dirty="0"/>
-              <a:t>=&gt;</a:t>
-            </a:r>
-          </a:p>
-          <a:p>
-            <a:r>
-              <a:rPr lang="en-US" altLang="ko-KR" dirty="0"/>
-              <a:t>POST </a:t>
-            </a:r>
-            <a:r>
-              <a:rPr lang="en-US" altLang="ko-KR" dirty="0">
-                <a:hlinkClick r:id="rId2"/>
-              </a:rPr>
-              <a:t>http://localhost:????/catweb/category_</a:t>
-            </a:r>
-            <a:r>
-              <a:rPr lang="en-US" altLang="ko-KR" dirty="0"/>
-              <a:t>update =&gt; DB insert =&gt;</a:t>
-            </a:r>
-          </a:p>
-          <a:p>
-            <a:r>
-              <a:rPr lang="en-US" altLang="ko-KR" dirty="0"/>
-              <a:t>REDIRECT </a:t>
-            </a:r>
-            <a:r>
-              <a:rPr lang="en-US" altLang="ko-KR" dirty="0">
-                <a:hlinkClick r:id="rId3"/>
-              </a:rPr>
-              <a:t>http://localhost:????/catweb/category_list?page=1&amp;name</a:t>
-            </a:r>
-            <a:r>
-              <a:rPr lang="en-US" altLang="ko-KR" dirty="0"/>
-              <a:t>=</a:t>
-            </a:r>
-          </a:p>
-          <a:p>
-            <a:r>
-              <a:rPr lang="ko-KR" altLang="en-US" dirty="0"/>
-              <a:t>삭제버튼 </a:t>
-            </a:r>
-            <a:r>
-              <a:rPr lang="en-US" altLang="ko-KR" dirty="0"/>
-              <a:t>=&gt; GET </a:t>
-            </a:r>
-            <a:r>
-              <a:rPr lang="en-US" altLang="ko-KR" dirty="0">
-                <a:hlinkClick r:id="rId4"/>
-              </a:rPr>
-              <a:t>http://localhost:????/catweb/category_delete?id=num</a:t>
-            </a:r>
-            <a:r>
-              <a:rPr lang="en-US" altLang="ko-KR" dirty="0"/>
-              <a:t> =&gt; REDIRECT </a:t>
-            </a:r>
-            <a:r>
-              <a:rPr lang="ko-KR" altLang="en-US" dirty="0"/>
-              <a:t>화면목록</a:t>
-            </a:r>
-            <a:endParaRPr lang="en-US" altLang="ko-KR" dirty="0"/>
-          </a:p>
-        </p:txBody>
-      </p:sp>
     </p:spTree>
     <p:extLst>
       <p:ext uri="{BB962C8B-B14F-4D97-AF65-F5344CB8AC3E}">
-        <p14:creationId xmlns:p14="http://schemas.microsoft.com/office/powerpoint/2010/main" val="2403962128"/>
+        <p14:creationId xmlns:p14="http://schemas.microsoft.com/office/powerpoint/2010/main" val="2457023631"/>
       </p:ext>
     </p:extLst>
   </p:cSld>
